--- a/Keeping Up With C#.pptx
+++ b/Keeping Up With C#.pptx
@@ -5,7 +5,7 @@
     <p:sldMasterId id="2147483648" r:id="rId1"/>
   </p:sldMasterIdLst>
   <p:notesMasterIdLst>
-    <p:notesMasterId r:id="rId18"/>
+    <p:notesMasterId r:id="rId19"/>
   </p:notesMasterIdLst>
   <p:sldIdLst>
     <p:sldId id="276" r:id="rId2"/>
@@ -21,9 +21,10 @@
     <p:sldId id="312" r:id="rId12"/>
     <p:sldId id="313" r:id="rId13"/>
     <p:sldId id="314" r:id="rId14"/>
-    <p:sldId id="302" r:id="rId15"/>
-    <p:sldId id="315" r:id="rId16"/>
-    <p:sldId id="304" r:id="rId17"/>
+    <p:sldId id="316" r:id="rId15"/>
+    <p:sldId id="302" r:id="rId16"/>
+    <p:sldId id="315" r:id="rId17"/>
+    <p:sldId id="304" r:id="rId18"/>
   </p:sldIdLst>
   <p:sldSz cx="12192000" cy="6858000"/>
   <p:notesSz cx="6858000" cy="9144000"/>
@@ -1293,6 +1294,78 @@
           <a:bodyPr/>
           <a:lstStyle/>
           <a:p>
+            <a:r>
+              <a:rPr lang="en-US">
+                <a:cs typeface="Calibri"/>
+              </a:rPr>
+              <a:t>Read-only members</a:t>
+            </a:r>
+          </a:p>
+          <a:p>
+            <a:r>
+              <a:rPr lang="en-US">
+                <a:cs typeface="Calibri"/>
+              </a:rPr>
+              <a:t>Default interface members</a:t>
+            </a:r>
+          </a:p>
+          <a:p>
+            <a:r>
+              <a:rPr lang="en-US">
+                <a:cs typeface="Calibri"/>
+              </a:rPr>
+              <a:t>Pattern matching enhancements</a:t>
+            </a:r>
+          </a:p>
+          <a:p>
+            <a:r>
+              <a:rPr lang="en-US">
+                <a:cs typeface="Calibri"/>
+              </a:rPr>
+              <a:t>Using declarations</a:t>
+            </a:r>
+          </a:p>
+          <a:p>
+            <a:r>
+              <a:rPr lang="en-US">
+                <a:cs typeface="Calibri"/>
+              </a:rPr>
+              <a:t>Static local functions</a:t>
+            </a:r>
+          </a:p>
+          <a:p>
+            <a:r>
+              <a:rPr lang="en-US">
+                <a:cs typeface="Calibri"/>
+              </a:rPr>
+              <a:t>Disposable ref structs</a:t>
+            </a:r>
+          </a:p>
+          <a:p>
+            <a:r>
+              <a:rPr lang="en-US">
+                <a:cs typeface="Calibri"/>
+              </a:rPr>
+              <a:t>Nullable reference types</a:t>
+            </a:r>
+          </a:p>
+          <a:p>
+            <a:r>
+              <a:rPr lang="en-US">
+                <a:cs typeface="Calibri"/>
+              </a:rPr>
+              <a:t>Async streams</a:t>
+            </a:r>
+          </a:p>
+          <a:p>
+            <a:r>
+              <a:rPr lang="en-US">
+                <a:cs typeface="Calibri"/>
+              </a:rPr>
+              <a:t>Indices and ranges</a:t>
+            </a:r>
+          </a:p>
+          <a:p>
             <a:endParaRPr lang="en-US"/>
           </a:p>
         </p:txBody>
@@ -1323,7 +1396,7 @@
     </p:spTree>
     <p:extLst>
       <p:ext uri="{BB962C8B-B14F-4D97-AF65-F5344CB8AC3E}">
-        <p14:creationId xmlns:p14="http://schemas.microsoft.com/office/powerpoint/2010/main" val="777464679"/>
+        <p14:creationId xmlns:p14="http://schemas.microsoft.com/office/powerpoint/2010/main" val="633221267"/>
       </p:ext>
     </p:extLst>
   </p:cSld>
@@ -1407,7 +1480,7 @@
     </p:spTree>
     <p:extLst>
       <p:ext uri="{BB962C8B-B14F-4D97-AF65-F5344CB8AC3E}">
-        <p14:creationId xmlns:p14="http://schemas.microsoft.com/office/powerpoint/2010/main" val="1017054379"/>
+        <p14:creationId xmlns:p14="http://schemas.microsoft.com/office/powerpoint/2010/main" val="777464679"/>
       </p:ext>
     </p:extLst>
   </p:cSld>
@@ -1461,10 +1534,6 @@
           <a:bodyPr/>
           <a:lstStyle/>
           <a:p>
-            <a:r>
-              <a:rPr lang="en-US" b="1"/>
-              <a:t>up with</a:t>
-            </a:r>
             <a:endParaRPr lang="en-US"/>
           </a:p>
         </p:txBody>
@@ -1487,6 +1556,94 @@
             <a:fld id="{9F48CD7E-1197-9041-9EA9-3B1097BE463D}" type="slidenum">
               <a:rPr lang="en-US" smtClean="0"/>
               <a:t>16</a:t>
+            </a:fld>
+            <a:endParaRPr lang="en-US"/>
+          </a:p>
+        </p:txBody>
+      </p:sp>
+    </p:spTree>
+    <p:extLst>
+      <p:ext uri="{BB962C8B-B14F-4D97-AF65-F5344CB8AC3E}">
+        <p14:creationId xmlns:p14="http://schemas.microsoft.com/office/powerpoint/2010/main" val="1017054379"/>
+      </p:ext>
+    </p:extLst>
+  </p:cSld>
+  <p:clrMapOvr>
+    <a:masterClrMapping/>
+  </p:clrMapOvr>
+</p:notes>
+</file>
+
+<file path=ppt/notesSlides/notesSlide16.xml><?xml version="1.0" encoding="utf-8"?>
+<p:notes xmlns:a="http://schemas.openxmlformats.org/drawingml/2006/main" xmlns:r="http://schemas.openxmlformats.org/officeDocument/2006/relationships" xmlns:p="http://schemas.openxmlformats.org/presentationml/2006/main">
+  <p:cSld>
+    <p:spTree>
+      <p:nvGrpSpPr>
+        <p:cNvPr id="1" name=""/>
+        <p:cNvGrpSpPr/>
+        <p:nvPr/>
+      </p:nvGrpSpPr>
+      <p:grpSpPr>
+        <a:xfrm>
+          <a:off x="0" y="0"/>
+          <a:ext cx="0" cy="0"/>
+          <a:chOff x="0" y="0"/>
+          <a:chExt cx="0" cy="0"/>
+        </a:xfrm>
+      </p:grpSpPr>
+      <p:sp>
+        <p:nvSpPr>
+          <p:cNvPr id="2" name="Slide Image Placeholder 1"/>
+          <p:cNvSpPr>
+            <a:spLocks noGrp="1" noRot="1" noChangeAspect="1"/>
+          </p:cNvSpPr>
+          <p:nvPr>
+            <p:ph type="sldImg"/>
+          </p:nvPr>
+        </p:nvSpPr>
+        <p:spPr/>
+      </p:sp>
+      <p:sp>
+        <p:nvSpPr>
+          <p:cNvPr id="3" name="Notes Placeholder 2"/>
+          <p:cNvSpPr>
+            <a:spLocks noGrp="1"/>
+          </p:cNvSpPr>
+          <p:nvPr>
+            <p:ph type="body" idx="1"/>
+          </p:nvPr>
+        </p:nvSpPr>
+        <p:spPr/>
+        <p:txBody>
+          <a:bodyPr/>
+          <a:lstStyle/>
+          <a:p>
+            <a:r>
+              <a:rPr lang="en-US" b="1"/>
+              <a:t>up with</a:t>
+            </a:r>
+            <a:endParaRPr lang="en-US"/>
+          </a:p>
+        </p:txBody>
+      </p:sp>
+      <p:sp>
+        <p:nvSpPr>
+          <p:cNvPr id="4" name="Slide Number Placeholder 3"/>
+          <p:cNvSpPr>
+            <a:spLocks noGrp="1"/>
+          </p:cNvSpPr>
+          <p:nvPr>
+            <p:ph type="sldNum" sz="quarter" idx="5"/>
+          </p:nvPr>
+        </p:nvSpPr>
+        <p:spPr/>
+        <p:txBody>
+          <a:bodyPr/>
+          <a:lstStyle/>
+          <a:p>
+            <a:fld id="{9F48CD7E-1197-9041-9EA9-3B1097BE463D}" type="slidenum">
+              <a:rPr lang="en-US" smtClean="0"/>
+              <a:t>17</a:t>
             </a:fld>
             <a:endParaRPr lang="en-US"/>
           </a:p>
@@ -5747,7 +5904,7 @@
 </file>
 
 <file path=ppt/slides/slide10.xml><?xml version="1.0" encoding="utf-8"?>
-<p:sld xmlns:a="http://schemas.openxmlformats.org/drawingml/2006/main" xmlns:r="http://schemas.openxmlformats.org/officeDocument/2006/relationships" xmlns:p="http://schemas.openxmlformats.org/presentationml/2006/main">
+<p:sld xmlns:a="http://schemas.openxmlformats.org/drawingml/2006/main" xmlns:r="http://schemas.openxmlformats.org/officeDocument/2006/relationships" xmlns:p="http://schemas.openxmlformats.org/presentationml/2006/main" show="0">
   <p:cSld>
     <p:spTree>
       <p:nvGrpSpPr>
@@ -6614,7 +6771,7 @@
           <a:lstStyle/>
           <a:p>
             <a:pPr algn="r"/>
-            <a:endParaRPr lang="en-US" sz="900" b="1">
+            <a:endParaRPr lang="en-US" sz="900" b="1" dirty="0">
               <a:solidFill>
                 <a:schemeClr val="bg1"/>
               </a:solidFill>
@@ -6625,7 +6782,7 @@
           <a:p>
             <a:pPr algn="r"/>
             <a:r>
-              <a:rPr lang="en-US">
+              <a:rPr lang="en-US" dirty="0">
                 <a:solidFill>
                   <a:schemeClr val="bg1"/>
                 </a:solidFill>
@@ -6638,7 +6795,7 @@
           <a:p>
             <a:pPr algn="r"/>
             <a:r>
-              <a:rPr lang="en-US">
+              <a:rPr lang="en-US" dirty="0">
                 <a:solidFill>
                   <a:schemeClr val="bg1"/>
                 </a:solidFill>
@@ -6651,14 +6808,14 @@
           <a:p>
             <a:pPr algn="r"/>
             <a:r>
-              <a:rPr lang="en-US">
-                <a:solidFill>
-                  <a:schemeClr val="bg1"/>
-                </a:solidFill>
-                <a:latin typeface="Rocket Sans" panose="020B0602020202020204" pitchFamily="34" charset="0"/>
-                <a:ea typeface="Rocket Sans" panose="020B0602020202020204" pitchFamily="34" charset="0"/>
-              </a:rPr>
-              <a:t>VS 2002</a:t>
+              <a:rPr lang="en-US" dirty="0">
+                <a:solidFill>
+                  <a:schemeClr val="bg1"/>
+                </a:solidFill>
+                <a:latin typeface="Rocket Sans" panose="020B0602020202020204" pitchFamily="34" charset="0"/>
+                <a:ea typeface="Rocket Sans" panose="020B0602020202020204" pitchFamily="34" charset="0"/>
+              </a:rPr>
+              <a:t>VS 2005</a:t>
             </a:r>
           </a:p>
         </p:txBody>
@@ -7498,7 +7655,7 @@
 </file>
 
 <file path=ppt/slides/slide11.xml><?xml version="1.0" encoding="utf-8"?>
-<p:sld xmlns:a="http://schemas.openxmlformats.org/drawingml/2006/main" xmlns:r="http://schemas.openxmlformats.org/officeDocument/2006/relationships" xmlns:p="http://schemas.openxmlformats.org/presentationml/2006/main">
+<p:sld xmlns:a="http://schemas.openxmlformats.org/drawingml/2006/main" xmlns:r="http://schemas.openxmlformats.org/officeDocument/2006/relationships" xmlns:p="http://schemas.openxmlformats.org/presentationml/2006/main" show="0">
   <p:cSld>
     <p:spTree>
       <p:nvGrpSpPr>
@@ -8445,7 +8602,7 @@
           <a:lstStyle/>
           <a:p>
             <a:pPr algn="r"/>
-            <a:endParaRPr lang="en-US" sz="900" b="1">
+            <a:endParaRPr lang="en-US" sz="900" b="1" dirty="0">
               <a:solidFill>
                 <a:schemeClr val="bg1"/>
               </a:solidFill>
@@ -8456,7 +8613,7 @@
           <a:p>
             <a:pPr algn="r"/>
             <a:r>
-              <a:rPr lang="en-US">
+              <a:rPr lang="en-US" dirty="0">
                 <a:solidFill>
                   <a:schemeClr val="bg1"/>
                 </a:solidFill>
@@ -8469,7 +8626,7 @@
           <a:p>
             <a:pPr algn="r"/>
             <a:r>
-              <a:rPr lang="en-US">
+              <a:rPr lang="en-US" dirty="0">
                 <a:solidFill>
                   <a:schemeClr val="bg1"/>
                 </a:solidFill>
@@ -8482,14 +8639,14 @@
           <a:p>
             <a:pPr algn="r"/>
             <a:r>
-              <a:rPr lang="en-US">
-                <a:solidFill>
-                  <a:schemeClr val="bg1"/>
-                </a:solidFill>
-                <a:latin typeface="Rocket Sans" panose="020B0602020202020204" pitchFamily="34" charset="0"/>
-                <a:ea typeface="Rocket Sans" panose="020B0602020202020204" pitchFamily="34" charset="0"/>
-              </a:rPr>
-              <a:t>VS 2002</a:t>
+              <a:rPr lang="en-US" dirty="0">
+                <a:solidFill>
+                  <a:schemeClr val="bg1"/>
+                </a:solidFill>
+                <a:latin typeface="Rocket Sans" panose="020B0602020202020204" pitchFamily="34" charset="0"/>
+                <a:ea typeface="Rocket Sans" panose="020B0602020202020204" pitchFamily="34" charset="0"/>
+              </a:rPr>
+              <a:t>VS 2005</a:t>
             </a:r>
           </a:p>
         </p:txBody>
@@ -9459,7 +9616,7 @@
 </file>
 
 <file path=ppt/slides/slide12.xml><?xml version="1.0" encoding="utf-8"?>
-<p:sld xmlns:a="http://schemas.openxmlformats.org/drawingml/2006/main" xmlns:r="http://schemas.openxmlformats.org/officeDocument/2006/relationships" xmlns:p="http://schemas.openxmlformats.org/presentationml/2006/main">
+<p:sld xmlns:a="http://schemas.openxmlformats.org/drawingml/2006/main" xmlns:r="http://schemas.openxmlformats.org/officeDocument/2006/relationships" xmlns:p="http://schemas.openxmlformats.org/presentationml/2006/main" show="0">
   <p:cSld>
     <p:spTree>
       <p:nvGrpSpPr>
@@ -10486,7 +10643,7 @@
           <a:lstStyle/>
           <a:p>
             <a:pPr algn="r"/>
-            <a:endParaRPr lang="en-US" sz="900" b="1">
+            <a:endParaRPr lang="en-US" sz="900" b="1" dirty="0">
               <a:solidFill>
                 <a:schemeClr val="bg1"/>
               </a:solidFill>
@@ -10497,7 +10654,7 @@
           <a:p>
             <a:pPr algn="r"/>
             <a:r>
-              <a:rPr lang="en-US">
+              <a:rPr lang="en-US" dirty="0">
                 <a:solidFill>
                   <a:schemeClr val="bg1"/>
                 </a:solidFill>
@@ -10510,7 +10667,7 @@
           <a:p>
             <a:pPr algn="r"/>
             <a:r>
-              <a:rPr lang="en-US">
+              <a:rPr lang="en-US" dirty="0">
                 <a:solidFill>
                   <a:schemeClr val="bg1"/>
                 </a:solidFill>
@@ -10523,14 +10680,14 @@
           <a:p>
             <a:pPr algn="r"/>
             <a:r>
-              <a:rPr lang="en-US">
-                <a:solidFill>
-                  <a:schemeClr val="bg1"/>
-                </a:solidFill>
-                <a:latin typeface="Rocket Sans" panose="020B0602020202020204" pitchFamily="34" charset="0"/>
-                <a:ea typeface="Rocket Sans" panose="020B0602020202020204" pitchFamily="34" charset="0"/>
-              </a:rPr>
-              <a:t>VS 2002</a:t>
+              <a:rPr lang="en-US" dirty="0">
+                <a:solidFill>
+                  <a:schemeClr val="bg1"/>
+                </a:solidFill>
+                <a:latin typeface="Rocket Sans" panose="020B0602020202020204" pitchFamily="34" charset="0"/>
+                <a:ea typeface="Rocket Sans" panose="020B0602020202020204" pitchFamily="34" charset="0"/>
+              </a:rPr>
+              <a:t>VS 2005</a:t>
             </a:r>
           </a:p>
         </p:txBody>
@@ -11630,7 +11787,7 @@
 </file>
 
 <file path=ppt/slides/slide13.xml><?xml version="1.0" encoding="utf-8"?>
-<p:sld xmlns:a="http://schemas.openxmlformats.org/drawingml/2006/main" xmlns:r="http://schemas.openxmlformats.org/officeDocument/2006/relationships" xmlns:p="http://schemas.openxmlformats.org/presentationml/2006/main">
+<p:sld xmlns:a="http://schemas.openxmlformats.org/drawingml/2006/main" xmlns:r="http://schemas.openxmlformats.org/officeDocument/2006/relationships" xmlns:p="http://schemas.openxmlformats.org/presentationml/2006/main" show="0">
   <p:cSld>
     <p:spTree>
       <p:nvGrpSpPr>
@@ -12737,7 +12894,7 @@
           <a:lstStyle/>
           <a:p>
             <a:pPr algn="r"/>
-            <a:endParaRPr lang="en-US" sz="900" b="1">
+            <a:endParaRPr lang="en-US" sz="900" b="1" dirty="0">
               <a:solidFill>
                 <a:schemeClr val="bg1"/>
               </a:solidFill>
@@ -12748,7 +12905,7 @@
           <a:p>
             <a:pPr algn="r"/>
             <a:r>
-              <a:rPr lang="en-US">
+              <a:rPr lang="en-US" dirty="0">
                 <a:solidFill>
                   <a:schemeClr val="bg1"/>
                 </a:solidFill>
@@ -12761,7 +12918,7 @@
           <a:p>
             <a:pPr algn="r"/>
             <a:r>
-              <a:rPr lang="en-US">
+              <a:rPr lang="en-US" dirty="0">
                 <a:solidFill>
                   <a:schemeClr val="bg1"/>
                 </a:solidFill>
@@ -12774,16 +12931,16 @@
           <a:p>
             <a:pPr algn="r"/>
             <a:r>
-              <a:rPr lang="en-US">
+              <a:rPr lang="en-US" dirty="0">
                 <a:solidFill>
                   <a:schemeClr val="bg1"/>
                 </a:solidFill>
                 <a:latin typeface="Rocket Sans"/>
                 <a:ea typeface="Rocket Sans" panose="020B0602020202020204" pitchFamily="34" charset="0"/>
               </a:rPr>
-              <a:t>VS 2002</a:t>
-            </a:r>
-            <a:endParaRPr lang="en-US">
+              <a:t>VS 2005</a:t>
+            </a:r>
+            <a:endParaRPr lang="en-US" dirty="0">
               <a:solidFill>
                 <a:schemeClr val="bg1"/>
               </a:solidFill>
@@ -13992,7 +14149,7 @@
           <a:lstStyle/>
           <a:p>
             <a:r>
-              <a:rPr lang="en-US" sz="8000" b="1">
+              <a:rPr lang="en-US" sz="8000" b="1" dirty="0">
                 <a:solidFill>
                   <a:schemeClr val="bg1"/>
                 </a:solidFill>
@@ -14034,42 +14191,2450 @@
           <a:chExt cx="0" cy="0"/>
         </a:xfrm>
       </p:grpSpPr>
-      <p:pic>
-        <p:nvPicPr>
-          <p:cNvPr id="13" name="Picture 12" descr="A picture containing electronics, display&#10;&#10;Description automatically generated">
-            <a:extLst>
-              <a:ext uri="{FF2B5EF4-FFF2-40B4-BE49-F238E27FC236}">
-                <a16:creationId xmlns:a16="http://schemas.microsoft.com/office/drawing/2014/main" id="{88349F9C-2412-0E43-AFFE-C530518CC76D}"/>
-              </a:ext>
-            </a:extLst>
-          </p:cNvPr>
-          <p:cNvPicPr>
-            <a:picLocks noChangeAspect="1"/>
-          </p:cNvPicPr>
-          <p:nvPr/>
-        </p:nvPicPr>
-        <p:blipFill>
-          <a:blip r:embed="rId3"/>
-          <a:stretch>
-            <a:fillRect/>
-          </a:stretch>
-        </p:blipFill>
-        <p:spPr>
-          <a:xfrm>
-            <a:off x="904661" y="315686"/>
-            <a:ext cx="10382679" cy="6629400"/>
-          </a:xfrm>
-          <a:prstGeom prst="rect">
-            <a:avLst/>
-          </a:prstGeom>
-        </p:spPr>
-      </p:pic>
-      <p:sp>
-        <p:nvSpPr>
-          <p:cNvPr id="9" name="TextBox 8">
-            <a:extLst>
-              <a:ext uri="{FF2B5EF4-FFF2-40B4-BE49-F238E27FC236}">
-                <a16:creationId xmlns:a16="http://schemas.microsoft.com/office/drawing/2014/main" id="{000DE3CD-9233-DC4E-BBCE-A8DE86739D16}"/>
+      <p:grpSp>
+        <p:nvGrpSpPr>
+          <p:cNvPr id="3" name="Group 2">
+            <a:extLst>
+              <a:ext uri="{FF2B5EF4-FFF2-40B4-BE49-F238E27FC236}">
+                <a16:creationId xmlns:a16="http://schemas.microsoft.com/office/drawing/2014/main" id="{D57551D8-3C73-4E25-BC60-A0736BC4F9D9}"/>
+              </a:ext>
+            </a:extLst>
+          </p:cNvPr>
+          <p:cNvGrpSpPr/>
+          <p:nvPr/>
+        </p:nvGrpSpPr>
+        <p:grpSpPr>
+          <a:xfrm>
+            <a:off x="1045659" y="2080497"/>
+            <a:ext cx="2214243" cy="2111902"/>
+            <a:chOff x="768538" y="1469271"/>
+            <a:chExt cx="2368468" cy="2259000"/>
+          </a:xfrm>
+        </p:grpSpPr>
+        <p:sp>
+          <p:nvSpPr>
+            <p:cNvPr id="26" name="Hexagon 25">
+              <a:extLst>
+                <a:ext uri="{FF2B5EF4-FFF2-40B4-BE49-F238E27FC236}">
+                  <a16:creationId xmlns:a16="http://schemas.microsoft.com/office/drawing/2014/main" id="{F3358741-696D-8341-9C2B-F2CD0BF8D0F3}"/>
+                </a:ext>
+              </a:extLst>
+            </p:cNvPr>
+            <p:cNvSpPr/>
+            <p:nvPr/>
+          </p:nvSpPr>
+          <p:spPr>
+            <a:xfrm>
+              <a:off x="1322379" y="1897695"/>
+              <a:ext cx="1586853" cy="1360372"/>
+            </a:xfrm>
+            <a:prstGeom prst="hexagon">
+              <a:avLst/>
+            </a:prstGeom>
+            <a:solidFill>
+              <a:srgbClr val="197AFF"/>
+            </a:solidFill>
+            <a:ln>
+              <a:noFill/>
+            </a:ln>
+          </p:spPr>
+          <p:style>
+            <a:lnRef idx="2">
+              <a:schemeClr val="accent6"/>
+            </a:lnRef>
+            <a:fillRef idx="1">
+              <a:schemeClr val="lt1"/>
+            </a:fillRef>
+            <a:effectRef idx="0">
+              <a:schemeClr val="accent6"/>
+            </a:effectRef>
+            <a:fontRef idx="minor">
+              <a:schemeClr val="dk1"/>
+            </a:fontRef>
+          </p:style>
+          <p:txBody>
+            <a:bodyPr rtlCol="0" anchor="ctr"/>
+            <a:lstStyle/>
+            <a:p>
+              <a:pPr algn="ctr"/>
+              <a:endParaRPr lang="en-US"/>
+            </a:p>
+          </p:txBody>
+        </p:sp>
+        <p:pic>
+          <p:nvPicPr>
+            <p:cNvPr id="36" name="Picture 35" descr="A close up of a logo&#10;&#10;Description automatically generated">
+              <a:extLst>
+                <a:ext uri="{FF2B5EF4-FFF2-40B4-BE49-F238E27FC236}">
+                  <a16:creationId xmlns:a16="http://schemas.microsoft.com/office/drawing/2014/main" id="{34D9AE56-72BB-1243-920A-ACE11A70463C}"/>
+                </a:ext>
+              </a:extLst>
+            </p:cNvPr>
+            <p:cNvPicPr>
+              <a:picLocks noChangeAspect="1"/>
+            </p:cNvPicPr>
+            <p:nvPr/>
+          </p:nvPicPr>
+          <p:blipFill>
+            <a:blip r:embed="rId3"/>
+            <a:stretch>
+              <a:fillRect/>
+            </a:stretch>
+          </p:blipFill>
+          <p:spPr>
+            <a:xfrm>
+              <a:off x="813569" y="1469271"/>
+              <a:ext cx="2323437" cy="2259000"/>
+            </a:xfrm>
+            <a:prstGeom prst="rect">
+              <a:avLst/>
+            </a:prstGeom>
+          </p:spPr>
+        </p:pic>
+        <p:sp>
+          <p:nvSpPr>
+            <p:cNvPr id="6" name="TextBox 5">
+              <a:extLst>
+                <a:ext uri="{FF2B5EF4-FFF2-40B4-BE49-F238E27FC236}">
+                  <a16:creationId xmlns:a16="http://schemas.microsoft.com/office/drawing/2014/main" id="{86FAD9ED-B824-8F4B-9DF7-800EF7F74D1E}"/>
+                </a:ext>
+              </a:extLst>
+            </p:cNvPr>
+            <p:cNvSpPr txBox="1"/>
+            <p:nvPr/>
+          </p:nvSpPr>
+          <p:spPr>
+            <a:xfrm rot="19855733">
+              <a:off x="768538" y="1780415"/>
+              <a:ext cx="1826198" cy="707810"/>
+            </a:xfrm>
+            <a:prstGeom prst="rect">
+              <a:avLst/>
+            </a:prstGeom>
+            <a:noFill/>
+          </p:spPr>
+          <p:txBody>
+            <a:bodyPr wrap="square" rtlCol="0">
+              <a:spAutoFit/>
+            </a:bodyPr>
+            <a:lstStyle/>
+            <a:p>
+              <a:pPr algn="ctr"/>
+              <a:r>
+                <a:rPr lang="en-US" sz="2800" b="1" dirty="0">
+                  <a:solidFill>
+                    <a:schemeClr val="bg1"/>
+                  </a:solidFill>
+                  <a:latin typeface="Rocket Sans" panose="020B0602020202020204" pitchFamily="34" charset="0"/>
+                  <a:ea typeface="Rocket Sans" panose="020B0602020202020204" pitchFamily="34" charset="0"/>
+                </a:rPr>
+                <a:t>C# 1</a:t>
+              </a:r>
+            </a:p>
+            <a:p>
+              <a:pPr algn="ctr"/>
+              <a:endParaRPr lang="en-US" sz="800" b="1" dirty="0">
+                <a:solidFill>
+                  <a:schemeClr val="bg1"/>
+                </a:solidFill>
+                <a:latin typeface="Rocket Sans" panose="020B0602020202020204" pitchFamily="34" charset="0"/>
+                <a:ea typeface="Rocket Sans" panose="020B0602020202020204" pitchFamily="34" charset="0"/>
+              </a:endParaRPr>
+            </a:p>
+          </p:txBody>
+        </p:sp>
+        <p:sp>
+          <p:nvSpPr>
+            <p:cNvPr id="41" name="TextBox 40">
+              <a:extLst>
+                <a:ext uri="{FF2B5EF4-FFF2-40B4-BE49-F238E27FC236}">
+                  <a16:creationId xmlns:a16="http://schemas.microsoft.com/office/drawing/2014/main" id="{0670A689-E69D-4345-AC83-D7F638A17770}"/>
+                </a:ext>
+              </a:extLst>
+            </p:cNvPr>
+            <p:cNvSpPr txBox="1"/>
+            <p:nvPr/>
+          </p:nvSpPr>
+          <p:spPr>
+            <a:xfrm>
+              <a:off x="1119958" y="2139779"/>
+              <a:ext cx="1826198" cy="987642"/>
+            </a:xfrm>
+            <a:prstGeom prst="rect">
+              <a:avLst/>
+            </a:prstGeom>
+            <a:noFill/>
+          </p:spPr>
+          <p:txBody>
+            <a:bodyPr wrap="square" rtlCol="0" anchor="ctr" anchorCtr="0">
+              <a:spAutoFit/>
+            </a:bodyPr>
+            <a:lstStyle/>
+            <a:p>
+              <a:pPr algn="r"/>
+              <a:r>
+                <a:rPr lang="en-US" dirty="0">
+                  <a:solidFill>
+                    <a:schemeClr val="bg1"/>
+                  </a:solidFill>
+                  <a:latin typeface="Rocket Sans" panose="020B0602020202020204" pitchFamily="34" charset="0"/>
+                  <a:ea typeface="Rocket Sans" panose="020B0602020202020204" pitchFamily="34" charset="0"/>
+                </a:rPr>
+                <a:t>2002</a:t>
+              </a:r>
+            </a:p>
+            <a:p>
+              <a:pPr algn="r"/>
+              <a:r>
+                <a:rPr lang="en-US" dirty="0">
+                  <a:solidFill>
+                    <a:schemeClr val="bg1"/>
+                  </a:solidFill>
+                  <a:latin typeface="Rocket Sans" panose="020B0602020202020204" pitchFamily="34" charset="0"/>
+                  <a:ea typeface="Rocket Sans" panose="020B0602020202020204" pitchFamily="34" charset="0"/>
+                </a:rPr>
+                <a:t>.NET 1.0</a:t>
+              </a:r>
+            </a:p>
+            <a:p>
+              <a:pPr algn="r"/>
+              <a:r>
+                <a:rPr lang="en-US" dirty="0">
+                  <a:solidFill>
+                    <a:schemeClr val="bg1"/>
+                  </a:solidFill>
+                  <a:latin typeface="Rocket Sans" panose="020B0602020202020204" pitchFamily="34" charset="0"/>
+                  <a:ea typeface="Rocket Sans" panose="020B0602020202020204" pitchFamily="34" charset="0"/>
+                </a:rPr>
+                <a:t>VS 2002</a:t>
+              </a:r>
+            </a:p>
+          </p:txBody>
+        </p:sp>
+      </p:grpSp>
+      <p:grpSp>
+        <p:nvGrpSpPr>
+          <p:cNvPr id="7" name="Group 6">
+            <a:extLst>
+              <a:ext uri="{FF2B5EF4-FFF2-40B4-BE49-F238E27FC236}">
+                <a16:creationId xmlns:a16="http://schemas.microsoft.com/office/drawing/2014/main" id="{E99617E7-7133-4908-8FF7-D3408A4272A8}"/>
+              </a:ext>
+            </a:extLst>
+          </p:cNvPr>
+          <p:cNvGrpSpPr/>
+          <p:nvPr/>
+        </p:nvGrpSpPr>
+        <p:grpSpPr>
+          <a:xfrm>
+            <a:off x="2995097" y="2080497"/>
+            <a:ext cx="2230345" cy="2111902"/>
+            <a:chOff x="2811960" y="1469271"/>
+            <a:chExt cx="2385692" cy="2259000"/>
+          </a:xfrm>
+        </p:grpSpPr>
+        <p:sp>
+          <p:nvSpPr>
+            <p:cNvPr id="4" name="Hexagon 3">
+              <a:extLst>
+                <a:ext uri="{FF2B5EF4-FFF2-40B4-BE49-F238E27FC236}">
+                  <a16:creationId xmlns:a16="http://schemas.microsoft.com/office/drawing/2014/main" id="{274C163C-4FD3-4046-A509-49E55EBD8DB1}"/>
+                </a:ext>
+              </a:extLst>
+            </p:cNvPr>
+            <p:cNvSpPr/>
+            <p:nvPr/>
+          </p:nvSpPr>
+          <p:spPr>
+            <a:xfrm>
+              <a:off x="3391511" y="1953415"/>
+              <a:ext cx="1586853" cy="1360372"/>
+            </a:xfrm>
+            <a:prstGeom prst="hexagon">
+              <a:avLst/>
+            </a:prstGeom>
+            <a:solidFill>
+              <a:srgbClr val="197AFF"/>
+            </a:solidFill>
+            <a:ln>
+              <a:noFill/>
+            </a:ln>
+          </p:spPr>
+          <p:style>
+            <a:lnRef idx="2">
+              <a:schemeClr val="accent6"/>
+            </a:lnRef>
+            <a:fillRef idx="1">
+              <a:schemeClr val="lt1"/>
+            </a:fillRef>
+            <a:effectRef idx="0">
+              <a:schemeClr val="accent6"/>
+            </a:effectRef>
+            <a:fontRef idx="minor">
+              <a:schemeClr val="dk1"/>
+            </a:fontRef>
+          </p:style>
+          <p:txBody>
+            <a:bodyPr rtlCol="0" anchor="ctr"/>
+            <a:lstStyle/>
+            <a:p>
+              <a:pPr algn="ctr"/>
+              <a:endParaRPr lang="en-US"/>
+            </a:p>
+          </p:txBody>
+        </p:sp>
+        <p:pic>
+          <p:nvPicPr>
+            <p:cNvPr id="37" name="Picture 36" descr="A close up of a logo&#10;&#10;Description automatically generated">
+              <a:extLst>
+                <a:ext uri="{FF2B5EF4-FFF2-40B4-BE49-F238E27FC236}">
+                  <a16:creationId xmlns:a16="http://schemas.microsoft.com/office/drawing/2014/main" id="{919F3E22-9CEE-254E-8E4A-ACC1E4A9046F}"/>
+                </a:ext>
+              </a:extLst>
+            </p:cNvPr>
+            <p:cNvPicPr>
+              <a:picLocks noChangeAspect="1"/>
+            </p:cNvPicPr>
+            <p:nvPr/>
+          </p:nvPicPr>
+          <p:blipFill>
+            <a:blip r:embed="rId3"/>
+            <a:stretch>
+              <a:fillRect/>
+            </a:stretch>
+          </p:blipFill>
+          <p:spPr>
+            <a:xfrm>
+              <a:off x="2874215" y="1469271"/>
+              <a:ext cx="2323437" cy="2259000"/>
+            </a:xfrm>
+            <a:prstGeom prst="rect">
+              <a:avLst/>
+            </a:prstGeom>
+          </p:spPr>
+        </p:pic>
+        <p:sp>
+          <p:nvSpPr>
+            <p:cNvPr id="42" name="TextBox 41">
+              <a:extLst>
+                <a:ext uri="{FF2B5EF4-FFF2-40B4-BE49-F238E27FC236}">
+                  <a16:creationId xmlns:a16="http://schemas.microsoft.com/office/drawing/2014/main" id="{3C8E5281-076A-4745-B608-C5D3FEB0A27F}"/>
+                </a:ext>
+              </a:extLst>
+            </p:cNvPr>
+            <p:cNvSpPr txBox="1"/>
+            <p:nvPr/>
+          </p:nvSpPr>
+          <p:spPr>
+            <a:xfrm rot="19855733">
+              <a:off x="2811960" y="1780631"/>
+              <a:ext cx="1826198" cy="707810"/>
+            </a:xfrm>
+            <a:prstGeom prst="rect">
+              <a:avLst/>
+            </a:prstGeom>
+            <a:noFill/>
+          </p:spPr>
+          <p:txBody>
+            <a:bodyPr wrap="square" rtlCol="0">
+              <a:spAutoFit/>
+            </a:bodyPr>
+            <a:lstStyle/>
+            <a:p>
+              <a:pPr algn="ctr"/>
+              <a:r>
+                <a:rPr lang="en-US" sz="2800" b="1" dirty="0">
+                  <a:solidFill>
+                    <a:schemeClr val="bg1"/>
+                  </a:solidFill>
+                  <a:latin typeface="Rocket Sans" panose="020B0602020202020204" pitchFamily="34" charset="0"/>
+                  <a:ea typeface="Rocket Sans" panose="020B0602020202020204" pitchFamily="34" charset="0"/>
+                </a:rPr>
+                <a:t>C# 2</a:t>
+              </a:r>
+            </a:p>
+            <a:p>
+              <a:pPr algn="ctr"/>
+              <a:endParaRPr lang="en-US" sz="800" b="1" dirty="0">
+                <a:solidFill>
+                  <a:schemeClr val="bg1"/>
+                </a:solidFill>
+                <a:latin typeface="Rocket Sans" panose="020B0602020202020204" pitchFamily="34" charset="0"/>
+                <a:ea typeface="Rocket Sans" panose="020B0602020202020204" pitchFamily="34" charset="0"/>
+              </a:endParaRPr>
+            </a:p>
+          </p:txBody>
+        </p:sp>
+        <p:sp>
+          <p:nvSpPr>
+            <p:cNvPr id="43" name="TextBox 42">
+              <a:extLst>
+                <a:ext uri="{FF2B5EF4-FFF2-40B4-BE49-F238E27FC236}">
+                  <a16:creationId xmlns:a16="http://schemas.microsoft.com/office/drawing/2014/main" id="{A0EAE109-7373-E345-809B-FC7D94EFC7D6}"/>
+                </a:ext>
+              </a:extLst>
+            </p:cNvPr>
+            <p:cNvSpPr txBox="1"/>
+            <p:nvPr/>
+          </p:nvSpPr>
+          <p:spPr>
+            <a:xfrm>
+              <a:off x="3203128" y="2112652"/>
+              <a:ext cx="1826198" cy="987642"/>
+            </a:xfrm>
+            <a:prstGeom prst="rect">
+              <a:avLst/>
+            </a:prstGeom>
+            <a:noFill/>
+          </p:spPr>
+          <p:txBody>
+            <a:bodyPr wrap="square" rtlCol="0" anchor="t">
+              <a:spAutoFit/>
+            </a:bodyPr>
+            <a:lstStyle/>
+            <a:p>
+              <a:pPr algn="r"/>
+              <a:r>
+                <a:rPr lang="en-US" dirty="0">
+                  <a:solidFill>
+                    <a:schemeClr val="bg1"/>
+                  </a:solidFill>
+                  <a:latin typeface="Rocket Sans" panose="020B0602020202020204" pitchFamily="34" charset="0"/>
+                  <a:ea typeface="Rocket Sans" panose="020B0602020202020204" pitchFamily="34" charset="0"/>
+                </a:rPr>
+                <a:t>2005</a:t>
+              </a:r>
+            </a:p>
+            <a:p>
+              <a:pPr algn="r"/>
+              <a:r>
+                <a:rPr lang="en-US" dirty="0">
+                  <a:solidFill>
+                    <a:schemeClr val="bg1"/>
+                  </a:solidFill>
+                  <a:latin typeface="Rocket Sans" panose="020B0602020202020204" pitchFamily="34" charset="0"/>
+                  <a:ea typeface="Rocket Sans" panose="020B0602020202020204" pitchFamily="34" charset="0"/>
+                </a:rPr>
+                <a:t>.NET 2.0</a:t>
+              </a:r>
+            </a:p>
+            <a:p>
+              <a:pPr algn="r"/>
+              <a:r>
+                <a:rPr lang="en-US" dirty="0">
+                  <a:solidFill>
+                    <a:schemeClr val="bg1"/>
+                  </a:solidFill>
+                  <a:latin typeface="Rocket Sans"/>
+                  <a:ea typeface="Rocket Sans" panose="020B0602020202020204" pitchFamily="34" charset="0"/>
+                </a:rPr>
+                <a:t>VS 2005</a:t>
+              </a:r>
+              <a:endParaRPr lang="en-US" dirty="0">
+                <a:solidFill>
+                  <a:schemeClr val="bg1"/>
+                </a:solidFill>
+                <a:latin typeface="Rocket Sans" panose="020B0602020202020204" pitchFamily="34" charset="0"/>
+                <a:ea typeface="Rocket Sans" panose="020B0602020202020204" pitchFamily="34" charset="0"/>
+              </a:endParaRPr>
+            </a:p>
+          </p:txBody>
+        </p:sp>
+      </p:grpSp>
+      <p:grpSp>
+        <p:nvGrpSpPr>
+          <p:cNvPr id="8" name="Group 7">
+            <a:extLst>
+              <a:ext uri="{FF2B5EF4-FFF2-40B4-BE49-F238E27FC236}">
+                <a16:creationId xmlns:a16="http://schemas.microsoft.com/office/drawing/2014/main" id="{3CCCD928-D901-47A1-B634-2BE0B22CE540}"/>
+              </a:ext>
+            </a:extLst>
+          </p:cNvPr>
+          <p:cNvGrpSpPr/>
+          <p:nvPr/>
+        </p:nvGrpSpPr>
+        <p:grpSpPr>
+          <a:xfrm>
+            <a:off x="4960637" y="2080497"/>
+            <a:ext cx="2201394" cy="2111902"/>
+            <a:chOff x="4910202" y="1469271"/>
+            <a:chExt cx="2354724" cy="2259000"/>
+          </a:xfrm>
+        </p:grpSpPr>
+        <p:sp>
+          <p:nvSpPr>
+            <p:cNvPr id="27" name="Hexagon 26">
+              <a:extLst>
+                <a:ext uri="{FF2B5EF4-FFF2-40B4-BE49-F238E27FC236}">
+                  <a16:creationId xmlns:a16="http://schemas.microsoft.com/office/drawing/2014/main" id="{CDAD5B44-A12C-B746-BCDF-420EA73DE349}"/>
+                </a:ext>
+              </a:extLst>
+            </p:cNvPr>
+            <p:cNvSpPr/>
+            <p:nvPr/>
+          </p:nvSpPr>
+          <p:spPr>
+            <a:xfrm>
+              <a:off x="5452157" y="1876674"/>
+              <a:ext cx="1586853" cy="1360372"/>
+            </a:xfrm>
+            <a:prstGeom prst="hexagon">
+              <a:avLst/>
+            </a:prstGeom>
+            <a:solidFill>
+              <a:srgbClr val="197AFF"/>
+            </a:solidFill>
+            <a:ln>
+              <a:noFill/>
+            </a:ln>
+          </p:spPr>
+          <p:style>
+            <a:lnRef idx="2">
+              <a:schemeClr val="accent6"/>
+            </a:lnRef>
+            <a:fillRef idx="1">
+              <a:schemeClr val="lt1"/>
+            </a:fillRef>
+            <a:effectRef idx="0">
+              <a:schemeClr val="accent6"/>
+            </a:effectRef>
+            <a:fontRef idx="minor">
+              <a:schemeClr val="dk1"/>
+            </a:fontRef>
+          </p:style>
+          <p:txBody>
+            <a:bodyPr rtlCol="0" anchor="ctr"/>
+            <a:lstStyle/>
+            <a:p>
+              <a:pPr algn="ctr"/>
+              <a:endParaRPr lang="en-US"/>
+            </a:p>
+          </p:txBody>
+        </p:sp>
+        <p:pic>
+          <p:nvPicPr>
+            <p:cNvPr id="38" name="Picture 37" descr="A close up of a logo&#10;&#10;Description automatically generated">
+              <a:extLst>
+                <a:ext uri="{FF2B5EF4-FFF2-40B4-BE49-F238E27FC236}">
+                  <a16:creationId xmlns:a16="http://schemas.microsoft.com/office/drawing/2014/main" id="{AAAC20A6-2C62-DA47-A98E-9797354E3F03}"/>
+                </a:ext>
+              </a:extLst>
+            </p:cNvPr>
+            <p:cNvPicPr>
+              <a:picLocks noChangeAspect="1"/>
+            </p:cNvPicPr>
+            <p:nvPr/>
+          </p:nvPicPr>
+          <p:blipFill>
+            <a:blip r:embed="rId3"/>
+            <a:stretch>
+              <a:fillRect/>
+            </a:stretch>
+          </p:blipFill>
+          <p:spPr>
+            <a:xfrm>
+              <a:off x="4941489" y="1469271"/>
+              <a:ext cx="2323437" cy="2259000"/>
+            </a:xfrm>
+            <a:prstGeom prst="rect">
+              <a:avLst/>
+            </a:prstGeom>
+          </p:spPr>
+        </p:pic>
+        <p:sp>
+          <p:nvSpPr>
+            <p:cNvPr id="44" name="TextBox 43">
+              <a:extLst>
+                <a:ext uri="{FF2B5EF4-FFF2-40B4-BE49-F238E27FC236}">
+                  <a16:creationId xmlns:a16="http://schemas.microsoft.com/office/drawing/2014/main" id="{8E9E5C2C-21D9-1A41-AB53-A330AD1E1DB2}"/>
+                </a:ext>
+              </a:extLst>
+            </p:cNvPr>
+            <p:cNvSpPr txBox="1"/>
+            <p:nvPr/>
+          </p:nvSpPr>
+          <p:spPr>
+            <a:xfrm rot="19855733">
+              <a:off x="4910202" y="1762973"/>
+              <a:ext cx="1826198" cy="724270"/>
+            </a:xfrm>
+            <a:prstGeom prst="rect">
+              <a:avLst/>
+            </a:prstGeom>
+            <a:noFill/>
+          </p:spPr>
+          <p:txBody>
+            <a:bodyPr wrap="square" rtlCol="0">
+              <a:spAutoFit/>
+            </a:bodyPr>
+            <a:lstStyle/>
+            <a:p>
+              <a:pPr algn="ctr"/>
+              <a:r>
+                <a:rPr lang="en-US" sz="2800" b="1" dirty="0">
+                  <a:solidFill>
+                    <a:schemeClr val="bg1"/>
+                  </a:solidFill>
+                  <a:latin typeface="Rocket Sans" panose="020B0602020202020204" pitchFamily="34" charset="0"/>
+                  <a:ea typeface="Rocket Sans" panose="020B0602020202020204" pitchFamily="34" charset="0"/>
+                </a:rPr>
+                <a:t>C# 3</a:t>
+              </a:r>
+            </a:p>
+            <a:p>
+              <a:pPr algn="ctr"/>
+              <a:endParaRPr lang="en-US" sz="1000" b="1" dirty="0">
+                <a:solidFill>
+                  <a:schemeClr val="bg1"/>
+                </a:solidFill>
+                <a:latin typeface="Rocket Sans" panose="020B0602020202020204" pitchFamily="34" charset="0"/>
+                <a:ea typeface="Rocket Sans" panose="020B0602020202020204" pitchFamily="34" charset="0"/>
+              </a:endParaRPr>
+            </a:p>
+          </p:txBody>
+        </p:sp>
+        <p:sp>
+          <p:nvSpPr>
+            <p:cNvPr id="45" name="TextBox 44">
+              <a:extLst>
+                <a:ext uri="{FF2B5EF4-FFF2-40B4-BE49-F238E27FC236}">
+                  <a16:creationId xmlns:a16="http://schemas.microsoft.com/office/drawing/2014/main" id="{38199739-D86E-8746-8265-E56340273463}"/>
+                </a:ext>
+              </a:extLst>
+            </p:cNvPr>
+            <p:cNvSpPr txBox="1"/>
+            <p:nvPr/>
+          </p:nvSpPr>
+          <p:spPr>
+            <a:xfrm>
+              <a:off x="5256765" y="2109070"/>
+              <a:ext cx="1826198" cy="987642"/>
+            </a:xfrm>
+            <a:prstGeom prst="rect">
+              <a:avLst/>
+            </a:prstGeom>
+            <a:noFill/>
+          </p:spPr>
+          <p:txBody>
+            <a:bodyPr wrap="square" rtlCol="0">
+              <a:spAutoFit/>
+            </a:bodyPr>
+            <a:lstStyle/>
+            <a:p>
+              <a:pPr algn="r"/>
+              <a:r>
+                <a:rPr lang="en-US" dirty="0">
+                  <a:solidFill>
+                    <a:schemeClr val="bg1"/>
+                  </a:solidFill>
+                  <a:latin typeface="Rocket Sans" panose="020B0602020202020204" pitchFamily="34" charset="0"/>
+                  <a:ea typeface="Rocket Sans" panose="020B0602020202020204" pitchFamily="34" charset="0"/>
+                </a:rPr>
+                <a:t>2007</a:t>
+              </a:r>
+            </a:p>
+            <a:p>
+              <a:pPr algn="r"/>
+              <a:r>
+                <a:rPr lang="en-US" dirty="0">
+                  <a:solidFill>
+                    <a:schemeClr val="bg1"/>
+                  </a:solidFill>
+                  <a:latin typeface="Rocket Sans" panose="020B0602020202020204" pitchFamily="34" charset="0"/>
+                  <a:ea typeface="Rocket Sans" panose="020B0602020202020204" pitchFamily="34" charset="0"/>
+                </a:rPr>
+                <a:t>.NET 3.5</a:t>
+              </a:r>
+            </a:p>
+            <a:p>
+              <a:pPr algn="r"/>
+              <a:r>
+                <a:rPr lang="en-US" dirty="0">
+                  <a:solidFill>
+                    <a:schemeClr val="bg1"/>
+                  </a:solidFill>
+                  <a:latin typeface="Rocket Sans" panose="020B0602020202020204" pitchFamily="34" charset="0"/>
+                  <a:ea typeface="Rocket Sans" panose="020B0602020202020204" pitchFamily="34" charset="0"/>
+                </a:rPr>
+                <a:t>VS 2008</a:t>
+              </a:r>
+            </a:p>
+          </p:txBody>
+        </p:sp>
+      </p:grpSp>
+      <p:grpSp>
+        <p:nvGrpSpPr>
+          <p:cNvPr id="16" name="Group 15">
+            <a:extLst>
+              <a:ext uri="{FF2B5EF4-FFF2-40B4-BE49-F238E27FC236}">
+                <a16:creationId xmlns:a16="http://schemas.microsoft.com/office/drawing/2014/main" id="{79E05A75-9D6E-487E-9961-596C4F5D303E}"/>
+              </a:ext>
+            </a:extLst>
+          </p:cNvPr>
+          <p:cNvGrpSpPr/>
+          <p:nvPr/>
+        </p:nvGrpSpPr>
+        <p:grpSpPr>
+          <a:xfrm>
+            <a:off x="31321" y="3710471"/>
+            <a:ext cx="2254827" cy="2111902"/>
+            <a:chOff x="-148403" y="3432744"/>
+            <a:chExt cx="2411879" cy="2259000"/>
+          </a:xfrm>
+        </p:grpSpPr>
+        <p:pic>
+          <p:nvPicPr>
+            <p:cNvPr id="5" name="Picture 4" descr="A close up of a logo&#10;&#10;Description automatically generated">
+              <a:extLst>
+                <a:ext uri="{FF2B5EF4-FFF2-40B4-BE49-F238E27FC236}">
+                  <a16:creationId xmlns:a16="http://schemas.microsoft.com/office/drawing/2014/main" id="{9DC53C1D-4716-7E4D-AD25-0E72A1AFB485}"/>
+                </a:ext>
+              </a:extLst>
+            </p:cNvPr>
+            <p:cNvPicPr>
+              <a:picLocks noChangeAspect="1"/>
+            </p:cNvPicPr>
+            <p:nvPr/>
+          </p:nvPicPr>
+          <p:blipFill>
+            <a:blip r:embed="rId3"/>
+            <a:stretch>
+              <a:fillRect/>
+            </a:stretch>
+          </p:blipFill>
+          <p:spPr>
+            <a:xfrm>
+              <a:off x="-59961" y="3432744"/>
+              <a:ext cx="2323437" cy="2259000"/>
+            </a:xfrm>
+            <a:prstGeom prst="rect">
+              <a:avLst/>
+            </a:prstGeom>
+          </p:spPr>
+        </p:pic>
+        <p:sp>
+          <p:nvSpPr>
+            <p:cNvPr id="28" name="Hexagon 27">
+              <a:extLst>
+                <a:ext uri="{FF2B5EF4-FFF2-40B4-BE49-F238E27FC236}">
+                  <a16:creationId xmlns:a16="http://schemas.microsoft.com/office/drawing/2014/main" id="{90A2C961-7B2D-074B-9471-AECD72369190}"/>
+                </a:ext>
+              </a:extLst>
+            </p:cNvPr>
+            <p:cNvSpPr/>
+            <p:nvPr/>
+          </p:nvSpPr>
+          <p:spPr>
+            <a:xfrm>
+              <a:off x="440897" y="3874097"/>
+              <a:ext cx="1586853" cy="1360372"/>
+            </a:xfrm>
+            <a:prstGeom prst="hexagon">
+              <a:avLst/>
+            </a:prstGeom>
+            <a:solidFill>
+              <a:srgbClr val="197AFF"/>
+            </a:solidFill>
+            <a:ln>
+              <a:noFill/>
+            </a:ln>
+          </p:spPr>
+          <p:style>
+            <a:lnRef idx="2">
+              <a:schemeClr val="accent6"/>
+            </a:lnRef>
+            <a:fillRef idx="1">
+              <a:schemeClr val="lt1"/>
+            </a:fillRef>
+            <a:effectRef idx="0">
+              <a:schemeClr val="accent6"/>
+            </a:effectRef>
+            <a:fontRef idx="minor">
+              <a:schemeClr val="dk1"/>
+            </a:fontRef>
+          </p:style>
+          <p:txBody>
+            <a:bodyPr rtlCol="0" anchor="ctr"/>
+            <a:lstStyle/>
+            <a:p>
+              <a:pPr algn="ctr"/>
+              <a:endParaRPr lang="en-US"/>
+            </a:p>
+          </p:txBody>
+        </p:sp>
+        <p:sp>
+          <p:nvSpPr>
+            <p:cNvPr id="46" name="TextBox 45">
+              <a:extLst>
+                <a:ext uri="{FF2B5EF4-FFF2-40B4-BE49-F238E27FC236}">
+                  <a16:creationId xmlns:a16="http://schemas.microsoft.com/office/drawing/2014/main" id="{34353450-2984-3E4B-862A-B0473968759C}"/>
+                </a:ext>
+              </a:extLst>
+            </p:cNvPr>
+            <p:cNvSpPr txBox="1"/>
+            <p:nvPr/>
+          </p:nvSpPr>
+          <p:spPr>
+            <a:xfrm rot="19855733">
+              <a:off x="-148403" y="3704343"/>
+              <a:ext cx="1826198" cy="707810"/>
+            </a:xfrm>
+            <a:prstGeom prst="rect">
+              <a:avLst/>
+            </a:prstGeom>
+            <a:noFill/>
+          </p:spPr>
+          <p:txBody>
+            <a:bodyPr wrap="square" rtlCol="0">
+              <a:spAutoFit/>
+            </a:bodyPr>
+            <a:lstStyle/>
+            <a:p>
+              <a:pPr algn="ctr"/>
+              <a:r>
+                <a:rPr lang="en-US" sz="2800" b="1" dirty="0">
+                  <a:solidFill>
+                    <a:schemeClr val="bg1"/>
+                  </a:solidFill>
+                  <a:latin typeface="Rocket Sans" panose="020B0602020202020204" pitchFamily="34" charset="0"/>
+                  <a:ea typeface="Rocket Sans" panose="020B0602020202020204" pitchFamily="34" charset="0"/>
+                </a:rPr>
+                <a:t>C# 6</a:t>
+              </a:r>
+            </a:p>
+            <a:p>
+              <a:pPr algn="ctr"/>
+              <a:endParaRPr lang="en-US" sz="800" b="1" dirty="0">
+                <a:solidFill>
+                  <a:schemeClr val="bg1"/>
+                </a:solidFill>
+                <a:latin typeface="Rocket Sans" panose="020B0602020202020204" pitchFamily="34" charset="0"/>
+                <a:ea typeface="Rocket Sans" panose="020B0602020202020204" pitchFamily="34" charset="0"/>
+              </a:endParaRPr>
+            </a:p>
+          </p:txBody>
+        </p:sp>
+        <p:sp>
+          <p:nvSpPr>
+            <p:cNvPr id="47" name="TextBox 46">
+              <a:extLst>
+                <a:ext uri="{FF2B5EF4-FFF2-40B4-BE49-F238E27FC236}">
+                  <a16:creationId xmlns:a16="http://schemas.microsoft.com/office/drawing/2014/main" id="{7DEDF5CE-1DEF-E94C-9F49-B4E989C0B7C5}"/>
+                </a:ext>
+              </a:extLst>
+            </p:cNvPr>
+            <p:cNvSpPr txBox="1"/>
+            <p:nvPr/>
+          </p:nvSpPr>
+          <p:spPr>
+            <a:xfrm>
+              <a:off x="256258" y="4105498"/>
+              <a:ext cx="1826198" cy="987642"/>
+            </a:xfrm>
+            <a:prstGeom prst="rect">
+              <a:avLst/>
+            </a:prstGeom>
+            <a:noFill/>
+          </p:spPr>
+          <p:txBody>
+            <a:bodyPr wrap="square" rtlCol="0">
+              <a:spAutoFit/>
+            </a:bodyPr>
+            <a:lstStyle/>
+            <a:p>
+              <a:pPr algn="r"/>
+              <a:r>
+                <a:rPr lang="en-US" dirty="0">
+                  <a:solidFill>
+                    <a:schemeClr val="bg1"/>
+                  </a:solidFill>
+                  <a:latin typeface="Rocket Sans" panose="020B0602020202020204" pitchFamily="34" charset="0"/>
+                  <a:ea typeface="Rocket Sans" panose="020B0602020202020204" pitchFamily="34" charset="0"/>
+                </a:rPr>
+                <a:t>2015</a:t>
+              </a:r>
+            </a:p>
+            <a:p>
+              <a:pPr algn="r"/>
+              <a:r>
+                <a:rPr lang="en-US" dirty="0">
+                  <a:solidFill>
+                    <a:schemeClr val="bg1"/>
+                  </a:solidFill>
+                  <a:latin typeface="Rocket Sans" panose="020B0602020202020204" pitchFamily="34" charset="0"/>
+                  <a:ea typeface="Rocket Sans" panose="020B0602020202020204" pitchFamily="34" charset="0"/>
+                </a:rPr>
+                <a:t>.NET 4.6</a:t>
+              </a:r>
+            </a:p>
+            <a:p>
+              <a:pPr algn="r"/>
+              <a:r>
+                <a:rPr lang="en-US" dirty="0">
+                  <a:solidFill>
+                    <a:schemeClr val="bg1"/>
+                  </a:solidFill>
+                  <a:latin typeface="Rocket Sans" panose="020B0602020202020204" pitchFamily="34" charset="0"/>
+                  <a:ea typeface="Rocket Sans" panose="020B0602020202020204" pitchFamily="34" charset="0"/>
+                </a:rPr>
+                <a:t>VS 2015</a:t>
+              </a:r>
+            </a:p>
+          </p:txBody>
+        </p:sp>
+      </p:grpSp>
+      <p:grpSp>
+        <p:nvGrpSpPr>
+          <p:cNvPr id="15" name="Group 14">
+            <a:extLst>
+              <a:ext uri="{FF2B5EF4-FFF2-40B4-BE49-F238E27FC236}">
+                <a16:creationId xmlns:a16="http://schemas.microsoft.com/office/drawing/2014/main" id="{02E7694B-EE29-4C16-BB5D-C541964E06BB}"/>
+              </a:ext>
+            </a:extLst>
+          </p:cNvPr>
+          <p:cNvGrpSpPr/>
+          <p:nvPr/>
+        </p:nvGrpSpPr>
+        <p:grpSpPr>
+          <a:xfrm>
+            <a:off x="1983933" y="3710471"/>
+            <a:ext cx="2259471" cy="2111902"/>
+            <a:chOff x="1851465" y="3432744"/>
+            <a:chExt cx="2416846" cy="2259000"/>
+          </a:xfrm>
+        </p:grpSpPr>
+        <p:pic>
+          <p:nvPicPr>
+            <p:cNvPr id="20" name="Picture 19" descr="A close up of a logo&#10;&#10;Description automatically generated">
+              <a:extLst>
+                <a:ext uri="{FF2B5EF4-FFF2-40B4-BE49-F238E27FC236}">
+                  <a16:creationId xmlns:a16="http://schemas.microsoft.com/office/drawing/2014/main" id="{A04188F2-5C8D-664C-B7B3-A2F4309B1D62}"/>
+                </a:ext>
+              </a:extLst>
+            </p:cNvPr>
+            <p:cNvPicPr>
+              <a:picLocks noChangeAspect="1"/>
+            </p:cNvPicPr>
+            <p:nvPr/>
+          </p:nvPicPr>
+          <p:blipFill>
+            <a:blip r:embed="rId3"/>
+            <a:stretch>
+              <a:fillRect/>
+            </a:stretch>
+          </p:blipFill>
+          <p:spPr>
+            <a:xfrm>
+              <a:off x="1944874" y="3432744"/>
+              <a:ext cx="2323437" cy="2259000"/>
+            </a:xfrm>
+            <a:prstGeom prst="rect">
+              <a:avLst/>
+            </a:prstGeom>
+          </p:spPr>
+        </p:pic>
+        <p:sp>
+          <p:nvSpPr>
+            <p:cNvPr id="29" name="Hexagon 28">
+              <a:extLst>
+                <a:ext uri="{FF2B5EF4-FFF2-40B4-BE49-F238E27FC236}">
+                  <a16:creationId xmlns:a16="http://schemas.microsoft.com/office/drawing/2014/main" id="{3E308FE9-DD2B-9747-B159-AC066BE9548D}"/>
+                </a:ext>
+              </a:extLst>
+            </p:cNvPr>
+            <p:cNvSpPr/>
+            <p:nvPr/>
+          </p:nvSpPr>
+          <p:spPr>
+            <a:xfrm>
+              <a:off x="2459351" y="3887644"/>
+              <a:ext cx="1586853" cy="1360372"/>
+            </a:xfrm>
+            <a:prstGeom prst="hexagon">
+              <a:avLst/>
+            </a:prstGeom>
+            <a:solidFill>
+              <a:srgbClr val="197AFF"/>
+            </a:solidFill>
+            <a:ln>
+              <a:noFill/>
+            </a:ln>
+          </p:spPr>
+          <p:style>
+            <a:lnRef idx="2">
+              <a:schemeClr val="accent6"/>
+            </a:lnRef>
+            <a:fillRef idx="1">
+              <a:schemeClr val="lt1"/>
+            </a:fillRef>
+            <a:effectRef idx="0">
+              <a:schemeClr val="accent6"/>
+            </a:effectRef>
+            <a:fontRef idx="minor">
+              <a:schemeClr val="dk1"/>
+            </a:fontRef>
+          </p:style>
+          <p:txBody>
+            <a:bodyPr rtlCol="0" anchor="ctr"/>
+            <a:lstStyle/>
+            <a:p>
+              <a:pPr algn="ctr"/>
+              <a:endParaRPr lang="en-US"/>
+            </a:p>
+          </p:txBody>
+        </p:sp>
+        <p:sp>
+          <p:nvSpPr>
+            <p:cNvPr id="48" name="TextBox 47">
+              <a:extLst>
+                <a:ext uri="{FF2B5EF4-FFF2-40B4-BE49-F238E27FC236}">
+                  <a16:creationId xmlns:a16="http://schemas.microsoft.com/office/drawing/2014/main" id="{BFF9EB94-A8C8-CE4E-9C14-5928AB9C17B1}"/>
+                </a:ext>
+              </a:extLst>
+            </p:cNvPr>
+            <p:cNvSpPr txBox="1"/>
+            <p:nvPr/>
+          </p:nvSpPr>
+          <p:spPr>
+            <a:xfrm rot="19855733">
+              <a:off x="1851465" y="3678070"/>
+              <a:ext cx="1826198" cy="707810"/>
+            </a:xfrm>
+            <a:prstGeom prst="rect">
+              <a:avLst/>
+            </a:prstGeom>
+            <a:noFill/>
+          </p:spPr>
+          <p:txBody>
+            <a:bodyPr wrap="square" rtlCol="0">
+              <a:spAutoFit/>
+            </a:bodyPr>
+            <a:lstStyle/>
+            <a:p>
+              <a:pPr algn="ctr"/>
+              <a:r>
+                <a:rPr lang="en-US" sz="2800" b="1" dirty="0">
+                  <a:solidFill>
+                    <a:schemeClr val="bg1"/>
+                  </a:solidFill>
+                  <a:latin typeface="Rocket Sans" panose="020B0602020202020204" pitchFamily="34" charset="0"/>
+                  <a:ea typeface="Rocket Sans" panose="020B0602020202020204" pitchFamily="34" charset="0"/>
+                </a:rPr>
+                <a:t>C# 7.0</a:t>
+              </a:r>
+            </a:p>
+            <a:p>
+              <a:pPr algn="ctr"/>
+              <a:endParaRPr lang="en-US" sz="800" b="1" dirty="0">
+                <a:solidFill>
+                  <a:schemeClr val="bg1"/>
+                </a:solidFill>
+                <a:latin typeface="Rocket Sans" panose="020B0602020202020204" pitchFamily="34" charset="0"/>
+                <a:ea typeface="Rocket Sans" panose="020B0602020202020204" pitchFamily="34" charset="0"/>
+              </a:endParaRPr>
+            </a:p>
+          </p:txBody>
+        </p:sp>
+        <p:sp>
+          <p:nvSpPr>
+            <p:cNvPr id="49" name="TextBox 48">
+              <a:extLst>
+                <a:ext uri="{FF2B5EF4-FFF2-40B4-BE49-F238E27FC236}">
+                  <a16:creationId xmlns:a16="http://schemas.microsoft.com/office/drawing/2014/main" id="{D703D5C6-08A2-FB44-BB91-30F1F8F91920}"/>
+                </a:ext>
+              </a:extLst>
+            </p:cNvPr>
+            <p:cNvSpPr txBox="1"/>
+            <p:nvPr/>
+          </p:nvSpPr>
+          <p:spPr>
+            <a:xfrm>
+              <a:off x="2235017" y="4153586"/>
+              <a:ext cx="1826198" cy="987642"/>
+            </a:xfrm>
+            <a:prstGeom prst="rect">
+              <a:avLst/>
+            </a:prstGeom>
+            <a:noFill/>
+          </p:spPr>
+          <p:txBody>
+            <a:bodyPr wrap="square" rtlCol="0">
+              <a:spAutoFit/>
+            </a:bodyPr>
+            <a:lstStyle/>
+            <a:p>
+              <a:pPr algn="r"/>
+              <a:r>
+                <a:rPr lang="en-US" dirty="0">
+                  <a:solidFill>
+                    <a:schemeClr val="bg1"/>
+                  </a:solidFill>
+                  <a:latin typeface="Rocket Sans" panose="020B0602020202020204" pitchFamily="34" charset="0"/>
+                  <a:ea typeface="Rocket Sans" panose="020B0602020202020204" pitchFamily="34" charset="0"/>
+                </a:rPr>
+                <a:t>Mar. 2017</a:t>
+              </a:r>
+            </a:p>
+            <a:p>
+              <a:pPr algn="r"/>
+              <a:r>
+                <a:rPr lang="en-US" dirty="0">
+                  <a:solidFill>
+                    <a:schemeClr val="bg1"/>
+                  </a:solidFill>
+                  <a:latin typeface="Rocket Sans" panose="020B0602020202020204" pitchFamily="34" charset="0"/>
+                  <a:ea typeface="Rocket Sans" panose="020B0602020202020204" pitchFamily="34" charset="0"/>
+                </a:rPr>
+                <a:t>.NET 4.6.2</a:t>
+              </a:r>
+            </a:p>
+            <a:p>
+              <a:pPr algn="r"/>
+              <a:r>
+                <a:rPr lang="en-US" dirty="0">
+                  <a:solidFill>
+                    <a:schemeClr val="bg1"/>
+                  </a:solidFill>
+                  <a:latin typeface="Rocket Sans" panose="020B0602020202020204" pitchFamily="34" charset="0"/>
+                  <a:ea typeface="Rocket Sans" panose="020B0602020202020204" pitchFamily="34" charset="0"/>
+                </a:rPr>
+                <a:t>VS 2017</a:t>
+              </a:r>
+            </a:p>
+          </p:txBody>
+        </p:sp>
+      </p:grpSp>
+      <p:grpSp>
+        <p:nvGrpSpPr>
+          <p:cNvPr id="14" name="Group 13">
+            <a:extLst>
+              <a:ext uri="{FF2B5EF4-FFF2-40B4-BE49-F238E27FC236}">
+                <a16:creationId xmlns:a16="http://schemas.microsoft.com/office/drawing/2014/main" id="{E17AEA2B-F967-4479-924A-D121C5710660}"/>
+              </a:ext>
+            </a:extLst>
+          </p:cNvPr>
+          <p:cNvGrpSpPr/>
+          <p:nvPr/>
+        </p:nvGrpSpPr>
+        <p:grpSpPr>
+          <a:xfrm>
+            <a:off x="3941189" y="3710471"/>
+            <a:ext cx="2249210" cy="2111902"/>
+            <a:chOff x="3872813" y="3432744"/>
+            <a:chExt cx="2405871" cy="2259000"/>
+          </a:xfrm>
+        </p:grpSpPr>
+        <p:pic>
+          <p:nvPicPr>
+            <p:cNvPr id="21" name="Picture 20" descr="A close up of a logo&#10;&#10;Description automatically generated">
+              <a:extLst>
+                <a:ext uri="{FF2B5EF4-FFF2-40B4-BE49-F238E27FC236}">
+                  <a16:creationId xmlns:a16="http://schemas.microsoft.com/office/drawing/2014/main" id="{62903238-6B2E-0A43-97DD-0C4DA6B64C22}"/>
+                </a:ext>
+              </a:extLst>
+            </p:cNvPr>
+            <p:cNvPicPr>
+              <a:picLocks noChangeAspect="1"/>
+            </p:cNvPicPr>
+            <p:nvPr/>
+          </p:nvPicPr>
+          <p:blipFill>
+            <a:blip r:embed="rId3"/>
+            <a:stretch>
+              <a:fillRect/>
+            </a:stretch>
+          </p:blipFill>
+          <p:spPr>
+            <a:xfrm>
+              <a:off x="3955247" y="3432744"/>
+              <a:ext cx="2323437" cy="2259000"/>
+            </a:xfrm>
+            <a:prstGeom prst="rect">
+              <a:avLst/>
+            </a:prstGeom>
+          </p:spPr>
+        </p:pic>
+        <p:sp>
+          <p:nvSpPr>
+            <p:cNvPr id="30" name="Hexagon 29">
+              <a:extLst>
+                <a:ext uri="{FF2B5EF4-FFF2-40B4-BE49-F238E27FC236}">
+                  <a16:creationId xmlns:a16="http://schemas.microsoft.com/office/drawing/2014/main" id="{8886780A-7963-C149-87D9-16A7523422AC}"/>
+                </a:ext>
+              </a:extLst>
+            </p:cNvPr>
+            <p:cNvSpPr/>
+            <p:nvPr/>
+          </p:nvSpPr>
+          <p:spPr>
+            <a:xfrm>
+              <a:off x="4479176" y="3874097"/>
+              <a:ext cx="1586853" cy="1360372"/>
+            </a:xfrm>
+            <a:prstGeom prst="hexagon">
+              <a:avLst/>
+            </a:prstGeom>
+            <a:solidFill>
+              <a:srgbClr val="197AFF"/>
+            </a:solidFill>
+            <a:ln>
+              <a:noFill/>
+            </a:ln>
+          </p:spPr>
+          <p:style>
+            <a:lnRef idx="2">
+              <a:schemeClr val="accent6"/>
+            </a:lnRef>
+            <a:fillRef idx="1">
+              <a:schemeClr val="lt1"/>
+            </a:fillRef>
+            <a:effectRef idx="0">
+              <a:schemeClr val="accent6"/>
+            </a:effectRef>
+            <a:fontRef idx="minor">
+              <a:schemeClr val="dk1"/>
+            </a:fontRef>
+          </p:style>
+          <p:txBody>
+            <a:bodyPr rtlCol="0" anchor="ctr"/>
+            <a:lstStyle/>
+            <a:p>
+              <a:pPr algn="ctr"/>
+              <a:endParaRPr lang="en-US"/>
+            </a:p>
+          </p:txBody>
+        </p:sp>
+        <p:sp>
+          <p:nvSpPr>
+            <p:cNvPr id="50" name="TextBox 49">
+              <a:extLst>
+                <a:ext uri="{FF2B5EF4-FFF2-40B4-BE49-F238E27FC236}">
+                  <a16:creationId xmlns:a16="http://schemas.microsoft.com/office/drawing/2014/main" id="{639C16B4-EC79-1641-85DE-A4970FC6B111}"/>
+                </a:ext>
+              </a:extLst>
+            </p:cNvPr>
+            <p:cNvSpPr txBox="1"/>
+            <p:nvPr/>
+          </p:nvSpPr>
+          <p:spPr>
+            <a:xfrm rot="19855733">
+              <a:off x="3872813" y="3661810"/>
+              <a:ext cx="1826198" cy="707810"/>
+            </a:xfrm>
+            <a:prstGeom prst="rect">
+              <a:avLst/>
+            </a:prstGeom>
+            <a:noFill/>
+          </p:spPr>
+          <p:txBody>
+            <a:bodyPr wrap="square" rtlCol="0">
+              <a:spAutoFit/>
+            </a:bodyPr>
+            <a:lstStyle/>
+            <a:p>
+              <a:pPr algn="ctr"/>
+              <a:r>
+                <a:rPr lang="en-US" sz="2800" b="1" dirty="0">
+                  <a:solidFill>
+                    <a:schemeClr val="bg1"/>
+                  </a:solidFill>
+                  <a:latin typeface="Rocket Sans" panose="020B0602020202020204" pitchFamily="34" charset="0"/>
+                  <a:ea typeface="Rocket Sans" panose="020B0602020202020204" pitchFamily="34" charset="0"/>
+                </a:rPr>
+                <a:t>C# 7.1</a:t>
+              </a:r>
+            </a:p>
+            <a:p>
+              <a:pPr algn="ctr"/>
+              <a:endParaRPr lang="en-US" sz="800" b="1" dirty="0">
+                <a:solidFill>
+                  <a:schemeClr val="bg1"/>
+                </a:solidFill>
+                <a:latin typeface="Rocket Sans" panose="020B0602020202020204" pitchFamily="34" charset="0"/>
+                <a:ea typeface="Rocket Sans" panose="020B0602020202020204" pitchFamily="34" charset="0"/>
+              </a:endParaRPr>
+            </a:p>
+          </p:txBody>
+        </p:sp>
+        <p:sp>
+          <p:nvSpPr>
+            <p:cNvPr id="51" name="TextBox 50">
+              <a:extLst>
+                <a:ext uri="{FF2B5EF4-FFF2-40B4-BE49-F238E27FC236}">
+                  <a16:creationId xmlns:a16="http://schemas.microsoft.com/office/drawing/2014/main" id="{B71423DD-970D-3F46-86EF-C5E7A88DC55C}"/>
+                </a:ext>
+              </a:extLst>
+            </p:cNvPr>
+            <p:cNvSpPr txBox="1"/>
+            <p:nvPr/>
+          </p:nvSpPr>
+          <p:spPr>
+            <a:xfrm>
+              <a:off x="4263563" y="4142078"/>
+              <a:ext cx="1826198" cy="987642"/>
+            </a:xfrm>
+            <a:prstGeom prst="rect">
+              <a:avLst/>
+            </a:prstGeom>
+            <a:noFill/>
+          </p:spPr>
+          <p:txBody>
+            <a:bodyPr wrap="square" rtlCol="0">
+              <a:spAutoFit/>
+            </a:bodyPr>
+            <a:lstStyle/>
+            <a:p>
+              <a:pPr algn="r"/>
+              <a:r>
+                <a:rPr lang="en-US" dirty="0">
+                  <a:solidFill>
+                    <a:schemeClr val="bg1"/>
+                  </a:solidFill>
+                  <a:latin typeface="Rocket Sans" panose="020B0602020202020204" pitchFamily="34" charset="0"/>
+                  <a:ea typeface="Rocket Sans" panose="020B0602020202020204" pitchFamily="34" charset="0"/>
+                </a:rPr>
+                <a:t>Aug. 2017</a:t>
+              </a:r>
+            </a:p>
+            <a:p>
+              <a:pPr algn="r"/>
+              <a:r>
+                <a:rPr lang="en-US" dirty="0">
+                  <a:solidFill>
+                    <a:schemeClr val="bg1"/>
+                  </a:solidFill>
+                  <a:latin typeface="Rocket Sans" panose="020B0602020202020204" pitchFamily="34" charset="0"/>
+                  <a:ea typeface="Rocket Sans" panose="020B0602020202020204" pitchFamily="34" charset="0"/>
+                </a:rPr>
+                <a:t>.NET 4.7</a:t>
+              </a:r>
+            </a:p>
+            <a:p>
+              <a:pPr algn="r"/>
+              <a:r>
+                <a:rPr lang="en-US" dirty="0">
+                  <a:solidFill>
+                    <a:schemeClr val="bg1"/>
+                  </a:solidFill>
+                  <a:latin typeface="Rocket Sans" panose="020B0602020202020204" pitchFamily="34" charset="0"/>
+                  <a:ea typeface="Rocket Sans" panose="020B0602020202020204" pitchFamily="34" charset="0"/>
+                </a:rPr>
+                <a:t>VS 2017</a:t>
+              </a:r>
+            </a:p>
+          </p:txBody>
+        </p:sp>
+      </p:grpSp>
+      <p:grpSp>
+        <p:nvGrpSpPr>
+          <p:cNvPr id="12" name="Group 11">
+            <a:extLst>
+              <a:ext uri="{FF2B5EF4-FFF2-40B4-BE49-F238E27FC236}">
+                <a16:creationId xmlns:a16="http://schemas.microsoft.com/office/drawing/2014/main" id="{D6879334-18B9-4DD4-9B2C-1941375A9780}"/>
+              </a:ext>
+            </a:extLst>
+          </p:cNvPr>
+          <p:cNvGrpSpPr/>
+          <p:nvPr/>
+        </p:nvGrpSpPr>
+        <p:grpSpPr>
+          <a:xfrm>
+            <a:off x="7838108" y="3710471"/>
+            <a:ext cx="2268551" cy="2111902"/>
+            <a:chOff x="7864318" y="3432744"/>
+            <a:chExt cx="2426559" cy="2259000"/>
+          </a:xfrm>
+        </p:grpSpPr>
+        <p:pic>
+          <p:nvPicPr>
+            <p:cNvPr id="23" name="Picture 22" descr="A close up of a logo&#10;&#10;Description automatically generated">
+              <a:extLst>
+                <a:ext uri="{FF2B5EF4-FFF2-40B4-BE49-F238E27FC236}">
+                  <a16:creationId xmlns:a16="http://schemas.microsoft.com/office/drawing/2014/main" id="{1D381D4F-BFC0-6949-BDB1-C99E04F7A420}"/>
+                </a:ext>
+              </a:extLst>
+            </p:cNvPr>
+            <p:cNvPicPr>
+              <a:picLocks noChangeAspect="1"/>
+            </p:cNvPicPr>
+            <p:nvPr/>
+          </p:nvPicPr>
+          <p:blipFill>
+            <a:blip r:embed="rId3"/>
+            <a:stretch>
+              <a:fillRect/>
+            </a:stretch>
+          </p:blipFill>
+          <p:spPr>
+            <a:xfrm>
+              <a:off x="7967440" y="3432744"/>
+              <a:ext cx="2323437" cy="2259000"/>
+            </a:xfrm>
+            <a:prstGeom prst="rect">
+              <a:avLst/>
+            </a:prstGeom>
+          </p:spPr>
+        </p:pic>
+        <p:sp>
+          <p:nvSpPr>
+            <p:cNvPr id="34" name="Hexagon 33">
+              <a:extLst>
+                <a:ext uri="{FF2B5EF4-FFF2-40B4-BE49-F238E27FC236}">
+                  <a16:creationId xmlns:a16="http://schemas.microsoft.com/office/drawing/2014/main" id="{F22E7137-3B6D-234B-A066-423969B95E40}"/>
+                </a:ext>
+              </a:extLst>
+            </p:cNvPr>
+            <p:cNvSpPr/>
+            <p:nvPr/>
+          </p:nvSpPr>
+          <p:spPr>
+            <a:xfrm>
+              <a:off x="8496907" y="3887644"/>
+              <a:ext cx="1586853" cy="1360372"/>
+            </a:xfrm>
+            <a:prstGeom prst="hexagon">
+              <a:avLst/>
+            </a:prstGeom>
+            <a:solidFill>
+              <a:srgbClr val="197AFF"/>
+            </a:solidFill>
+            <a:ln>
+              <a:noFill/>
+            </a:ln>
+          </p:spPr>
+          <p:style>
+            <a:lnRef idx="2">
+              <a:schemeClr val="accent6"/>
+            </a:lnRef>
+            <a:fillRef idx="1">
+              <a:schemeClr val="lt1"/>
+            </a:fillRef>
+            <a:effectRef idx="0">
+              <a:schemeClr val="accent6"/>
+            </a:effectRef>
+            <a:fontRef idx="minor">
+              <a:schemeClr val="dk1"/>
+            </a:fontRef>
+          </p:style>
+          <p:txBody>
+            <a:bodyPr rtlCol="0" anchor="ctr"/>
+            <a:lstStyle/>
+            <a:p>
+              <a:pPr algn="ctr"/>
+              <a:endParaRPr lang="en-US"/>
+            </a:p>
+          </p:txBody>
+        </p:sp>
+        <p:sp>
+          <p:nvSpPr>
+            <p:cNvPr id="52" name="TextBox 51">
+              <a:extLst>
+                <a:ext uri="{FF2B5EF4-FFF2-40B4-BE49-F238E27FC236}">
+                  <a16:creationId xmlns:a16="http://schemas.microsoft.com/office/drawing/2014/main" id="{139A44F5-3252-BE49-80BA-FFBEFDFCEA68}"/>
+                </a:ext>
+              </a:extLst>
+            </p:cNvPr>
+            <p:cNvSpPr txBox="1"/>
+            <p:nvPr/>
+          </p:nvSpPr>
+          <p:spPr>
+            <a:xfrm rot="19855733">
+              <a:off x="7864318" y="3657509"/>
+              <a:ext cx="1826198" cy="707810"/>
+            </a:xfrm>
+            <a:prstGeom prst="rect">
+              <a:avLst/>
+            </a:prstGeom>
+            <a:noFill/>
+          </p:spPr>
+          <p:txBody>
+            <a:bodyPr wrap="square" rtlCol="0">
+              <a:spAutoFit/>
+            </a:bodyPr>
+            <a:lstStyle/>
+            <a:p>
+              <a:pPr algn="ctr"/>
+              <a:r>
+                <a:rPr lang="en-US" sz="2800" b="1" dirty="0">
+                  <a:solidFill>
+                    <a:schemeClr val="bg1"/>
+                  </a:solidFill>
+                  <a:latin typeface="Rocket Sans" panose="020B0602020202020204" pitchFamily="34" charset="0"/>
+                  <a:ea typeface="Rocket Sans" panose="020B0602020202020204" pitchFamily="34" charset="0"/>
+                </a:rPr>
+                <a:t>C# 7.3</a:t>
+              </a:r>
+            </a:p>
+            <a:p>
+              <a:pPr algn="ctr"/>
+              <a:endParaRPr lang="en-US" sz="800" b="1" dirty="0">
+                <a:solidFill>
+                  <a:schemeClr val="bg1"/>
+                </a:solidFill>
+                <a:latin typeface="Rocket Sans" panose="020B0602020202020204" pitchFamily="34" charset="0"/>
+                <a:ea typeface="Rocket Sans" panose="020B0602020202020204" pitchFamily="34" charset="0"/>
+              </a:endParaRPr>
+            </a:p>
+          </p:txBody>
+        </p:sp>
+        <p:sp>
+          <p:nvSpPr>
+            <p:cNvPr id="53" name="TextBox 52">
+              <a:extLst>
+                <a:ext uri="{FF2B5EF4-FFF2-40B4-BE49-F238E27FC236}">
+                  <a16:creationId xmlns:a16="http://schemas.microsoft.com/office/drawing/2014/main" id="{74764AAF-25F2-6347-8689-CB11FCD202E7}"/>
+                </a:ext>
+              </a:extLst>
+            </p:cNvPr>
+            <p:cNvSpPr txBox="1"/>
+            <p:nvPr/>
+          </p:nvSpPr>
+          <p:spPr>
+            <a:xfrm>
+              <a:off x="8274446" y="4121013"/>
+              <a:ext cx="1826198" cy="987642"/>
+            </a:xfrm>
+            <a:prstGeom prst="rect">
+              <a:avLst/>
+            </a:prstGeom>
+            <a:noFill/>
+          </p:spPr>
+          <p:txBody>
+            <a:bodyPr wrap="square" rtlCol="0">
+              <a:spAutoFit/>
+            </a:bodyPr>
+            <a:lstStyle/>
+            <a:p>
+              <a:pPr algn="r"/>
+              <a:r>
+                <a:rPr lang="en-US" dirty="0">
+                  <a:solidFill>
+                    <a:schemeClr val="bg1"/>
+                  </a:solidFill>
+                  <a:latin typeface="Rocket Sans" panose="020B0602020202020204" pitchFamily="34" charset="0"/>
+                  <a:ea typeface="Rocket Sans" panose="020B0602020202020204" pitchFamily="34" charset="0"/>
+                </a:rPr>
+                <a:t>May 2018</a:t>
+              </a:r>
+            </a:p>
+            <a:p>
+              <a:pPr algn="r"/>
+              <a:r>
+                <a:rPr lang="en-US" dirty="0">
+                  <a:solidFill>
+                    <a:schemeClr val="bg1"/>
+                  </a:solidFill>
+                  <a:latin typeface="Rocket Sans" panose="020B0602020202020204" pitchFamily="34" charset="0"/>
+                  <a:ea typeface="Rocket Sans" panose="020B0602020202020204" pitchFamily="34" charset="0"/>
+                </a:rPr>
+                <a:t>.NET 4.7.2</a:t>
+              </a:r>
+            </a:p>
+            <a:p>
+              <a:pPr algn="r"/>
+              <a:r>
+                <a:rPr lang="en-US" dirty="0">
+                  <a:solidFill>
+                    <a:schemeClr val="bg1"/>
+                  </a:solidFill>
+                  <a:latin typeface="Rocket Sans" panose="020B0602020202020204" pitchFamily="34" charset="0"/>
+                  <a:ea typeface="Rocket Sans" panose="020B0602020202020204" pitchFamily="34" charset="0"/>
+                </a:rPr>
+                <a:t>VS 2017</a:t>
+              </a:r>
+            </a:p>
+          </p:txBody>
+        </p:sp>
+      </p:grpSp>
+      <p:grpSp>
+        <p:nvGrpSpPr>
+          <p:cNvPr id="13" name="Group 12">
+            <a:extLst>
+              <a:ext uri="{FF2B5EF4-FFF2-40B4-BE49-F238E27FC236}">
+                <a16:creationId xmlns:a16="http://schemas.microsoft.com/office/drawing/2014/main" id="{391DC4BB-6F31-409C-AD59-5C3F9CB384BE}"/>
+              </a:ext>
+            </a:extLst>
+          </p:cNvPr>
+          <p:cNvGrpSpPr/>
+          <p:nvPr/>
+        </p:nvGrpSpPr>
+        <p:grpSpPr>
+          <a:xfrm>
+            <a:off x="5888184" y="3710471"/>
+            <a:ext cx="2252139" cy="2111902"/>
+            <a:chOff x="5877038" y="3432744"/>
+            <a:chExt cx="2409004" cy="2259000"/>
+          </a:xfrm>
+        </p:grpSpPr>
+        <p:pic>
+          <p:nvPicPr>
+            <p:cNvPr id="22" name="Picture 21" descr="A close up of a logo&#10;&#10;Description automatically generated">
+              <a:extLst>
+                <a:ext uri="{FF2B5EF4-FFF2-40B4-BE49-F238E27FC236}">
+                  <a16:creationId xmlns:a16="http://schemas.microsoft.com/office/drawing/2014/main" id="{6D2F8E62-A513-E341-9385-E827CC0C1B74}"/>
+                </a:ext>
+              </a:extLst>
+            </p:cNvPr>
+            <p:cNvPicPr>
+              <a:picLocks noChangeAspect="1"/>
+            </p:cNvPicPr>
+            <p:nvPr/>
+          </p:nvPicPr>
+          <p:blipFill>
+            <a:blip r:embed="rId3"/>
+            <a:stretch>
+              <a:fillRect/>
+            </a:stretch>
+          </p:blipFill>
+          <p:spPr>
+            <a:xfrm>
+              <a:off x="5962605" y="3432744"/>
+              <a:ext cx="2323437" cy="2259000"/>
+            </a:xfrm>
+            <a:prstGeom prst="rect">
+              <a:avLst/>
+            </a:prstGeom>
+          </p:spPr>
+        </p:pic>
+        <p:sp>
+          <p:nvSpPr>
+            <p:cNvPr id="31" name="Hexagon 30">
+              <a:extLst>
+                <a:ext uri="{FF2B5EF4-FFF2-40B4-BE49-F238E27FC236}">
+                  <a16:creationId xmlns:a16="http://schemas.microsoft.com/office/drawing/2014/main" id="{DDA67252-A48C-2548-BCEA-C21C9359D973}"/>
+                </a:ext>
+              </a:extLst>
+            </p:cNvPr>
+            <p:cNvSpPr/>
+            <p:nvPr/>
+          </p:nvSpPr>
+          <p:spPr>
+            <a:xfrm>
+              <a:off x="6489549" y="3863083"/>
+              <a:ext cx="1586853" cy="1360372"/>
+            </a:xfrm>
+            <a:prstGeom prst="hexagon">
+              <a:avLst/>
+            </a:prstGeom>
+            <a:solidFill>
+              <a:srgbClr val="197AFF"/>
+            </a:solidFill>
+            <a:ln>
+              <a:noFill/>
+            </a:ln>
+          </p:spPr>
+          <p:style>
+            <a:lnRef idx="2">
+              <a:schemeClr val="accent6"/>
+            </a:lnRef>
+            <a:fillRef idx="1">
+              <a:schemeClr val="lt1"/>
+            </a:fillRef>
+            <a:effectRef idx="0">
+              <a:schemeClr val="accent6"/>
+            </a:effectRef>
+            <a:fontRef idx="minor">
+              <a:schemeClr val="dk1"/>
+            </a:fontRef>
+          </p:style>
+          <p:txBody>
+            <a:bodyPr rtlCol="0" anchor="ctr"/>
+            <a:lstStyle/>
+            <a:p>
+              <a:pPr algn="ctr"/>
+              <a:endParaRPr lang="en-US"/>
+            </a:p>
+          </p:txBody>
+        </p:sp>
+        <p:sp>
+          <p:nvSpPr>
+            <p:cNvPr id="54" name="TextBox 53">
+              <a:extLst>
+                <a:ext uri="{FF2B5EF4-FFF2-40B4-BE49-F238E27FC236}">
+                  <a16:creationId xmlns:a16="http://schemas.microsoft.com/office/drawing/2014/main" id="{F63DC5EA-455B-F34F-9459-1B939B43FAE6}"/>
+                </a:ext>
+              </a:extLst>
+            </p:cNvPr>
+            <p:cNvSpPr txBox="1"/>
+            <p:nvPr/>
+          </p:nvSpPr>
+          <p:spPr>
+            <a:xfrm rot="19855733">
+              <a:off x="5877038" y="3660773"/>
+              <a:ext cx="1826198" cy="724270"/>
+            </a:xfrm>
+            <a:prstGeom prst="rect">
+              <a:avLst/>
+            </a:prstGeom>
+            <a:noFill/>
+          </p:spPr>
+          <p:txBody>
+            <a:bodyPr wrap="square" rtlCol="0">
+              <a:spAutoFit/>
+            </a:bodyPr>
+            <a:lstStyle/>
+            <a:p>
+              <a:pPr algn="ctr"/>
+              <a:r>
+                <a:rPr lang="en-US" sz="2800" b="1" dirty="0">
+                  <a:solidFill>
+                    <a:schemeClr val="bg1"/>
+                  </a:solidFill>
+                  <a:latin typeface="Rocket Sans" panose="020B0602020202020204" pitchFamily="34" charset="0"/>
+                  <a:ea typeface="Rocket Sans" panose="020B0602020202020204" pitchFamily="34" charset="0"/>
+                </a:rPr>
+                <a:t>C# 7.2</a:t>
+              </a:r>
+            </a:p>
+            <a:p>
+              <a:pPr algn="ctr"/>
+              <a:endParaRPr lang="en-US" sz="1000" b="1" dirty="0">
+                <a:solidFill>
+                  <a:schemeClr val="bg1"/>
+                </a:solidFill>
+                <a:latin typeface="Rocket Sans" panose="020B0602020202020204" pitchFamily="34" charset="0"/>
+                <a:ea typeface="Rocket Sans" panose="020B0602020202020204" pitchFamily="34" charset="0"/>
+              </a:endParaRPr>
+            </a:p>
+          </p:txBody>
+        </p:sp>
+        <p:sp>
+          <p:nvSpPr>
+            <p:cNvPr id="55" name="TextBox 54">
+              <a:extLst>
+                <a:ext uri="{FF2B5EF4-FFF2-40B4-BE49-F238E27FC236}">
+                  <a16:creationId xmlns:a16="http://schemas.microsoft.com/office/drawing/2014/main" id="{D915A086-2873-8546-B2D6-A51D4F716179}"/>
+                </a:ext>
+              </a:extLst>
+            </p:cNvPr>
+            <p:cNvSpPr txBox="1"/>
+            <p:nvPr/>
+          </p:nvSpPr>
+          <p:spPr>
+            <a:xfrm>
+              <a:off x="6273465" y="4123388"/>
+              <a:ext cx="1826198" cy="987642"/>
+            </a:xfrm>
+            <a:prstGeom prst="rect">
+              <a:avLst/>
+            </a:prstGeom>
+            <a:noFill/>
+          </p:spPr>
+          <p:txBody>
+            <a:bodyPr wrap="square" rtlCol="0">
+              <a:spAutoFit/>
+            </a:bodyPr>
+            <a:lstStyle/>
+            <a:p>
+              <a:pPr algn="r"/>
+              <a:r>
+                <a:rPr lang="en-US" dirty="0">
+                  <a:solidFill>
+                    <a:schemeClr val="bg1"/>
+                  </a:solidFill>
+                  <a:latin typeface="Rocket Sans" panose="020B0602020202020204" pitchFamily="34" charset="0"/>
+                  <a:ea typeface="Rocket Sans" panose="020B0602020202020204" pitchFamily="34" charset="0"/>
+                </a:rPr>
+                <a:t>Nov. 2017</a:t>
+              </a:r>
+            </a:p>
+            <a:p>
+              <a:pPr algn="r"/>
+              <a:r>
+                <a:rPr lang="en-US" dirty="0">
+                  <a:solidFill>
+                    <a:schemeClr val="bg1"/>
+                  </a:solidFill>
+                  <a:latin typeface="Rocket Sans" panose="020B0602020202020204" pitchFamily="34" charset="0"/>
+                  <a:ea typeface="Rocket Sans" panose="020B0602020202020204" pitchFamily="34" charset="0"/>
+                </a:rPr>
+                <a:t>.NET 4.7.1</a:t>
+              </a:r>
+            </a:p>
+            <a:p>
+              <a:pPr algn="r"/>
+              <a:r>
+                <a:rPr lang="en-US" dirty="0">
+                  <a:solidFill>
+                    <a:schemeClr val="bg1"/>
+                  </a:solidFill>
+                  <a:latin typeface="Rocket Sans" panose="020B0602020202020204" pitchFamily="34" charset="0"/>
+                  <a:ea typeface="Rocket Sans" panose="020B0602020202020204" pitchFamily="34" charset="0"/>
+                </a:rPr>
+                <a:t>VS 2017</a:t>
+              </a:r>
+            </a:p>
+          </p:txBody>
+        </p:sp>
+      </p:grpSp>
+      <p:grpSp>
+        <p:nvGrpSpPr>
+          <p:cNvPr id="11" name="Group 10">
+            <a:extLst>
+              <a:ext uri="{FF2B5EF4-FFF2-40B4-BE49-F238E27FC236}">
+                <a16:creationId xmlns:a16="http://schemas.microsoft.com/office/drawing/2014/main" id="{8DC5BF3A-D4DC-42F3-B45C-4485A8FBEC96}"/>
+              </a:ext>
+            </a:extLst>
+          </p:cNvPr>
+          <p:cNvGrpSpPr/>
+          <p:nvPr/>
+        </p:nvGrpSpPr>
+        <p:grpSpPr>
+          <a:xfrm>
+            <a:off x="9804446" y="3710471"/>
+            <a:ext cx="2260539" cy="2111902"/>
+            <a:chOff x="9888935" y="3432744"/>
+            <a:chExt cx="2417990" cy="2259000"/>
+          </a:xfrm>
+        </p:grpSpPr>
+        <p:pic>
+          <p:nvPicPr>
+            <p:cNvPr id="24" name="Picture 23" descr="A close up of a logo&#10;&#10;Description automatically generated">
+              <a:extLst>
+                <a:ext uri="{FF2B5EF4-FFF2-40B4-BE49-F238E27FC236}">
+                  <a16:creationId xmlns:a16="http://schemas.microsoft.com/office/drawing/2014/main" id="{54A81EC3-9A31-BB40-BB15-13BAE3FBC90D}"/>
+                </a:ext>
+              </a:extLst>
+            </p:cNvPr>
+            <p:cNvPicPr>
+              <a:picLocks noChangeAspect="1"/>
+            </p:cNvPicPr>
+            <p:nvPr/>
+          </p:nvPicPr>
+          <p:blipFill>
+            <a:blip r:embed="rId3"/>
+            <a:stretch>
+              <a:fillRect/>
+            </a:stretch>
+          </p:blipFill>
+          <p:spPr>
+            <a:xfrm>
+              <a:off x="9983488" y="3432744"/>
+              <a:ext cx="2323437" cy="2259000"/>
+            </a:xfrm>
+            <a:prstGeom prst="rect">
+              <a:avLst/>
+            </a:prstGeom>
+          </p:spPr>
+        </p:pic>
+        <p:sp>
+          <p:nvSpPr>
+            <p:cNvPr id="35" name="Hexagon 34">
+              <a:extLst>
+                <a:ext uri="{FF2B5EF4-FFF2-40B4-BE49-F238E27FC236}">
+                  <a16:creationId xmlns:a16="http://schemas.microsoft.com/office/drawing/2014/main" id="{76F91729-7FF6-B54C-8B4C-26972EEA4FB5}"/>
+                </a:ext>
+              </a:extLst>
+            </p:cNvPr>
+            <p:cNvSpPr/>
+            <p:nvPr/>
+          </p:nvSpPr>
+          <p:spPr>
+            <a:xfrm>
+              <a:off x="10501742" y="3870882"/>
+              <a:ext cx="1586853" cy="1360372"/>
+            </a:xfrm>
+            <a:prstGeom prst="hexagon">
+              <a:avLst/>
+            </a:prstGeom>
+            <a:solidFill>
+              <a:srgbClr val="197AFF"/>
+            </a:solidFill>
+            <a:ln>
+              <a:noFill/>
+            </a:ln>
+          </p:spPr>
+          <p:style>
+            <a:lnRef idx="2">
+              <a:schemeClr val="accent6"/>
+            </a:lnRef>
+            <a:fillRef idx="1">
+              <a:schemeClr val="lt1"/>
+            </a:fillRef>
+            <a:effectRef idx="0">
+              <a:schemeClr val="accent6"/>
+            </a:effectRef>
+            <a:fontRef idx="minor">
+              <a:schemeClr val="dk1"/>
+            </a:fontRef>
+          </p:style>
+          <p:txBody>
+            <a:bodyPr rtlCol="0" anchor="ctr"/>
+            <a:lstStyle/>
+            <a:p>
+              <a:pPr algn="ctr"/>
+              <a:endParaRPr lang="en-US"/>
+            </a:p>
+          </p:txBody>
+        </p:sp>
+        <p:sp>
+          <p:nvSpPr>
+            <p:cNvPr id="56" name="TextBox 55">
+              <a:extLst>
+                <a:ext uri="{FF2B5EF4-FFF2-40B4-BE49-F238E27FC236}">
+                  <a16:creationId xmlns:a16="http://schemas.microsoft.com/office/drawing/2014/main" id="{B54FB204-C372-AF4A-8809-09A2BCF7FC75}"/>
+                </a:ext>
+              </a:extLst>
+            </p:cNvPr>
+            <p:cNvSpPr txBox="1"/>
+            <p:nvPr/>
+          </p:nvSpPr>
+          <p:spPr>
+            <a:xfrm rot="19855733">
+              <a:off x="9888935" y="3657510"/>
+              <a:ext cx="1826198" cy="707810"/>
+            </a:xfrm>
+            <a:prstGeom prst="rect">
+              <a:avLst/>
+            </a:prstGeom>
+            <a:noFill/>
+          </p:spPr>
+          <p:txBody>
+            <a:bodyPr wrap="square" rtlCol="0">
+              <a:spAutoFit/>
+            </a:bodyPr>
+            <a:lstStyle/>
+            <a:p>
+              <a:pPr algn="ctr"/>
+              <a:r>
+                <a:rPr lang="en-US" sz="2800" b="1" dirty="0">
+                  <a:solidFill>
+                    <a:schemeClr val="bg1"/>
+                  </a:solidFill>
+                  <a:latin typeface="Rocket Sans" panose="020B0602020202020204" pitchFamily="34" charset="0"/>
+                  <a:ea typeface="Rocket Sans" panose="020B0602020202020204" pitchFamily="34" charset="0"/>
+                </a:rPr>
+                <a:t>C# 8.0</a:t>
+              </a:r>
+            </a:p>
+            <a:p>
+              <a:pPr algn="ctr"/>
+              <a:endParaRPr lang="en-US" sz="800" b="1" dirty="0">
+                <a:solidFill>
+                  <a:schemeClr val="bg1"/>
+                </a:solidFill>
+                <a:latin typeface="Rocket Sans" panose="020B0602020202020204" pitchFamily="34" charset="0"/>
+                <a:ea typeface="Rocket Sans" panose="020B0602020202020204" pitchFamily="34" charset="0"/>
+              </a:endParaRPr>
+            </a:p>
+          </p:txBody>
+        </p:sp>
+        <p:sp>
+          <p:nvSpPr>
+            <p:cNvPr id="57" name="TextBox 56">
+              <a:extLst>
+                <a:ext uri="{FF2B5EF4-FFF2-40B4-BE49-F238E27FC236}">
+                  <a16:creationId xmlns:a16="http://schemas.microsoft.com/office/drawing/2014/main" id="{ED5498D1-F52D-DA47-BD95-25668CCC9BBB}"/>
+                </a:ext>
+              </a:extLst>
+            </p:cNvPr>
+            <p:cNvSpPr txBox="1"/>
+            <p:nvPr/>
+          </p:nvSpPr>
+          <p:spPr>
+            <a:xfrm>
+              <a:off x="10294997" y="4112211"/>
+              <a:ext cx="1826198" cy="987642"/>
+            </a:xfrm>
+            <a:prstGeom prst="rect">
+              <a:avLst/>
+            </a:prstGeom>
+            <a:noFill/>
+          </p:spPr>
+          <p:txBody>
+            <a:bodyPr wrap="square" rtlCol="0">
+              <a:spAutoFit/>
+            </a:bodyPr>
+            <a:lstStyle/>
+            <a:p>
+              <a:pPr algn="r"/>
+              <a:r>
+                <a:rPr lang="en-US" dirty="0">
+                  <a:solidFill>
+                    <a:schemeClr val="bg1"/>
+                  </a:solidFill>
+                  <a:latin typeface="Rocket Sans" panose="020B0602020202020204" pitchFamily="34" charset="0"/>
+                  <a:ea typeface="Rocket Sans" panose="020B0602020202020204" pitchFamily="34" charset="0"/>
+                </a:rPr>
+                <a:t>2019</a:t>
+              </a:r>
+            </a:p>
+            <a:p>
+              <a:pPr algn="r"/>
+              <a:r>
+                <a:rPr lang="en-US" dirty="0">
+                  <a:solidFill>
+                    <a:schemeClr val="bg1"/>
+                  </a:solidFill>
+                  <a:latin typeface="Rocket Sans" panose="020B0602020202020204" pitchFamily="34" charset="0"/>
+                  <a:ea typeface="Rocket Sans" panose="020B0602020202020204" pitchFamily="34" charset="0"/>
+                </a:rPr>
+                <a:t>.NET Core 3</a:t>
+              </a:r>
+            </a:p>
+            <a:p>
+              <a:pPr algn="r"/>
+              <a:r>
+                <a:rPr lang="en-US" dirty="0">
+                  <a:solidFill>
+                    <a:schemeClr val="bg1"/>
+                  </a:solidFill>
+                  <a:latin typeface="Rocket Sans" panose="020B0602020202020204" pitchFamily="34" charset="0"/>
+                  <a:ea typeface="Rocket Sans" panose="020B0602020202020204" pitchFamily="34" charset="0"/>
+                </a:rPr>
+                <a:t>VS 2019</a:t>
+              </a:r>
+            </a:p>
+          </p:txBody>
+        </p:sp>
+      </p:grpSp>
+      <p:grpSp>
+        <p:nvGrpSpPr>
+          <p:cNvPr id="9" name="Group 8">
+            <a:extLst>
+              <a:ext uri="{FF2B5EF4-FFF2-40B4-BE49-F238E27FC236}">
+                <a16:creationId xmlns:a16="http://schemas.microsoft.com/office/drawing/2014/main" id="{31D44CFF-15EE-4F98-B86C-612B58E972F7}"/>
+              </a:ext>
+            </a:extLst>
+          </p:cNvPr>
+          <p:cNvGrpSpPr/>
+          <p:nvPr/>
+        </p:nvGrpSpPr>
+        <p:grpSpPr>
+          <a:xfrm>
+            <a:off x="6897226" y="2080497"/>
+            <a:ext cx="2216707" cy="2111902"/>
+            <a:chOff x="6949493" y="1469271"/>
+            <a:chExt cx="2371104" cy="2259000"/>
+          </a:xfrm>
+        </p:grpSpPr>
+        <p:sp>
+          <p:nvSpPr>
+            <p:cNvPr id="32" name="Hexagon 31">
+              <a:extLst>
+                <a:ext uri="{FF2B5EF4-FFF2-40B4-BE49-F238E27FC236}">
+                  <a16:creationId xmlns:a16="http://schemas.microsoft.com/office/drawing/2014/main" id="{D9D60A44-E580-EA4D-B000-9EE7D8474AA8}"/>
+                </a:ext>
+              </a:extLst>
+            </p:cNvPr>
+            <p:cNvSpPr/>
+            <p:nvPr/>
+          </p:nvSpPr>
+          <p:spPr>
+            <a:xfrm>
+              <a:off x="7505540" y="1922334"/>
+              <a:ext cx="1586853" cy="1360372"/>
+            </a:xfrm>
+            <a:prstGeom prst="hexagon">
+              <a:avLst/>
+            </a:prstGeom>
+            <a:solidFill>
+              <a:srgbClr val="197AFF"/>
+            </a:solidFill>
+            <a:ln>
+              <a:noFill/>
+            </a:ln>
+          </p:spPr>
+          <p:style>
+            <a:lnRef idx="2">
+              <a:schemeClr val="accent6"/>
+            </a:lnRef>
+            <a:fillRef idx="1">
+              <a:schemeClr val="lt1"/>
+            </a:fillRef>
+            <a:effectRef idx="0">
+              <a:schemeClr val="accent6"/>
+            </a:effectRef>
+            <a:fontRef idx="minor">
+              <a:schemeClr val="dk1"/>
+            </a:fontRef>
+          </p:style>
+          <p:txBody>
+            <a:bodyPr rtlCol="0" anchor="ctr"/>
+            <a:lstStyle/>
+            <a:p>
+              <a:pPr algn="ctr"/>
+              <a:endParaRPr lang="en-US"/>
+            </a:p>
+          </p:txBody>
+        </p:sp>
+        <p:pic>
+          <p:nvPicPr>
+            <p:cNvPr id="39" name="Picture 38" descr="A close up of a logo&#10;&#10;Description automatically generated">
+              <a:extLst>
+                <a:ext uri="{FF2B5EF4-FFF2-40B4-BE49-F238E27FC236}">
+                  <a16:creationId xmlns:a16="http://schemas.microsoft.com/office/drawing/2014/main" id="{84FB8C6D-1FDF-BF4E-AD5B-56686729D147}"/>
+                </a:ext>
+              </a:extLst>
+            </p:cNvPr>
+            <p:cNvPicPr>
+              <a:picLocks noChangeAspect="1"/>
+            </p:cNvPicPr>
+            <p:nvPr/>
+          </p:nvPicPr>
+          <p:blipFill>
+            <a:blip r:embed="rId3"/>
+            <a:stretch>
+              <a:fillRect/>
+            </a:stretch>
+          </p:blipFill>
+          <p:spPr>
+            <a:xfrm>
+              <a:off x="6997160" y="1469271"/>
+              <a:ext cx="2323437" cy="2259000"/>
+            </a:xfrm>
+            <a:prstGeom prst="rect">
+              <a:avLst/>
+            </a:prstGeom>
+          </p:spPr>
+        </p:pic>
+        <p:sp>
+          <p:nvSpPr>
+            <p:cNvPr id="58" name="TextBox 57">
+              <a:extLst>
+                <a:ext uri="{FF2B5EF4-FFF2-40B4-BE49-F238E27FC236}">
+                  <a16:creationId xmlns:a16="http://schemas.microsoft.com/office/drawing/2014/main" id="{64F2D6D6-78E6-744E-A594-282DDCE89F61}"/>
+                </a:ext>
+              </a:extLst>
+            </p:cNvPr>
+            <p:cNvSpPr txBox="1"/>
+            <p:nvPr/>
+          </p:nvSpPr>
+          <p:spPr>
+            <a:xfrm rot="19855733">
+              <a:off x="6949493" y="1763415"/>
+              <a:ext cx="1826198" cy="724270"/>
+            </a:xfrm>
+            <a:prstGeom prst="rect">
+              <a:avLst/>
+            </a:prstGeom>
+            <a:noFill/>
+          </p:spPr>
+          <p:txBody>
+            <a:bodyPr wrap="square" rtlCol="0">
+              <a:spAutoFit/>
+            </a:bodyPr>
+            <a:lstStyle/>
+            <a:p>
+              <a:pPr algn="ctr"/>
+              <a:r>
+                <a:rPr lang="en-US" sz="2800" b="1" dirty="0">
+                  <a:solidFill>
+                    <a:schemeClr val="bg1"/>
+                  </a:solidFill>
+                  <a:latin typeface="Rocket Sans" panose="020B0602020202020204" pitchFamily="34" charset="0"/>
+                  <a:ea typeface="Rocket Sans" panose="020B0602020202020204" pitchFamily="34" charset="0"/>
+                </a:rPr>
+                <a:t>C# 4</a:t>
+              </a:r>
+            </a:p>
+            <a:p>
+              <a:pPr algn="ctr"/>
+              <a:endParaRPr lang="en-US" sz="1000" b="1" dirty="0">
+                <a:solidFill>
+                  <a:schemeClr val="bg1"/>
+                </a:solidFill>
+                <a:latin typeface="Rocket Sans" panose="020B0602020202020204" pitchFamily="34" charset="0"/>
+                <a:ea typeface="Rocket Sans" panose="020B0602020202020204" pitchFamily="34" charset="0"/>
+              </a:endParaRPr>
+            </a:p>
+          </p:txBody>
+        </p:sp>
+        <p:sp>
+          <p:nvSpPr>
+            <p:cNvPr id="59" name="TextBox 58">
+              <a:extLst>
+                <a:ext uri="{FF2B5EF4-FFF2-40B4-BE49-F238E27FC236}">
+                  <a16:creationId xmlns:a16="http://schemas.microsoft.com/office/drawing/2014/main" id="{AEE37DBC-61CB-9343-9515-0A13C7CB095D}"/>
+                </a:ext>
+              </a:extLst>
+            </p:cNvPr>
+            <p:cNvSpPr txBox="1"/>
+            <p:nvPr/>
+          </p:nvSpPr>
+          <p:spPr>
+            <a:xfrm>
+              <a:off x="7288484" y="2109070"/>
+              <a:ext cx="1826198" cy="987642"/>
+            </a:xfrm>
+            <a:prstGeom prst="rect">
+              <a:avLst/>
+            </a:prstGeom>
+            <a:noFill/>
+          </p:spPr>
+          <p:txBody>
+            <a:bodyPr wrap="square" rtlCol="0">
+              <a:spAutoFit/>
+            </a:bodyPr>
+            <a:lstStyle/>
+            <a:p>
+              <a:pPr algn="r"/>
+              <a:r>
+                <a:rPr lang="en-US" dirty="0">
+                  <a:solidFill>
+                    <a:schemeClr val="bg1"/>
+                  </a:solidFill>
+                  <a:latin typeface="Rocket Sans" panose="020B0602020202020204" pitchFamily="34" charset="0"/>
+                  <a:ea typeface="Rocket Sans" panose="020B0602020202020204" pitchFamily="34" charset="0"/>
+                </a:rPr>
+                <a:t>2010</a:t>
+              </a:r>
+            </a:p>
+            <a:p>
+              <a:pPr algn="r"/>
+              <a:r>
+                <a:rPr lang="en-US" dirty="0">
+                  <a:solidFill>
+                    <a:schemeClr val="bg1"/>
+                  </a:solidFill>
+                  <a:latin typeface="Rocket Sans" panose="020B0602020202020204" pitchFamily="34" charset="0"/>
+                  <a:ea typeface="Rocket Sans" panose="020B0602020202020204" pitchFamily="34" charset="0"/>
+                </a:rPr>
+                <a:t>.NET 4.0</a:t>
+              </a:r>
+            </a:p>
+            <a:p>
+              <a:pPr algn="r"/>
+              <a:r>
+                <a:rPr lang="en-US" dirty="0">
+                  <a:solidFill>
+                    <a:schemeClr val="bg1"/>
+                  </a:solidFill>
+                  <a:latin typeface="Rocket Sans" panose="020B0602020202020204" pitchFamily="34" charset="0"/>
+                  <a:ea typeface="Rocket Sans" panose="020B0602020202020204" pitchFamily="34" charset="0"/>
+                </a:rPr>
+                <a:t>VS 2010</a:t>
+              </a:r>
+            </a:p>
+          </p:txBody>
+        </p:sp>
+      </p:grpSp>
+      <p:grpSp>
+        <p:nvGrpSpPr>
+          <p:cNvPr id="10" name="Group 9">
+            <a:extLst>
+              <a:ext uri="{FF2B5EF4-FFF2-40B4-BE49-F238E27FC236}">
+                <a16:creationId xmlns:a16="http://schemas.microsoft.com/office/drawing/2014/main" id="{5E60D9FA-3210-42EF-887C-BE088932F04B}"/>
+              </a:ext>
+            </a:extLst>
+          </p:cNvPr>
+          <p:cNvGrpSpPr/>
+          <p:nvPr/>
+        </p:nvGrpSpPr>
+        <p:grpSpPr>
+          <a:xfrm>
+            <a:off x="8849129" y="2080497"/>
+            <a:ext cx="2236693" cy="2111902"/>
+            <a:chOff x="9008727" y="1469271"/>
+            <a:chExt cx="2392483" cy="2259000"/>
+          </a:xfrm>
+        </p:grpSpPr>
+        <p:sp>
+          <p:nvSpPr>
+            <p:cNvPr id="33" name="Hexagon 32">
+              <a:extLst>
+                <a:ext uri="{FF2B5EF4-FFF2-40B4-BE49-F238E27FC236}">
+                  <a16:creationId xmlns:a16="http://schemas.microsoft.com/office/drawing/2014/main" id="{40864FD8-DA18-C24C-81EB-A2257C918643}"/>
+                </a:ext>
+              </a:extLst>
+            </p:cNvPr>
+            <p:cNvSpPr/>
+            <p:nvPr/>
+          </p:nvSpPr>
+          <p:spPr>
+            <a:xfrm>
+              <a:off x="9575102" y="1945871"/>
+              <a:ext cx="1586853" cy="1360372"/>
+            </a:xfrm>
+            <a:prstGeom prst="hexagon">
+              <a:avLst/>
+            </a:prstGeom>
+            <a:solidFill>
+              <a:srgbClr val="197AFF"/>
+            </a:solidFill>
+            <a:ln>
+              <a:noFill/>
+            </a:ln>
+          </p:spPr>
+          <p:style>
+            <a:lnRef idx="2">
+              <a:schemeClr val="accent6"/>
+            </a:lnRef>
+            <a:fillRef idx="1">
+              <a:schemeClr val="lt1"/>
+            </a:fillRef>
+            <a:effectRef idx="0">
+              <a:schemeClr val="accent6"/>
+            </a:effectRef>
+            <a:fontRef idx="minor">
+              <a:schemeClr val="dk1"/>
+            </a:fontRef>
+          </p:style>
+          <p:txBody>
+            <a:bodyPr rtlCol="0" anchor="ctr"/>
+            <a:lstStyle/>
+            <a:p>
+              <a:pPr algn="ctr"/>
+              <a:endParaRPr lang="en-US"/>
+            </a:p>
+          </p:txBody>
+        </p:sp>
+        <p:pic>
+          <p:nvPicPr>
+            <p:cNvPr id="40" name="Picture 39" descr="A close up of a logo&#10;&#10;Description automatically generated">
+              <a:extLst>
+                <a:ext uri="{FF2B5EF4-FFF2-40B4-BE49-F238E27FC236}">
+                  <a16:creationId xmlns:a16="http://schemas.microsoft.com/office/drawing/2014/main" id="{13FA8D3E-59D4-E942-AAAD-F4C05A3E7B4A}"/>
+                </a:ext>
+              </a:extLst>
+            </p:cNvPr>
+            <p:cNvPicPr>
+              <a:picLocks noChangeAspect="1"/>
+            </p:cNvPicPr>
+            <p:nvPr/>
+          </p:nvPicPr>
+          <p:blipFill>
+            <a:blip r:embed="rId3"/>
+            <a:stretch>
+              <a:fillRect/>
+            </a:stretch>
+          </p:blipFill>
+          <p:spPr>
+            <a:xfrm>
+              <a:off x="9077773" y="1469271"/>
+              <a:ext cx="2323437" cy="2259000"/>
+            </a:xfrm>
+            <a:prstGeom prst="rect">
+              <a:avLst/>
+            </a:prstGeom>
+          </p:spPr>
+        </p:pic>
+        <p:sp>
+          <p:nvSpPr>
+            <p:cNvPr id="60" name="TextBox 59">
+              <a:extLst>
+                <a:ext uri="{FF2B5EF4-FFF2-40B4-BE49-F238E27FC236}">
+                  <a16:creationId xmlns:a16="http://schemas.microsoft.com/office/drawing/2014/main" id="{9013F6B3-58B1-B143-A864-CD6D6A0E7E7D}"/>
+                </a:ext>
+              </a:extLst>
+            </p:cNvPr>
+            <p:cNvSpPr txBox="1"/>
+            <p:nvPr/>
+          </p:nvSpPr>
+          <p:spPr>
+            <a:xfrm rot="19855733">
+              <a:off x="9008727" y="1781802"/>
+              <a:ext cx="1826198" cy="707810"/>
+            </a:xfrm>
+            <a:prstGeom prst="rect">
+              <a:avLst/>
+            </a:prstGeom>
+            <a:noFill/>
+          </p:spPr>
+          <p:txBody>
+            <a:bodyPr wrap="square" rtlCol="0">
+              <a:spAutoFit/>
+            </a:bodyPr>
+            <a:lstStyle/>
+            <a:p>
+              <a:pPr algn="ctr"/>
+              <a:r>
+                <a:rPr lang="en-US" sz="2800" b="1" dirty="0">
+                  <a:solidFill>
+                    <a:schemeClr val="bg1"/>
+                  </a:solidFill>
+                  <a:latin typeface="Rocket Sans" panose="020B0602020202020204" pitchFamily="34" charset="0"/>
+                  <a:ea typeface="Rocket Sans" panose="020B0602020202020204" pitchFamily="34" charset="0"/>
+                </a:rPr>
+                <a:t>C# 5</a:t>
+              </a:r>
+            </a:p>
+            <a:p>
+              <a:pPr algn="ctr"/>
+              <a:endParaRPr lang="en-US" sz="800" b="1" dirty="0">
+                <a:solidFill>
+                  <a:schemeClr val="bg1"/>
+                </a:solidFill>
+                <a:latin typeface="Rocket Sans" panose="020B0602020202020204" pitchFamily="34" charset="0"/>
+                <a:ea typeface="Rocket Sans" panose="020B0602020202020204" pitchFamily="34" charset="0"/>
+              </a:endParaRPr>
+            </a:p>
+          </p:txBody>
+        </p:sp>
+        <p:sp>
+          <p:nvSpPr>
+            <p:cNvPr id="61" name="TextBox 60">
+              <a:extLst>
+                <a:ext uri="{FF2B5EF4-FFF2-40B4-BE49-F238E27FC236}">
+                  <a16:creationId xmlns:a16="http://schemas.microsoft.com/office/drawing/2014/main" id="{5D206B45-8438-3A47-95DA-36A2734010C7}"/>
+                </a:ext>
+              </a:extLst>
+            </p:cNvPr>
+            <p:cNvSpPr txBox="1"/>
+            <p:nvPr/>
+          </p:nvSpPr>
+          <p:spPr>
+            <a:xfrm>
+              <a:off x="9399347" y="2078033"/>
+              <a:ext cx="1826197" cy="987642"/>
+            </a:xfrm>
+            <a:prstGeom prst="rect">
+              <a:avLst/>
+            </a:prstGeom>
+            <a:noFill/>
+          </p:spPr>
+          <p:txBody>
+            <a:bodyPr wrap="square" rtlCol="0">
+              <a:spAutoFit/>
+            </a:bodyPr>
+            <a:lstStyle/>
+            <a:p>
+              <a:pPr algn="r"/>
+              <a:r>
+                <a:rPr lang="en-US" dirty="0">
+                  <a:solidFill>
+                    <a:schemeClr val="bg1"/>
+                  </a:solidFill>
+                  <a:latin typeface="Rocket Sans" panose="020B0602020202020204" pitchFamily="34" charset="0"/>
+                  <a:ea typeface="Rocket Sans" panose="020B0602020202020204" pitchFamily="34" charset="0"/>
+                </a:rPr>
+                <a:t>2012</a:t>
+              </a:r>
+            </a:p>
+            <a:p>
+              <a:pPr algn="r"/>
+              <a:r>
+                <a:rPr lang="en-US" dirty="0">
+                  <a:solidFill>
+                    <a:schemeClr val="bg1"/>
+                  </a:solidFill>
+                  <a:latin typeface="Rocket Sans" panose="020B0602020202020204" pitchFamily="34" charset="0"/>
+                  <a:ea typeface="Rocket Sans" panose="020B0602020202020204" pitchFamily="34" charset="0"/>
+                </a:rPr>
+                <a:t>.NET 4.5</a:t>
+              </a:r>
+            </a:p>
+            <a:p>
+              <a:pPr algn="r"/>
+              <a:r>
+                <a:rPr lang="en-US" dirty="0">
+                  <a:solidFill>
+                    <a:schemeClr val="bg1"/>
+                  </a:solidFill>
+                  <a:latin typeface="Rocket Sans" panose="020B0602020202020204" pitchFamily="34" charset="0"/>
+                  <a:ea typeface="Rocket Sans" panose="020B0602020202020204" pitchFamily="34" charset="0"/>
+                </a:rPr>
+                <a:t>VS 2012</a:t>
+              </a:r>
+            </a:p>
+          </p:txBody>
+        </p:sp>
+      </p:grpSp>
+      <p:sp>
+        <p:nvSpPr>
+          <p:cNvPr id="62" name="TextBox 61">
+            <a:extLst>
+              <a:ext uri="{FF2B5EF4-FFF2-40B4-BE49-F238E27FC236}">
+                <a16:creationId xmlns:a16="http://schemas.microsoft.com/office/drawing/2014/main" id="{1BC9B95E-41E8-AC40-9782-844F4ACC30F8}"/>
               </a:ext>
             </a:extLst>
           </p:cNvPr>
@@ -14078,8 +16643,8 @@
         </p:nvSpPr>
         <p:spPr>
           <a:xfrm>
-            <a:off x="1542500" y="2127410"/>
-            <a:ext cx="6779172" cy="3005951"/>
+            <a:off x="6013778" y="485621"/>
+            <a:ext cx="6006817" cy="1200329"/>
           </a:xfrm>
           <a:prstGeom prst="rect">
             <a:avLst/>
@@ -14092,425 +16657,652 @@
           </a:bodyPr>
           <a:lstStyle/>
           <a:p>
-            <a:pPr marL="285750" indent="-285750">
-              <a:spcBef>
-                <a:spcPts val="400"/>
-              </a:spcBef>
-              <a:spcAft>
-                <a:spcPts val="400"/>
-              </a:spcAft>
-              <a:buFont typeface="Arial" panose="020B0604020202020204" pitchFamily="34" charset="0"/>
-              <a:buChar char="•"/>
-            </a:pPr>
-            <a:r>
-              <a:rPr lang="en-US" sz="2600">
-                <a:solidFill>
-                  <a:schemeClr val="bg1"/>
-                </a:solidFill>
-                <a:latin typeface="Rocket Sans" panose="020B0602020202020204" pitchFamily="34" charset="0"/>
-                <a:ea typeface="Rocket Sans" panose="020B0602020202020204" pitchFamily="34" charset="0"/>
-              </a:rPr>
-              <a:t>syntactic sugar</a:t>
-            </a:r>
-          </a:p>
-          <a:p>
-            <a:pPr marL="285750" indent="-285750">
-              <a:spcBef>
-                <a:spcPts val="400"/>
-              </a:spcBef>
-              <a:spcAft>
-                <a:spcPts val="400"/>
-              </a:spcAft>
-              <a:buFont typeface="Arial" panose="020B0604020202020204" pitchFamily="34" charset="0"/>
-              <a:buChar char="•"/>
-            </a:pPr>
-            <a:r>
-              <a:rPr lang="en-US" sz="2600">
-                <a:solidFill>
-                  <a:schemeClr val="bg1"/>
-                </a:solidFill>
-                <a:latin typeface="Rocket Sans" panose="020B0602020202020204" pitchFamily="34" charset="0"/>
-                <a:ea typeface="Rocket Sans" panose="020B0602020202020204" pitchFamily="34" charset="0"/>
-              </a:rPr>
-              <a:t>null-conditional operator</a:t>
-            </a:r>
-          </a:p>
-          <a:p>
-            <a:pPr marL="285750" indent="-285750">
-              <a:spcBef>
-                <a:spcPts val="400"/>
-              </a:spcBef>
-              <a:spcAft>
-                <a:spcPts val="400"/>
-              </a:spcAft>
-              <a:buFont typeface="Arial" panose="020B0604020202020204" pitchFamily="34" charset="0"/>
-              <a:buChar char="•"/>
-            </a:pPr>
-            <a:r>
-              <a:rPr lang="en-US" sz="2600">
-                <a:solidFill>
-                  <a:schemeClr val="bg1"/>
-                </a:solidFill>
-                <a:latin typeface="Rocket Sans" panose="020B0602020202020204" pitchFamily="34" charset="0"/>
-                <a:ea typeface="Rocket Sans" panose="020B0602020202020204" pitchFamily="34" charset="0"/>
-              </a:rPr>
-              <a:t>string interpolation</a:t>
-            </a:r>
-          </a:p>
-          <a:p>
-            <a:pPr marL="285750" indent="-285750">
-              <a:spcBef>
-                <a:spcPts val="400"/>
-              </a:spcBef>
-              <a:spcAft>
-                <a:spcPts val="400"/>
-              </a:spcAft>
-              <a:buFont typeface="Arial" panose="020B0604020202020204" pitchFamily="34" charset="0"/>
-              <a:buChar char="•"/>
-            </a:pPr>
-            <a:r>
-              <a:rPr lang="en-US" sz="2600">
-                <a:solidFill>
-                  <a:schemeClr val="bg1"/>
-                </a:solidFill>
-                <a:latin typeface="Rocket Sans" panose="020B0602020202020204" pitchFamily="34" charset="0"/>
-                <a:ea typeface="Rocket Sans" panose="020B0602020202020204" pitchFamily="34" charset="0"/>
-              </a:rPr>
-              <a:t>inline out variables</a:t>
-            </a:r>
-          </a:p>
-          <a:p>
-            <a:pPr marL="285750" indent="-285750">
-              <a:spcBef>
-                <a:spcPts val="400"/>
-              </a:spcBef>
-              <a:spcAft>
-                <a:spcPts val="400"/>
-              </a:spcAft>
-              <a:buFont typeface="Arial" panose="020B0604020202020204" pitchFamily="34" charset="0"/>
-              <a:buChar char="•"/>
-            </a:pPr>
-            <a:r>
-              <a:rPr lang="en-US" sz="2600">
-                <a:solidFill>
-                  <a:schemeClr val="bg1"/>
-                </a:solidFill>
-                <a:latin typeface="Rocket Sans" panose="020B0602020202020204" pitchFamily="34" charset="0"/>
-                <a:ea typeface="Rocket Sans" panose="020B0602020202020204" pitchFamily="34" charset="0"/>
-              </a:rPr>
-              <a:t>tuples / deconstruction</a:t>
-            </a:r>
-          </a:p>
-          <a:p>
-            <a:pPr marL="285750" indent="-285750">
-              <a:spcBef>
-                <a:spcPts val="400"/>
-              </a:spcBef>
-              <a:spcAft>
-                <a:spcPts val="400"/>
-              </a:spcAft>
-              <a:buFont typeface="Arial" panose="020B0604020202020204" pitchFamily="34" charset="0"/>
-              <a:buChar char="•"/>
-            </a:pPr>
-            <a:r>
-              <a:rPr lang="en-US" sz="2600">
-                <a:solidFill>
-                  <a:schemeClr val="bg1"/>
-                </a:solidFill>
-                <a:latin typeface="Rocket Sans" panose="020B0602020202020204" pitchFamily="34" charset="0"/>
-                <a:ea typeface="Rocket Sans" panose="020B0602020202020204" pitchFamily="34" charset="0"/>
-              </a:rPr>
-              <a:t>pattern matching</a:t>
-            </a:r>
-          </a:p>
-        </p:txBody>
-      </p:sp>
-      <p:sp>
-        <p:nvSpPr>
-          <p:cNvPr id="10" name="TextBox 9">
-            <a:extLst>
-              <a:ext uri="{FF2B5EF4-FFF2-40B4-BE49-F238E27FC236}">
-                <a16:creationId xmlns:a16="http://schemas.microsoft.com/office/drawing/2014/main" id="{DA900FAD-1E00-A84F-9E7B-FAD3BEC669B6}"/>
-              </a:ext>
-            </a:extLst>
-          </p:cNvPr>
-          <p:cNvSpPr txBox="1"/>
-          <p:nvPr/>
-        </p:nvSpPr>
-        <p:spPr>
-          <a:xfrm>
-            <a:off x="6172198" y="1128400"/>
-            <a:ext cx="6779172" cy="4011355"/>
-          </a:xfrm>
-          <a:prstGeom prst="rect">
-            <a:avLst/>
-          </a:prstGeom>
-          <a:noFill/>
-        </p:spPr>
-        <p:txBody>
-          <a:bodyPr wrap="square" rtlCol="0">
-            <a:spAutoFit/>
-          </a:bodyPr>
-          <a:lstStyle/>
-          <a:p>
-            <a:pPr marL="285750" indent="-285750">
-              <a:spcBef>
-                <a:spcPts val="400"/>
-              </a:spcBef>
-              <a:spcAft>
-                <a:spcPts val="400"/>
-              </a:spcAft>
-              <a:buFont typeface="Arial" panose="020B0604020202020204" pitchFamily="34" charset="0"/>
-              <a:buChar char="•"/>
-            </a:pPr>
-            <a:r>
-              <a:rPr lang="en-US" sz="2600">
-                <a:solidFill>
-                  <a:schemeClr val="bg1"/>
-                </a:solidFill>
-                <a:latin typeface="Rocket Sans" panose="020B0602020202020204" pitchFamily="34" charset="0"/>
-                <a:ea typeface="Rocket Sans" panose="020B0602020202020204" pitchFamily="34" charset="0"/>
-              </a:rPr>
-              <a:t>throw expressions </a:t>
-            </a:r>
-          </a:p>
-          <a:p>
-            <a:pPr marL="285750" indent="-285750">
-              <a:spcBef>
-                <a:spcPts val="400"/>
-              </a:spcBef>
-              <a:spcAft>
-                <a:spcPts val="400"/>
-              </a:spcAft>
-              <a:buFont typeface="Arial" panose="020B0604020202020204" pitchFamily="34" charset="0"/>
-              <a:buChar char="•"/>
-            </a:pPr>
-            <a:r>
-              <a:rPr lang="en-US" sz="2600">
-                <a:solidFill>
-                  <a:schemeClr val="bg1"/>
-                </a:solidFill>
-                <a:latin typeface="Rocket Sans" panose="020B0602020202020204" pitchFamily="34" charset="0"/>
-                <a:ea typeface="Rocket Sans" panose="020B0602020202020204" pitchFamily="34" charset="0"/>
-              </a:rPr>
-              <a:t>default interface members</a:t>
-            </a:r>
-          </a:p>
-          <a:p>
-            <a:pPr marL="285750" indent="-285750">
-              <a:spcBef>
-                <a:spcPts val="400"/>
-              </a:spcBef>
-              <a:spcAft>
-                <a:spcPts val="400"/>
-              </a:spcAft>
-              <a:buFont typeface="Arial" panose="020B0604020202020204" pitchFamily="34" charset="0"/>
-              <a:buChar char="•"/>
-            </a:pPr>
-            <a:r>
-              <a:rPr lang="en-US" sz="2600">
-                <a:solidFill>
-                  <a:schemeClr val="bg1"/>
-                </a:solidFill>
-                <a:latin typeface="Rocket Sans" panose="020B0602020202020204" pitchFamily="34" charset="0"/>
-                <a:ea typeface="Rocket Sans" panose="020B0602020202020204" pitchFamily="34" charset="0"/>
-              </a:rPr>
-              <a:t>switch expressions</a:t>
-            </a:r>
-          </a:p>
-          <a:p>
-            <a:pPr marL="285750" indent="-285750">
-              <a:spcBef>
-                <a:spcPts val="400"/>
-              </a:spcBef>
-              <a:spcAft>
-                <a:spcPts val="400"/>
-              </a:spcAft>
-              <a:buFont typeface="Arial" panose="020B0604020202020204" pitchFamily="34" charset="0"/>
-              <a:buChar char="•"/>
-            </a:pPr>
-            <a:r>
-              <a:rPr lang="en-US" sz="2600">
-                <a:solidFill>
-                  <a:schemeClr val="bg1"/>
-                </a:solidFill>
-                <a:latin typeface="Rocket Sans" panose="020B0602020202020204" pitchFamily="34" charset="0"/>
-                <a:ea typeface="Rocket Sans" panose="020B0602020202020204" pitchFamily="34" charset="0"/>
-              </a:rPr>
-              <a:t>pattern matching ++</a:t>
-            </a:r>
-          </a:p>
-          <a:p>
-            <a:pPr marL="285750" indent="-285750">
-              <a:spcBef>
-                <a:spcPts val="400"/>
-              </a:spcBef>
-              <a:spcAft>
-                <a:spcPts val="400"/>
-              </a:spcAft>
-              <a:buFont typeface="Arial" panose="020B0604020202020204" pitchFamily="34" charset="0"/>
-              <a:buChar char="•"/>
-            </a:pPr>
-            <a:r>
-              <a:rPr lang="en-US" sz="2600">
-                <a:solidFill>
-                  <a:schemeClr val="bg1"/>
-                </a:solidFill>
-                <a:latin typeface="Rocket Sans" panose="020B0602020202020204" pitchFamily="34" charset="0"/>
-                <a:ea typeface="Rocket Sans" panose="020B0602020202020204" pitchFamily="34" charset="0"/>
-              </a:rPr>
-              <a:t>nullable reference types</a:t>
-            </a:r>
-          </a:p>
-          <a:p>
-            <a:pPr marL="285750" indent="-285750">
-              <a:spcBef>
-                <a:spcPts val="400"/>
-              </a:spcBef>
-              <a:spcAft>
-                <a:spcPts val="400"/>
-              </a:spcAft>
-              <a:buFont typeface="Arial" panose="020B0604020202020204" pitchFamily="34" charset="0"/>
-              <a:buChar char="•"/>
-            </a:pPr>
-            <a:r>
-              <a:rPr lang="en-US" sz="2600">
-                <a:solidFill>
-                  <a:schemeClr val="bg1"/>
-                </a:solidFill>
-                <a:latin typeface="Rocket Sans" panose="020B0602020202020204" pitchFamily="34" charset="0"/>
-                <a:ea typeface="Rocket Sans" panose="020B0602020202020204" pitchFamily="34" charset="0"/>
-              </a:rPr>
-              <a:t>async streams</a:t>
-            </a:r>
-          </a:p>
-          <a:p>
-            <a:pPr marL="285750" indent="-285750">
-              <a:spcBef>
-                <a:spcPts val="400"/>
-              </a:spcBef>
-              <a:spcAft>
-                <a:spcPts val="400"/>
-              </a:spcAft>
-              <a:buFont typeface="Arial" panose="020B0604020202020204" pitchFamily="34" charset="0"/>
-              <a:buChar char="•"/>
-            </a:pPr>
-            <a:r>
-              <a:rPr lang="en-US" sz="2600">
-                <a:solidFill>
-                  <a:schemeClr val="bg1"/>
-                </a:solidFill>
-                <a:latin typeface="Rocket Sans" panose="020B0602020202020204" pitchFamily="34" charset="0"/>
-                <a:ea typeface="Rocket Sans" panose="020B0602020202020204" pitchFamily="34" charset="0"/>
-              </a:rPr>
-              <a:t>indices and ranges</a:t>
-            </a:r>
-          </a:p>
-          <a:p>
-            <a:pPr marL="285750" indent="-285750">
-              <a:spcBef>
-                <a:spcPts val="400"/>
-              </a:spcBef>
-              <a:spcAft>
-                <a:spcPts val="400"/>
-              </a:spcAft>
-              <a:buFont typeface="Arial" panose="020B0604020202020204" pitchFamily="34" charset="0"/>
-              <a:buChar char="•"/>
-            </a:pPr>
-            <a:r>
-              <a:rPr lang="en-US" sz="2600">
-                <a:solidFill>
-                  <a:schemeClr val="bg1"/>
-                </a:solidFill>
-                <a:latin typeface="Rocket Sans" panose="020B0602020202020204" pitchFamily="34" charset="0"/>
-                <a:ea typeface="Rocket Sans" panose="020B0602020202020204" pitchFamily="34" charset="0"/>
-              </a:rPr>
-              <a:t>using declarations</a:t>
-            </a:r>
-          </a:p>
-        </p:txBody>
-      </p:sp>
-      <p:sp>
-        <p:nvSpPr>
-          <p:cNvPr id="11" name="TextBox 10">
-            <a:extLst>
-              <a:ext uri="{FF2B5EF4-FFF2-40B4-BE49-F238E27FC236}">
-                <a16:creationId xmlns:a16="http://schemas.microsoft.com/office/drawing/2014/main" id="{2D6D5E08-A9D5-A241-89B0-DE7095C78C45}"/>
-              </a:ext>
-            </a:extLst>
-          </p:cNvPr>
-          <p:cNvSpPr txBox="1"/>
-          <p:nvPr/>
-        </p:nvSpPr>
-        <p:spPr>
-          <a:xfrm>
-            <a:off x="1542500" y="778217"/>
-            <a:ext cx="3928913" cy="1323439"/>
-          </a:xfrm>
-          <a:prstGeom prst="rect">
-            <a:avLst/>
-          </a:prstGeom>
-          <a:noFill/>
-        </p:spPr>
-        <p:txBody>
-          <a:bodyPr wrap="square" rtlCol="0">
-            <a:spAutoFit/>
-          </a:bodyPr>
-          <a:lstStyle/>
-          <a:p>
-            <a:r>
-              <a:rPr lang="en-US" sz="8000" b="1">
-                <a:solidFill>
-                  <a:schemeClr val="bg1"/>
-                </a:solidFill>
-                <a:latin typeface="Rocket Sans" panose="020B0602020202020204" pitchFamily="34" charset="0"/>
-                <a:ea typeface="Rocket Sans" panose="020B0602020202020204" pitchFamily="34" charset="0"/>
-              </a:rPr>
-              <a:t>demos</a:t>
-            </a:r>
-          </a:p>
-        </p:txBody>
-      </p:sp>
-      <p:pic>
-        <p:nvPicPr>
-          <p:cNvPr id="19" name="Picture 18" descr="A close up of a logo&#10;&#10;Description automatically generated">
-            <a:extLst>
-              <a:ext uri="{FF2B5EF4-FFF2-40B4-BE49-F238E27FC236}">
-                <a16:creationId xmlns:a16="http://schemas.microsoft.com/office/drawing/2014/main" id="{2AFACB4C-A4AC-4847-96F0-5DF625436670}"/>
-              </a:ext>
-            </a:extLst>
-          </p:cNvPr>
-          <p:cNvPicPr>
-            <a:picLocks noChangeAspect="1"/>
-          </p:cNvPicPr>
-          <p:nvPr/>
-        </p:nvPicPr>
-        <p:blipFill>
-          <a:blip r:embed="rId4"/>
-          <a:stretch>
-            <a:fillRect/>
-          </a:stretch>
-        </p:blipFill>
-        <p:spPr>
-          <a:xfrm>
-            <a:off x="10473128" y="5279612"/>
-            <a:ext cx="491339" cy="477712"/>
-          </a:xfrm>
-          <a:prstGeom prst="rect">
-            <a:avLst/>
-          </a:prstGeom>
-        </p:spPr>
-      </p:pic>
+            <a:r>
+              <a:rPr lang="en-US" sz="7200" b="1" dirty="0">
+                <a:solidFill>
+                  <a:schemeClr val="bg1"/>
+                </a:solidFill>
+                <a:latin typeface="Rocket Sans" panose="020B0602020202020204" pitchFamily="34" charset="0"/>
+                <a:ea typeface="Rocket Sans" panose="020B0602020202020204" pitchFamily="34" charset="0"/>
+              </a:rPr>
+              <a:t>brief history</a:t>
+            </a:r>
+          </a:p>
+        </p:txBody>
+      </p:sp>
+      <p:grpSp>
+        <p:nvGrpSpPr>
+          <p:cNvPr id="63" name="Group 62">
+            <a:extLst>
+              <a:ext uri="{FF2B5EF4-FFF2-40B4-BE49-F238E27FC236}">
+                <a16:creationId xmlns:a16="http://schemas.microsoft.com/office/drawing/2014/main" id="{8FE730F8-93CF-482A-B8BB-CFEE6AF8E7E4}"/>
+              </a:ext>
+            </a:extLst>
+          </p:cNvPr>
+          <p:cNvGrpSpPr/>
+          <p:nvPr/>
+        </p:nvGrpSpPr>
+        <p:grpSpPr>
+          <a:xfrm>
+            <a:off x="4156422" y="132657"/>
+            <a:ext cx="1915977" cy="1862840"/>
+            <a:chOff x="4498653" y="4112424"/>
+            <a:chExt cx="2217681" cy="2217681"/>
+          </a:xfrm>
+        </p:grpSpPr>
+        <p:sp>
+          <p:nvSpPr>
+            <p:cNvPr id="64" name="Hexagon 63">
+              <a:extLst>
+                <a:ext uri="{FF2B5EF4-FFF2-40B4-BE49-F238E27FC236}">
+                  <a16:creationId xmlns:a16="http://schemas.microsoft.com/office/drawing/2014/main" id="{AC2C2120-C507-4C45-9CA3-6ECD339E524B}"/>
+                </a:ext>
+              </a:extLst>
+            </p:cNvPr>
+            <p:cNvSpPr/>
+            <p:nvPr/>
+          </p:nvSpPr>
+          <p:spPr>
+            <a:xfrm>
+              <a:off x="4742079" y="4519135"/>
+              <a:ext cx="1730828" cy="1404258"/>
+            </a:xfrm>
+            <a:prstGeom prst="hexagon">
+              <a:avLst/>
+            </a:prstGeom>
+          </p:spPr>
+          <p:style>
+            <a:lnRef idx="2">
+              <a:schemeClr val="accent6"/>
+            </a:lnRef>
+            <a:fillRef idx="1">
+              <a:schemeClr val="lt1"/>
+            </a:fillRef>
+            <a:effectRef idx="0">
+              <a:schemeClr val="accent6"/>
+            </a:effectRef>
+            <a:fontRef idx="minor">
+              <a:schemeClr val="dk1"/>
+            </a:fontRef>
+          </p:style>
+          <p:txBody>
+            <a:bodyPr rtlCol="0" anchor="ctr"/>
+            <a:lstStyle/>
+            <a:p>
+              <a:pPr algn="ctr"/>
+              <a:endParaRPr lang="en-US"/>
+            </a:p>
+          </p:txBody>
+        </p:sp>
+        <p:pic>
+          <p:nvPicPr>
+            <p:cNvPr id="65" name="Picture 64" descr="A close up of a logo&#10;&#10;Description automatically generated">
+              <a:extLst>
+                <a:ext uri="{FF2B5EF4-FFF2-40B4-BE49-F238E27FC236}">
+                  <a16:creationId xmlns:a16="http://schemas.microsoft.com/office/drawing/2014/main" id="{8303CC38-E497-4B01-8DEF-D311288FA1DF}"/>
+                </a:ext>
+              </a:extLst>
+            </p:cNvPr>
+            <p:cNvPicPr>
+              <a:picLocks noChangeAspect="1"/>
+            </p:cNvPicPr>
+            <p:nvPr/>
+          </p:nvPicPr>
+          <p:blipFill>
+            <a:blip r:embed="rId3"/>
+            <a:stretch>
+              <a:fillRect/>
+            </a:stretch>
+          </p:blipFill>
+          <p:spPr>
+            <a:xfrm>
+              <a:off x="4498653" y="4112424"/>
+              <a:ext cx="2217681" cy="2217681"/>
+            </a:xfrm>
+            <a:prstGeom prst="rect">
+              <a:avLst/>
+            </a:prstGeom>
+          </p:spPr>
+        </p:pic>
+      </p:grpSp>
     </p:spTree>
     <p:extLst>
       <p:ext uri="{BB962C8B-B14F-4D97-AF65-F5344CB8AC3E}">
-        <p14:creationId xmlns:p14="http://schemas.microsoft.com/office/powerpoint/2010/main" val="752404881"/>
+        <p14:creationId xmlns:p14="http://schemas.microsoft.com/office/powerpoint/2010/main" val="2291414273"/>
       </p:ext>
     </p:extLst>
   </p:cSld>
   <p:clrMapOvr>
     <a:masterClrMapping/>
   </p:clrMapOvr>
+  <p:timing>
+    <p:tnLst>
+      <p:par>
+        <p:cTn id="1" dur="indefinite" restart="never" nodeType="tmRoot">
+          <p:childTnLst>
+            <p:seq concurrent="1" nextAc="seek">
+              <p:cTn id="2" dur="indefinite" nodeType="mainSeq">
+                <p:childTnLst>
+                  <p:par>
+                    <p:cTn id="3" fill="hold">
+                      <p:stCondLst>
+                        <p:cond delay="indefinite"/>
+                        <p:cond evt="onBegin" delay="0">
+                          <p:tn val="2"/>
+                        </p:cond>
+                      </p:stCondLst>
+                      <p:childTnLst>
+                        <p:par>
+                          <p:cTn id="4" fill="hold">
+                            <p:stCondLst>
+                              <p:cond delay="0"/>
+                            </p:stCondLst>
+                            <p:childTnLst>
+                              <p:par>
+                                <p:cTn id="5" presetID="1" presetClass="entr" presetSubtype="0" fill="hold" nodeType="withEffect">
+                                  <p:stCondLst>
+                                    <p:cond delay="0"/>
+                                  </p:stCondLst>
+                                  <p:childTnLst>
+                                    <p:set>
+                                      <p:cBhvr>
+                                        <p:cTn id="6" dur="1" fill="hold">
+                                          <p:stCondLst>
+                                            <p:cond delay="0"/>
+                                          </p:stCondLst>
+                                        </p:cTn>
+                                        <p:tgtEl>
+                                          <p:spTgt spid="3"/>
+                                        </p:tgtEl>
+                                        <p:attrNameLst>
+                                          <p:attrName>style.visibility</p:attrName>
+                                        </p:attrNameLst>
+                                      </p:cBhvr>
+                                      <p:to>
+                                        <p:strVal val="visible"/>
+                                      </p:to>
+                                    </p:set>
+                                  </p:childTnLst>
+                                </p:cTn>
+                              </p:par>
+                            </p:childTnLst>
+                          </p:cTn>
+                        </p:par>
+                      </p:childTnLst>
+                    </p:cTn>
+                  </p:par>
+                  <p:par>
+                    <p:cTn id="7" fill="hold">
+                      <p:stCondLst>
+                        <p:cond delay="indefinite"/>
+                      </p:stCondLst>
+                      <p:childTnLst>
+                        <p:par>
+                          <p:cTn id="8" fill="hold">
+                            <p:stCondLst>
+                              <p:cond delay="0"/>
+                            </p:stCondLst>
+                            <p:childTnLst>
+                              <p:par>
+                                <p:cTn id="9" presetID="1" presetClass="entr" presetSubtype="0" fill="hold" nodeType="clickEffect">
+                                  <p:stCondLst>
+                                    <p:cond delay="0"/>
+                                  </p:stCondLst>
+                                  <p:childTnLst>
+                                    <p:set>
+                                      <p:cBhvr>
+                                        <p:cTn id="10" dur="1" fill="hold">
+                                          <p:stCondLst>
+                                            <p:cond delay="0"/>
+                                          </p:stCondLst>
+                                        </p:cTn>
+                                        <p:tgtEl>
+                                          <p:spTgt spid="7"/>
+                                        </p:tgtEl>
+                                        <p:attrNameLst>
+                                          <p:attrName>style.visibility</p:attrName>
+                                        </p:attrNameLst>
+                                      </p:cBhvr>
+                                      <p:to>
+                                        <p:strVal val="visible"/>
+                                      </p:to>
+                                    </p:set>
+                                  </p:childTnLst>
+                                </p:cTn>
+                              </p:par>
+                            </p:childTnLst>
+                          </p:cTn>
+                        </p:par>
+                      </p:childTnLst>
+                    </p:cTn>
+                  </p:par>
+                  <p:par>
+                    <p:cTn id="11" fill="hold">
+                      <p:stCondLst>
+                        <p:cond delay="indefinite"/>
+                      </p:stCondLst>
+                      <p:childTnLst>
+                        <p:par>
+                          <p:cTn id="12" fill="hold">
+                            <p:stCondLst>
+                              <p:cond delay="0"/>
+                            </p:stCondLst>
+                            <p:childTnLst>
+                              <p:par>
+                                <p:cTn id="13" presetID="1" presetClass="entr" presetSubtype="0" fill="hold" nodeType="clickEffect">
+                                  <p:stCondLst>
+                                    <p:cond delay="0"/>
+                                  </p:stCondLst>
+                                  <p:childTnLst>
+                                    <p:set>
+                                      <p:cBhvr>
+                                        <p:cTn id="14" dur="1" fill="hold">
+                                          <p:stCondLst>
+                                            <p:cond delay="0"/>
+                                          </p:stCondLst>
+                                        </p:cTn>
+                                        <p:tgtEl>
+                                          <p:spTgt spid="8"/>
+                                        </p:tgtEl>
+                                        <p:attrNameLst>
+                                          <p:attrName>style.visibility</p:attrName>
+                                        </p:attrNameLst>
+                                      </p:cBhvr>
+                                      <p:to>
+                                        <p:strVal val="visible"/>
+                                      </p:to>
+                                    </p:set>
+                                  </p:childTnLst>
+                                </p:cTn>
+                              </p:par>
+                            </p:childTnLst>
+                          </p:cTn>
+                        </p:par>
+                      </p:childTnLst>
+                    </p:cTn>
+                  </p:par>
+                  <p:par>
+                    <p:cTn id="15" fill="hold">
+                      <p:stCondLst>
+                        <p:cond delay="indefinite"/>
+                      </p:stCondLst>
+                      <p:childTnLst>
+                        <p:par>
+                          <p:cTn id="16" fill="hold">
+                            <p:stCondLst>
+                              <p:cond delay="0"/>
+                            </p:stCondLst>
+                            <p:childTnLst>
+                              <p:par>
+                                <p:cTn id="17" presetID="1" presetClass="entr" presetSubtype="0" fill="hold" nodeType="clickEffect">
+                                  <p:stCondLst>
+                                    <p:cond delay="0"/>
+                                  </p:stCondLst>
+                                  <p:childTnLst>
+                                    <p:set>
+                                      <p:cBhvr>
+                                        <p:cTn id="18" dur="1" fill="hold">
+                                          <p:stCondLst>
+                                            <p:cond delay="0"/>
+                                          </p:stCondLst>
+                                        </p:cTn>
+                                        <p:tgtEl>
+                                          <p:spTgt spid="9"/>
+                                        </p:tgtEl>
+                                        <p:attrNameLst>
+                                          <p:attrName>style.visibility</p:attrName>
+                                        </p:attrNameLst>
+                                      </p:cBhvr>
+                                      <p:to>
+                                        <p:strVal val="visible"/>
+                                      </p:to>
+                                    </p:set>
+                                  </p:childTnLst>
+                                </p:cTn>
+                              </p:par>
+                            </p:childTnLst>
+                          </p:cTn>
+                        </p:par>
+                      </p:childTnLst>
+                    </p:cTn>
+                  </p:par>
+                  <p:par>
+                    <p:cTn id="19" fill="hold">
+                      <p:stCondLst>
+                        <p:cond delay="indefinite"/>
+                      </p:stCondLst>
+                      <p:childTnLst>
+                        <p:par>
+                          <p:cTn id="20" fill="hold">
+                            <p:stCondLst>
+                              <p:cond delay="0"/>
+                            </p:stCondLst>
+                            <p:childTnLst>
+                              <p:par>
+                                <p:cTn id="21" presetID="1" presetClass="entr" presetSubtype="0" fill="hold" nodeType="clickEffect">
+                                  <p:stCondLst>
+                                    <p:cond delay="0"/>
+                                  </p:stCondLst>
+                                  <p:childTnLst>
+                                    <p:set>
+                                      <p:cBhvr>
+                                        <p:cTn id="22" dur="1" fill="hold">
+                                          <p:stCondLst>
+                                            <p:cond delay="0"/>
+                                          </p:stCondLst>
+                                        </p:cTn>
+                                        <p:tgtEl>
+                                          <p:spTgt spid="10"/>
+                                        </p:tgtEl>
+                                        <p:attrNameLst>
+                                          <p:attrName>style.visibility</p:attrName>
+                                        </p:attrNameLst>
+                                      </p:cBhvr>
+                                      <p:to>
+                                        <p:strVal val="visible"/>
+                                      </p:to>
+                                    </p:set>
+                                  </p:childTnLst>
+                                </p:cTn>
+                              </p:par>
+                            </p:childTnLst>
+                          </p:cTn>
+                        </p:par>
+                      </p:childTnLst>
+                    </p:cTn>
+                  </p:par>
+                  <p:par>
+                    <p:cTn id="23" fill="hold">
+                      <p:stCondLst>
+                        <p:cond delay="indefinite"/>
+                      </p:stCondLst>
+                      <p:childTnLst>
+                        <p:par>
+                          <p:cTn id="24" fill="hold">
+                            <p:stCondLst>
+                              <p:cond delay="0"/>
+                            </p:stCondLst>
+                            <p:childTnLst>
+                              <p:par>
+                                <p:cTn id="25" presetID="1" presetClass="entr" presetSubtype="0" fill="hold" nodeType="clickEffect">
+                                  <p:stCondLst>
+                                    <p:cond delay="0"/>
+                                  </p:stCondLst>
+                                  <p:childTnLst>
+                                    <p:set>
+                                      <p:cBhvr>
+                                        <p:cTn id="26" dur="1" fill="hold">
+                                          <p:stCondLst>
+                                            <p:cond delay="0"/>
+                                          </p:stCondLst>
+                                        </p:cTn>
+                                        <p:tgtEl>
+                                          <p:spTgt spid="16"/>
+                                        </p:tgtEl>
+                                        <p:attrNameLst>
+                                          <p:attrName>style.visibility</p:attrName>
+                                        </p:attrNameLst>
+                                      </p:cBhvr>
+                                      <p:to>
+                                        <p:strVal val="visible"/>
+                                      </p:to>
+                                    </p:set>
+                                  </p:childTnLst>
+                                </p:cTn>
+                              </p:par>
+                            </p:childTnLst>
+                          </p:cTn>
+                        </p:par>
+                      </p:childTnLst>
+                    </p:cTn>
+                  </p:par>
+                  <p:par>
+                    <p:cTn id="27" fill="hold">
+                      <p:stCondLst>
+                        <p:cond delay="indefinite"/>
+                      </p:stCondLst>
+                      <p:childTnLst>
+                        <p:par>
+                          <p:cTn id="28" fill="hold">
+                            <p:stCondLst>
+                              <p:cond delay="0"/>
+                            </p:stCondLst>
+                            <p:childTnLst>
+                              <p:par>
+                                <p:cTn id="29" presetID="1" presetClass="entr" presetSubtype="0" fill="hold" nodeType="clickEffect">
+                                  <p:stCondLst>
+                                    <p:cond delay="0"/>
+                                  </p:stCondLst>
+                                  <p:childTnLst>
+                                    <p:set>
+                                      <p:cBhvr>
+                                        <p:cTn id="30" dur="1" fill="hold">
+                                          <p:stCondLst>
+                                            <p:cond delay="0"/>
+                                          </p:stCondLst>
+                                        </p:cTn>
+                                        <p:tgtEl>
+                                          <p:spTgt spid="15"/>
+                                        </p:tgtEl>
+                                        <p:attrNameLst>
+                                          <p:attrName>style.visibility</p:attrName>
+                                        </p:attrNameLst>
+                                      </p:cBhvr>
+                                      <p:to>
+                                        <p:strVal val="visible"/>
+                                      </p:to>
+                                    </p:set>
+                                  </p:childTnLst>
+                                </p:cTn>
+                              </p:par>
+                            </p:childTnLst>
+                          </p:cTn>
+                        </p:par>
+                      </p:childTnLst>
+                    </p:cTn>
+                  </p:par>
+                  <p:par>
+                    <p:cTn id="31" fill="hold">
+                      <p:stCondLst>
+                        <p:cond delay="indefinite"/>
+                      </p:stCondLst>
+                      <p:childTnLst>
+                        <p:par>
+                          <p:cTn id="32" fill="hold">
+                            <p:stCondLst>
+                              <p:cond delay="0"/>
+                            </p:stCondLst>
+                            <p:childTnLst>
+                              <p:par>
+                                <p:cTn id="33" presetID="1" presetClass="entr" presetSubtype="0" fill="hold" nodeType="clickEffect">
+                                  <p:stCondLst>
+                                    <p:cond delay="0"/>
+                                  </p:stCondLst>
+                                  <p:childTnLst>
+                                    <p:set>
+                                      <p:cBhvr>
+                                        <p:cTn id="34" dur="1" fill="hold">
+                                          <p:stCondLst>
+                                            <p:cond delay="0"/>
+                                          </p:stCondLst>
+                                        </p:cTn>
+                                        <p:tgtEl>
+                                          <p:spTgt spid="14"/>
+                                        </p:tgtEl>
+                                        <p:attrNameLst>
+                                          <p:attrName>style.visibility</p:attrName>
+                                        </p:attrNameLst>
+                                      </p:cBhvr>
+                                      <p:to>
+                                        <p:strVal val="visible"/>
+                                      </p:to>
+                                    </p:set>
+                                  </p:childTnLst>
+                                </p:cTn>
+                              </p:par>
+                            </p:childTnLst>
+                          </p:cTn>
+                        </p:par>
+                      </p:childTnLst>
+                    </p:cTn>
+                  </p:par>
+                  <p:par>
+                    <p:cTn id="35" fill="hold">
+                      <p:stCondLst>
+                        <p:cond delay="indefinite"/>
+                      </p:stCondLst>
+                      <p:childTnLst>
+                        <p:par>
+                          <p:cTn id="36" fill="hold">
+                            <p:stCondLst>
+                              <p:cond delay="0"/>
+                            </p:stCondLst>
+                            <p:childTnLst>
+                              <p:par>
+                                <p:cTn id="37" presetID="1" presetClass="entr" presetSubtype="0" fill="hold" nodeType="clickEffect">
+                                  <p:stCondLst>
+                                    <p:cond delay="0"/>
+                                  </p:stCondLst>
+                                  <p:childTnLst>
+                                    <p:set>
+                                      <p:cBhvr>
+                                        <p:cTn id="38" dur="1" fill="hold">
+                                          <p:stCondLst>
+                                            <p:cond delay="0"/>
+                                          </p:stCondLst>
+                                        </p:cTn>
+                                        <p:tgtEl>
+                                          <p:spTgt spid="13"/>
+                                        </p:tgtEl>
+                                        <p:attrNameLst>
+                                          <p:attrName>style.visibility</p:attrName>
+                                        </p:attrNameLst>
+                                      </p:cBhvr>
+                                      <p:to>
+                                        <p:strVal val="visible"/>
+                                      </p:to>
+                                    </p:set>
+                                  </p:childTnLst>
+                                </p:cTn>
+                              </p:par>
+                            </p:childTnLst>
+                          </p:cTn>
+                        </p:par>
+                      </p:childTnLst>
+                    </p:cTn>
+                  </p:par>
+                  <p:par>
+                    <p:cTn id="39" fill="hold">
+                      <p:stCondLst>
+                        <p:cond delay="indefinite"/>
+                      </p:stCondLst>
+                      <p:childTnLst>
+                        <p:par>
+                          <p:cTn id="40" fill="hold">
+                            <p:stCondLst>
+                              <p:cond delay="0"/>
+                            </p:stCondLst>
+                            <p:childTnLst>
+                              <p:par>
+                                <p:cTn id="41" presetID="1" presetClass="entr" presetSubtype="0" fill="hold" nodeType="clickEffect">
+                                  <p:stCondLst>
+                                    <p:cond delay="0"/>
+                                  </p:stCondLst>
+                                  <p:childTnLst>
+                                    <p:set>
+                                      <p:cBhvr>
+                                        <p:cTn id="42" dur="1" fill="hold">
+                                          <p:stCondLst>
+                                            <p:cond delay="0"/>
+                                          </p:stCondLst>
+                                        </p:cTn>
+                                        <p:tgtEl>
+                                          <p:spTgt spid="12"/>
+                                        </p:tgtEl>
+                                        <p:attrNameLst>
+                                          <p:attrName>style.visibility</p:attrName>
+                                        </p:attrNameLst>
+                                      </p:cBhvr>
+                                      <p:to>
+                                        <p:strVal val="visible"/>
+                                      </p:to>
+                                    </p:set>
+                                  </p:childTnLst>
+                                </p:cTn>
+                              </p:par>
+                            </p:childTnLst>
+                          </p:cTn>
+                        </p:par>
+                      </p:childTnLst>
+                    </p:cTn>
+                  </p:par>
+                  <p:par>
+                    <p:cTn id="43" fill="hold">
+                      <p:stCondLst>
+                        <p:cond delay="indefinite"/>
+                      </p:stCondLst>
+                      <p:childTnLst>
+                        <p:par>
+                          <p:cTn id="44" fill="hold">
+                            <p:stCondLst>
+                              <p:cond delay="0"/>
+                            </p:stCondLst>
+                            <p:childTnLst>
+                              <p:par>
+                                <p:cTn id="45" presetID="1" presetClass="entr" presetSubtype="0" fill="hold" nodeType="clickEffect">
+                                  <p:stCondLst>
+                                    <p:cond delay="0"/>
+                                  </p:stCondLst>
+                                  <p:childTnLst>
+                                    <p:set>
+                                      <p:cBhvr>
+                                        <p:cTn id="46" dur="1" fill="hold">
+                                          <p:stCondLst>
+                                            <p:cond delay="0"/>
+                                          </p:stCondLst>
+                                        </p:cTn>
+                                        <p:tgtEl>
+                                          <p:spTgt spid="11"/>
+                                        </p:tgtEl>
+                                        <p:attrNameLst>
+                                          <p:attrName>style.visibility</p:attrName>
+                                        </p:attrNameLst>
+                                      </p:cBhvr>
+                                      <p:to>
+                                        <p:strVal val="visible"/>
+                                      </p:to>
+                                    </p:set>
+                                  </p:childTnLst>
+                                </p:cTn>
+                              </p:par>
+                            </p:childTnLst>
+                          </p:cTn>
+                        </p:par>
+                      </p:childTnLst>
+                    </p:cTn>
+                  </p:par>
+                </p:childTnLst>
+              </p:cTn>
+              <p:prevCondLst>
+                <p:cond evt="onPrev" delay="0">
+                  <p:tgtEl>
+                    <p:sldTgt/>
+                  </p:tgtEl>
+                </p:cond>
+              </p:prevCondLst>
+              <p:nextCondLst>
+                <p:cond evt="onNext" delay="0">
+                  <p:tgtEl>
+                    <p:sldTgt/>
+                  </p:tgtEl>
+                </p:cond>
+              </p:nextCondLst>
+            </p:seq>
+          </p:childTnLst>
+        </p:cTn>
+      </p:par>
+    </p:tnLst>
+  </p:timing>
 </p:sld>
 </file>
 
@@ -14575,6 +17367,459 @@
         </p:nvSpPr>
         <p:spPr>
           <a:xfrm>
+            <a:off x="1542500" y="2127410"/>
+            <a:ext cx="6779172" cy="3005951"/>
+          </a:xfrm>
+          <a:prstGeom prst="rect">
+            <a:avLst/>
+          </a:prstGeom>
+          <a:noFill/>
+        </p:spPr>
+        <p:txBody>
+          <a:bodyPr wrap="square" rtlCol="0">
+            <a:spAutoFit/>
+          </a:bodyPr>
+          <a:lstStyle/>
+          <a:p>
+            <a:pPr marL="285750" indent="-285750">
+              <a:spcBef>
+                <a:spcPts val="400"/>
+              </a:spcBef>
+              <a:spcAft>
+                <a:spcPts val="400"/>
+              </a:spcAft>
+              <a:buFont typeface="Arial" panose="020B0604020202020204" pitchFamily="34" charset="0"/>
+              <a:buChar char="•"/>
+            </a:pPr>
+            <a:r>
+              <a:rPr lang="en-US" sz="2600">
+                <a:solidFill>
+                  <a:schemeClr val="bg1"/>
+                </a:solidFill>
+                <a:latin typeface="Rocket Sans" panose="020B0602020202020204" pitchFamily="34" charset="0"/>
+                <a:ea typeface="Rocket Sans" panose="020B0602020202020204" pitchFamily="34" charset="0"/>
+              </a:rPr>
+              <a:t>syntactic sugar</a:t>
+            </a:r>
+          </a:p>
+          <a:p>
+            <a:pPr marL="285750" indent="-285750">
+              <a:spcBef>
+                <a:spcPts val="400"/>
+              </a:spcBef>
+              <a:spcAft>
+                <a:spcPts val="400"/>
+              </a:spcAft>
+              <a:buFont typeface="Arial" panose="020B0604020202020204" pitchFamily="34" charset="0"/>
+              <a:buChar char="•"/>
+            </a:pPr>
+            <a:r>
+              <a:rPr lang="en-US" sz="2600">
+                <a:solidFill>
+                  <a:schemeClr val="bg1"/>
+                </a:solidFill>
+                <a:latin typeface="Rocket Sans" panose="020B0602020202020204" pitchFamily="34" charset="0"/>
+                <a:ea typeface="Rocket Sans" panose="020B0602020202020204" pitchFamily="34" charset="0"/>
+              </a:rPr>
+              <a:t>null-conditional operator</a:t>
+            </a:r>
+          </a:p>
+          <a:p>
+            <a:pPr marL="285750" indent="-285750">
+              <a:spcBef>
+                <a:spcPts val="400"/>
+              </a:spcBef>
+              <a:spcAft>
+                <a:spcPts val="400"/>
+              </a:spcAft>
+              <a:buFont typeface="Arial" panose="020B0604020202020204" pitchFamily="34" charset="0"/>
+              <a:buChar char="•"/>
+            </a:pPr>
+            <a:r>
+              <a:rPr lang="en-US" sz="2600">
+                <a:solidFill>
+                  <a:schemeClr val="bg1"/>
+                </a:solidFill>
+                <a:latin typeface="Rocket Sans" panose="020B0602020202020204" pitchFamily="34" charset="0"/>
+                <a:ea typeface="Rocket Sans" panose="020B0602020202020204" pitchFamily="34" charset="0"/>
+              </a:rPr>
+              <a:t>string interpolation</a:t>
+            </a:r>
+          </a:p>
+          <a:p>
+            <a:pPr marL="285750" indent="-285750">
+              <a:spcBef>
+                <a:spcPts val="400"/>
+              </a:spcBef>
+              <a:spcAft>
+                <a:spcPts val="400"/>
+              </a:spcAft>
+              <a:buFont typeface="Arial" panose="020B0604020202020204" pitchFamily="34" charset="0"/>
+              <a:buChar char="•"/>
+            </a:pPr>
+            <a:r>
+              <a:rPr lang="en-US" sz="2600">
+                <a:solidFill>
+                  <a:schemeClr val="bg1"/>
+                </a:solidFill>
+                <a:latin typeface="Rocket Sans" panose="020B0602020202020204" pitchFamily="34" charset="0"/>
+                <a:ea typeface="Rocket Sans" panose="020B0602020202020204" pitchFamily="34" charset="0"/>
+              </a:rPr>
+              <a:t>inline out variables</a:t>
+            </a:r>
+          </a:p>
+          <a:p>
+            <a:pPr marL="285750" indent="-285750">
+              <a:spcBef>
+                <a:spcPts val="400"/>
+              </a:spcBef>
+              <a:spcAft>
+                <a:spcPts val="400"/>
+              </a:spcAft>
+              <a:buFont typeface="Arial" panose="020B0604020202020204" pitchFamily="34" charset="0"/>
+              <a:buChar char="•"/>
+            </a:pPr>
+            <a:r>
+              <a:rPr lang="en-US" sz="2600">
+                <a:solidFill>
+                  <a:schemeClr val="bg1"/>
+                </a:solidFill>
+                <a:latin typeface="Rocket Sans" panose="020B0602020202020204" pitchFamily="34" charset="0"/>
+                <a:ea typeface="Rocket Sans" panose="020B0602020202020204" pitchFamily="34" charset="0"/>
+              </a:rPr>
+              <a:t>tuples / deconstruction</a:t>
+            </a:r>
+          </a:p>
+          <a:p>
+            <a:pPr marL="285750" indent="-285750">
+              <a:spcBef>
+                <a:spcPts val="400"/>
+              </a:spcBef>
+              <a:spcAft>
+                <a:spcPts val="400"/>
+              </a:spcAft>
+              <a:buFont typeface="Arial" panose="020B0604020202020204" pitchFamily="34" charset="0"/>
+              <a:buChar char="•"/>
+            </a:pPr>
+            <a:r>
+              <a:rPr lang="en-US" sz="2600">
+                <a:solidFill>
+                  <a:schemeClr val="bg1"/>
+                </a:solidFill>
+                <a:latin typeface="Rocket Sans" panose="020B0602020202020204" pitchFamily="34" charset="0"/>
+                <a:ea typeface="Rocket Sans" panose="020B0602020202020204" pitchFamily="34" charset="0"/>
+              </a:rPr>
+              <a:t>pattern matching</a:t>
+            </a:r>
+          </a:p>
+        </p:txBody>
+      </p:sp>
+      <p:sp>
+        <p:nvSpPr>
+          <p:cNvPr id="10" name="TextBox 9">
+            <a:extLst>
+              <a:ext uri="{FF2B5EF4-FFF2-40B4-BE49-F238E27FC236}">
+                <a16:creationId xmlns:a16="http://schemas.microsoft.com/office/drawing/2014/main" id="{DA900FAD-1E00-A84F-9E7B-FAD3BEC669B6}"/>
+              </a:ext>
+            </a:extLst>
+          </p:cNvPr>
+          <p:cNvSpPr txBox="1"/>
+          <p:nvPr/>
+        </p:nvSpPr>
+        <p:spPr>
+          <a:xfrm>
+            <a:off x="6109252" y="2070218"/>
+            <a:ext cx="6779172" cy="3005951"/>
+          </a:xfrm>
+          <a:prstGeom prst="rect">
+            <a:avLst/>
+          </a:prstGeom>
+          <a:noFill/>
+        </p:spPr>
+        <p:txBody>
+          <a:bodyPr wrap="square" rtlCol="0">
+            <a:spAutoFit/>
+          </a:bodyPr>
+          <a:lstStyle/>
+          <a:p>
+            <a:pPr marL="285750" indent="-285750">
+              <a:spcBef>
+                <a:spcPts val="400"/>
+              </a:spcBef>
+              <a:spcAft>
+                <a:spcPts val="400"/>
+              </a:spcAft>
+              <a:buFont typeface="Arial" panose="020B0604020202020204" pitchFamily="34" charset="0"/>
+              <a:buChar char="•"/>
+            </a:pPr>
+            <a:r>
+              <a:rPr lang="en-US" sz="2600" dirty="0">
+                <a:solidFill>
+                  <a:schemeClr val="bg1"/>
+                </a:solidFill>
+                <a:latin typeface="Rocket Sans" panose="020B0602020202020204" pitchFamily="34" charset="0"/>
+                <a:ea typeface="Rocket Sans" panose="020B0602020202020204" pitchFamily="34" charset="0"/>
+              </a:rPr>
+              <a:t>throw expressions </a:t>
+            </a:r>
+          </a:p>
+          <a:p>
+            <a:pPr marL="285750" indent="-285750">
+              <a:spcBef>
+                <a:spcPts val="400"/>
+              </a:spcBef>
+              <a:spcAft>
+                <a:spcPts val="400"/>
+              </a:spcAft>
+              <a:buFont typeface="Arial" panose="020B0604020202020204" pitchFamily="34" charset="0"/>
+              <a:buChar char="•"/>
+            </a:pPr>
+            <a:r>
+              <a:rPr lang="en-US" sz="2600" dirty="0">
+                <a:solidFill>
+                  <a:schemeClr val="bg1"/>
+                </a:solidFill>
+                <a:latin typeface="Rocket Sans" panose="020B0602020202020204" pitchFamily="34" charset="0"/>
+                <a:ea typeface="Rocket Sans" panose="020B0602020202020204" pitchFamily="34" charset="0"/>
+              </a:rPr>
+              <a:t>default interface members</a:t>
+            </a:r>
+          </a:p>
+          <a:p>
+            <a:pPr marL="285750" indent="-285750">
+              <a:spcBef>
+                <a:spcPts val="400"/>
+              </a:spcBef>
+              <a:spcAft>
+                <a:spcPts val="400"/>
+              </a:spcAft>
+              <a:buFont typeface="Arial" panose="020B0604020202020204" pitchFamily="34" charset="0"/>
+              <a:buChar char="•"/>
+            </a:pPr>
+            <a:r>
+              <a:rPr lang="en-US" sz="2600" dirty="0">
+                <a:solidFill>
+                  <a:schemeClr val="bg1"/>
+                </a:solidFill>
+                <a:latin typeface="Rocket Sans" panose="020B0602020202020204" pitchFamily="34" charset="0"/>
+                <a:ea typeface="Rocket Sans" panose="020B0602020202020204" pitchFamily="34" charset="0"/>
+              </a:rPr>
+              <a:t>switch expressions</a:t>
+            </a:r>
+          </a:p>
+          <a:p>
+            <a:pPr marL="285750" indent="-285750">
+              <a:spcBef>
+                <a:spcPts val="400"/>
+              </a:spcBef>
+              <a:spcAft>
+                <a:spcPts val="400"/>
+              </a:spcAft>
+              <a:buFont typeface="Arial" panose="020B0604020202020204" pitchFamily="34" charset="0"/>
+              <a:buChar char="•"/>
+            </a:pPr>
+            <a:r>
+              <a:rPr lang="en-US" sz="2600" dirty="0">
+                <a:solidFill>
+                  <a:schemeClr val="bg1"/>
+                </a:solidFill>
+                <a:latin typeface="Rocket Sans" panose="020B0602020202020204" pitchFamily="34" charset="0"/>
+                <a:ea typeface="Rocket Sans" panose="020B0602020202020204" pitchFamily="34" charset="0"/>
+              </a:rPr>
+              <a:t>pattern matching ++</a:t>
+            </a:r>
+          </a:p>
+          <a:p>
+            <a:pPr marL="285750" indent="-285750">
+              <a:spcBef>
+                <a:spcPts val="400"/>
+              </a:spcBef>
+              <a:spcAft>
+                <a:spcPts val="400"/>
+              </a:spcAft>
+              <a:buFont typeface="Arial" panose="020B0604020202020204" pitchFamily="34" charset="0"/>
+              <a:buChar char="•"/>
+            </a:pPr>
+            <a:r>
+              <a:rPr lang="en-US" sz="2600" dirty="0">
+                <a:solidFill>
+                  <a:schemeClr val="bg1"/>
+                </a:solidFill>
+                <a:latin typeface="Rocket Sans" panose="020B0602020202020204" pitchFamily="34" charset="0"/>
+                <a:ea typeface="Rocket Sans" panose="020B0602020202020204" pitchFamily="34" charset="0"/>
+              </a:rPr>
+              <a:t>nullable reference types</a:t>
+            </a:r>
+          </a:p>
+          <a:p>
+            <a:pPr marL="285750" indent="-285750">
+              <a:spcBef>
+                <a:spcPts val="400"/>
+              </a:spcBef>
+              <a:spcAft>
+                <a:spcPts val="400"/>
+              </a:spcAft>
+              <a:buFont typeface="Arial" panose="020B0604020202020204" pitchFamily="34" charset="0"/>
+              <a:buChar char="•"/>
+            </a:pPr>
+            <a:r>
+              <a:rPr lang="en-US" sz="2600" dirty="0">
+                <a:solidFill>
+                  <a:schemeClr val="bg1"/>
+                </a:solidFill>
+                <a:latin typeface="Rocket Sans" panose="020B0602020202020204" pitchFamily="34" charset="0"/>
+                <a:ea typeface="Rocket Sans" panose="020B0602020202020204" pitchFamily="34" charset="0"/>
+              </a:rPr>
+              <a:t>async streams</a:t>
+            </a:r>
+          </a:p>
+        </p:txBody>
+      </p:sp>
+      <p:sp>
+        <p:nvSpPr>
+          <p:cNvPr id="11" name="TextBox 10">
+            <a:extLst>
+              <a:ext uri="{FF2B5EF4-FFF2-40B4-BE49-F238E27FC236}">
+                <a16:creationId xmlns:a16="http://schemas.microsoft.com/office/drawing/2014/main" id="{2D6D5E08-A9D5-A241-89B0-DE7095C78C45}"/>
+              </a:ext>
+            </a:extLst>
+          </p:cNvPr>
+          <p:cNvSpPr txBox="1"/>
+          <p:nvPr/>
+        </p:nvSpPr>
+        <p:spPr>
+          <a:xfrm>
+            <a:off x="1542500" y="778217"/>
+            <a:ext cx="3928913" cy="1323439"/>
+          </a:xfrm>
+          <a:prstGeom prst="rect">
+            <a:avLst/>
+          </a:prstGeom>
+          <a:noFill/>
+        </p:spPr>
+        <p:txBody>
+          <a:bodyPr wrap="square" rtlCol="0">
+            <a:spAutoFit/>
+          </a:bodyPr>
+          <a:lstStyle/>
+          <a:p>
+            <a:r>
+              <a:rPr lang="en-US" sz="8000" b="1">
+                <a:solidFill>
+                  <a:schemeClr val="bg1"/>
+                </a:solidFill>
+                <a:latin typeface="Rocket Sans" panose="020B0602020202020204" pitchFamily="34" charset="0"/>
+                <a:ea typeface="Rocket Sans" panose="020B0602020202020204" pitchFamily="34" charset="0"/>
+              </a:rPr>
+              <a:t>demos</a:t>
+            </a:r>
+          </a:p>
+        </p:txBody>
+      </p:sp>
+      <p:pic>
+        <p:nvPicPr>
+          <p:cNvPr id="19" name="Picture 18" descr="A close up of a logo&#10;&#10;Description automatically generated">
+            <a:extLst>
+              <a:ext uri="{FF2B5EF4-FFF2-40B4-BE49-F238E27FC236}">
+                <a16:creationId xmlns:a16="http://schemas.microsoft.com/office/drawing/2014/main" id="{2AFACB4C-A4AC-4847-96F0-5DF625436670}"/>
+              </a:ext>
+            </a:extLst>
+          </p:cNvPr>
+          <p:cNvPicPr>
+            <a:picLocks noChangeAspect="1"/>
+          </p:cNvPicPr>
+          <p:nvPr/>
+        </p:nvPicPr>
+        <p:blipFill>
+          <a:blip r:embed="rId4"/>
+          <a:stretch>
+            <a:fillRect/>
+          </a:stretch>
+        </p:blipFill>
+        <p:spPr>
+          <a:xfrm>
+            <a:off x="10473128" y="5279612"/>
+            <a:ext cx="491339" cy="477712"/>
+          </a:xfrm>
+          <a:prstGeom prst="rect">
+            <a:avLst/>
+          </a:prstGeom>
+        </p:spPr>
+      </p:pic>
+    </p:spTree>
+    <p:extLst>
+      <p:ext uri="{BB962C8B-B14F-4D97-AF65-F5344CB8AC3E}">
+        <p14:creationId xmlns:p14="http://schemas.microsoft.com/office/powerpoint/2010/main" val="752404881"/>
+      </p:ext>
+    </p:extLst>
+  </p:cSld>
+  <p:clrMapOvr>
+    <a:masterClrMapping/>
+  </p:clrMapOvr>
+</p:sld>
+</file>
+
+<file path=ppt/slides/slide16.xml><?xml version="1.0" encoding="utf-8"?>
+<p:sld xmlns:a="http://schemas.openxmlformats.org/drawingml/2006/main" xmlns:r="http://schemas.openxmlformats.org/officeDocument/2006/relationships" xmlns:p="http://schemas.openxmlformats.org/presentationml/2006/main">
+  <p:cSld>
+    <p:spTree>
+      <p:nvGrpSpPr>
+        <p:cNvPr id="1" name=""/>
+        <p:cNvGrpSpPr/>
+        <p:nvPr/>
+      </p:nvGrpSpPr>
+      <p:grpSpPr>
+        <a:xfrm>
+          <a:off x="0" y="0"/>
+          <a:ext cx="0" cy="0"/>
+          <a:chOff x="0" y="0"/>
+          <a:chExt cx="0" cy="0"/>
+        </a:xfrm>
+      </p:grpSpPr>
+      <p:pic>
+        <p:nvPicPr>
+          <p:cNvPr id="13" name="Picture 12" descr="A picture containing electronics, display&#10;&#10;Description automatically generated">
+            <a:extLst>
+              <a:ext uri="{FF2B5EF4-FFF2-40B4-BE49-F238E27FC236}">
+                <a16:creationId xmlns:a16="http://schemas.microsoft.com/office/drawing/2014/main" id="{88349F9C-2412-0E43-AFFE-C530518CC76D}"/>
+              </a:ext>
+            </a:extLst>
+          </p:cNvPr>
+          <p:cNvPicPr>
+            <a:picLocks noChangeAspect="1"/>
+          </p:cNvPicPr>
+          <p:nvPr/>
+        </p:nvPicPr>
+        <p:blipFill>
+          <a:blip r:embed="rId3"/>
+          <a:stretch>
+            <a:fillRect/>
+          </a:stretch>
+        </p:blipFill>
+        <p:spPr>
+          <a:xfrm>
+            <a:off x="904661" y="315686"/>
+            <a:ext cx="10382679" cy="6629400"/>
+          </a:xfrm>
+          <a:prstGeom prst="rect">
+            <a:avLst/>
+          </a:prstGeom>
+        </p:spPr>
+      </p:pic>
+      <p:sp>
+        <p:nvSpPr>
+          <p:cNvPr id="9" name="TextBox 8">
+            <a:extLst>
+              <a:ext uri="{FF2B5EF4-FFF2-40B4-BE49-F238E27FC236}">
+                <a16:creationId xmlns:a16="http://schemas.microsoft.com/office/drawing/2014/main" id="{000DE3CD-9233-DC4E-BBCE-A8DE86739D16}"/>
+              </a:ext>
+            </a:extLst>
+          </p:cNvPr>
+          <p:cNvSpPr txBox="1"/>
+          <p:nvPr/>
+        </p:nvSpPr>
+        <p:spPr>
+          <a:xfrm>
             <a:off x="1385016" y="1940092"/>
             <a:ext cx="9421968" cy="4602222"/>
           </a:xfrm>
@@ -14802,7 +18047,7 @@
 </p:sld>
 </file>
 
-<file path=ppt/slides/slide16.xml><?xml version="1.0" encoding="utf-8"?>
+<file path=ppt/slides/slide17.xml><?xml version="1.0" encoding="utf-8"?>
 <p:sld xmlns:a="http://schemas.openxmlformats.org/drawingml/2006/main" xmlns:r="http://schemas.openxmlformats.org/officeDocument/2006/relationships" xmlns:p="http://schemas.openxmlformats.org/presentationml/2006/main">
   <p:cSld>
     <p:spTree>
@@ -15152,7 +18397,7 @@
 </file>
 
 <file path=ppt/slides/slide3.xml><?xml version="1.0" encoding="utf-8"?>
-<p:sld xmlns:a="http://schemas.openxmlformats.org/drawingml/2006/main" xmlns:r="http://schemas.openxmlformats.org/officeDocument/2006/relationships" xmlns:p="http://schemas.openxmlformats.org/presentationml/2006/main">
+<p:sld xmlns:a="http://schemas.openxmlformats.org/drawingml/2006/main" xmlns:r="http://schemas.openxmlformats.org/officeDocument/2006/relationships" xmlns:p="http://schemas.openxmlformats.org/presentationml/2006/main" show="0">
   <p:cSld>
     <p:spTree>
       <p:nvGrpSpPr>
@@ -15433,7 +18678,7 @@
 </file>
 
 <file path=ppt/slides/slide4.xml><?xml version="1.0" encoding="utf-8"?>
-<p:sld xmlns:a="http://schemas.openxmlformats.org/drawingml/2006/main" xmlns:r="http://schemas.openxmlformats.org/officeDocument/2006/relationships" xmlns:p="http://schemas.openxmlformats.org/presentationml/2006/main">
+<p:sld xmlns:a="http://schemas.openxmlformats.org/drawingml/2006/main" xmlns:r="http://schemas.openxmlformats.org/officeDocument/2006/relationships" xmlns:p="http://schemas.openxmlformats.org/presentationml/2006/main" show="0">
   <p:cSld>
     <p:spTree>
       <p:nvGrpSpPr>
@@ -15820,7 +19065,7 @@
           <a:lstStyle/>
           <a:p>
             <a:pPr algn="r"/>
-            <a:endParaRPr lang="en-US" sz="900" b="1">
+            <a:endParaRPr lang="en-US" sz="900" b="1" dirty="0">
               <a:solidFill>
                 <a:schemeClr val="bg1"/>
               </a:solidFill>
@@ -15831,7 +19076,7 @@
           <a:p>
             <a:pPr algn="r"/>
             <a:r>
-              <a:rPr lang="en-US">
+              <a:rPr lang="en-US" dirty="0">
                 <a:solidFill>
                   <a:schemeClr val="bg1"/>
                 </a:solidFill>
@@ -15844,7 +19089,7 @@
           <a:p>
             <a:pPr algn="r"/>
             <a:r>
-              <a:rPr lang="en-US">
+              <a:rPr lang="en-US" dirty="0">
                 <a:solidFill>
                   <a:schemeClr val="bg1"/>
                 </a:solidFill>
@@ -15857,14 +19102,14 @@
           <a:p>
             <a:pPr algn="r"/>
             <a:r>
-              <a:rPr lang="en-US">
-                <a:solidFill>
-                  <a:schemeClr val="bg1"/>
-                </a:solidFill>
-                <a:latin typeface="Rocket Sans" panose="020B0602020202020204" pitchFamily="34" charset="0"/>
-                <a:ea typeface="Rocket Sans" panose="020B0602020202020204" pitchFamily="34" charset="0"/>
-              </a:rPr>
-              <a:t>VS 2002</a:t>
+              <a:rPr lang="en-US" dirty="0">
+                <a:solidFill>
+                  <a:schemeClr val="bg1"/>
+                </a:solidFill>
+                <a:latin typeface="Rocket Sans" panose="020B0602020202020204" pitchFamily="34" charset="0"/>
+                <a:ea typeface="Rocket Sans" panose="020B0602020202020204" pitchFamily="34" charset="0"/>
+              </a:rPr>
+              <a:t>VS 2005</a:t>
             </a:r>
           </a:p>
         </p:txBody>
@@ -15924,7 +19169,7 @@
 </file>
 
 <file path=ppt/slides/slide5.xml><?xml version="1.0" encoding="utf-8"?>
-<p:sld xmlns:a="http://schemas.openxmlformats.org/drawingml/2006/main" xmlns:r="http://schemas.openxmlformats.org/officeDocument/2006/relationships" xmlns:p="http://schemas.openxmlformats.org/presentationml/2006/main">
+<p:sld xmlns:a="http://schemas.openxmlformats.org/drawingml/2006/main" xmlns:r="http://schemas.openxmlformats.org/officeDocument/2006/relationships" xmlns:p="http://schemas.openxmlformats.org/presentationml/2006/main" show="0">
   <p:cSld>
     <p:spTree>
       <p:nvGrpSpPr>
@@ -16391,7 +19636,7 @@
           <a:lstStyle/>
           <a:p>
             <a:pPr algn="r"/>
-            <a:endParaRPr lang="en-US" sz="900" b="1">
+            <a:endParaRPr lang="en-US" sz="900" b="1" dirty="0">
               <a:solidFill>
                 <a:schemeClr val="bg1"/>
               </a:solidFill>
@@ -16402,7 +19647,7 @@
           <a:p>
             <a:pPr algn="r"/>
             <a:r>
-              <a:rPr lang="en-US">
+              <a:rPr lang="en-US" dirty="0">
                 <a:solidFill>
                   <a:schemeClr val="bg1"/>
                 </a:solidFill>
@@ -16415,7 +19660,7 @@
           <a:p>
             <a:pPr algn="r"/>
             <a:r>
-              <a:rPr lang="en-US">
+              <a:rPr lang="en-US" dirty="0">
                 <a:solidFill>
                   <a:schemeClr val="bg1"/>
                 </a:solidFill>
@@ -16428,14 +19673,14 @@
           <a:p>
             <a:pPr algn="r"/>
             <a:r>
-              <a:rPr lang="en-US">
-                <a:solidFill>
-                  <a:schemeClr val="bg1"/>
-                </a:solidFill>
-                <a:latin typeface="Rocket Sans" panose="020B0602020202020204" pitchFamily="34" charset="0"/>
-                <a:ea typeface="Rocket Sans" panose="020B0602020202020204" pitchFamily="34" charset="0"/>
-              </a:rPr>
-              <a:t>VS 2002</a:t>
+              <a:rPr lang="en-US" dirty="0">
+                <a:solidFill>
+                  <a:schemeClr val="bg1"/>
+                </a:solidFill>
+                <a:latin typeface="Rocket Sans" panose="020B0602020202020204" pitchFamily="34" charset="0"/>
+                <a:ea typeface="Rocket Sans" panose="020B0602020202020204" pitchFamily="34" charset="0"/>
+              </a:rPr>
+              <a:t>VS 2005</a:t>
             </a:r>
           </a:p>
         </p:txBody>
@@ -16625,7 +19870,7 @@
 </file>
 
 <file path=ppt/slides/slide6.xml><?xml version="1.0" encoding="utf-8"?>
-<p:sld xmlns:a="http://schemas.openxmlformats.org/drawingml/2006/main" xmlns:r="http://schemas.openxmlformats.org/officeDocument/2006/relationships" xmlns:p="http://schemas.openxmlformats.org/presentationml/2006/main">
+<p:sld xmlns:a="http://schemas.openxmlformats.org/drawingml/2006/main" xmlns:r="http://schemas.openxmlformats.org/officeDocument/2006/relationships" xmlns:p="http://schemas.openxmlformats.org/presentationml/2006/main" show="0">
   <p:cSld>
     <p:spTree>
       <p:nvGrpSpPr>
@@ -17172,7 +20417,7 @@
           <a:lstStyle/>
           <a:p>
             <a:pPr algn="r"/>
-            <a:endParaRPr lang="en-US" sz="900" b="1">
+            <a:endParaRPr lang="en-US" sz="900" b="1" dirty="0">
               <a:solidFill>
                 <a:schemeClr val="bg1"/>
               </a:solidFill>
@@ -17183,7 +20428,7 @@
           <a:p>
             <a:pPr algn="r"/>
             <a:r>
-              <a:rPr lang="en-US">
+              <a:rPr lang="en-US" dirty="0">
                 <a:solidFill>
                   <a:schemeClr val="bg1"/>
                 </a:solidFill>
@@ -17196,7 +20441,7 @@
           <a:p>
             <a:pPr algn="r"/>
             <a:r>
-              <a:rPr lang="en-US">
+              <a:rPr lang="en-US" dirty="0">
                 <a:solidFill>
                   <a:schemeClr val="bg1"/>
                 </a:solidFill>
@@ -17209,14 +20454,14 @@
           <a:p>
             <a:pPr algn="r"/>
             <a:r>
-              <a:rPr lang="en-US">
-                <a:solidFill>
-                  <a:schemeClr val="bg1"/>
-                </a:solidFill>
-                <a:latin typeface="Rocket Sans" panose="020B0602020202020204" pitchFamily="34" charset="0"/>
-                <a:ea typeface="Rocket Sans" panose="020B0602020202020204" pitchFamily="34" charset="0"/>
-              </a:rPr>
-              <a:t>VS 2002</a:t>
+              <a:rPr lang="en-US" dirty="0">
+                <a:solidFill>
+                  <a:schemeClr val="bg1"/>
+                </a:solidFill>
+                <a:latin typeface="Rocket Sans" panose="020B0602020202020204" pitchFamily="34" charset="0"/>
+                <a:ea typeface="Rocket Sans" panose="020B0602020202020204" pitchFamily="34" charset="0"/>
+              </a:rPr>
+              <a:t>VS 2005</a:t>
             </a:r>
           </a:p>
         </p:txBody>
@@ -17536,7 +20781,7 @@
 </file>
 
 <file path=ppt/slides/slide7.xml><?xml version="1.0" encoding="utf-8"?>
-<p:sld xmlns:a="http://schemas.openxmlformats.org/drawingml/2006/main" xmlns:r="http://schemas.openxmlformats.org/officeDocument/2006/relationships" xmlns:p="http://schemas.openxmlformats.org/presentationml/2006/main">
+<p:sld xmlns:a="http://schemas.openxmlformats.org/drawingml/2006/main" xmlns:r="http://schemas.openxmlformats.org/officeDocument/2006/relationships" xmlns:p="http://schemas.openxmlformats.org/presentationml/2006/main" show="0">
   <p:cSld>
     <p:spTree>
       <p:nvGrpSpPr>
@@ -18163,7 +21408,7 @@
           <a:lstStyle/>
           <a:p>
             <a:pPr algn="r"/>
-            <a:endParaRPr lang="en-US" sz="900" b="1">
+            <a:endParaRPr lang="en-US" sz="900" b="1" dirty="0">
               <a:solidFill>
                 <a:schemeClr val="bg1"/>
               </a:solidFill>
@@ -18174,7 +21419,7 @@
           <a:p>
             <a:pPr algn="r"/>
             <a:r>
-              <a:rPr lang="en-US">
+              <a:rPr lang="en-US" dirty="0">
                 <a:solidFill>
                   <a:schemeClr val="bg1"/>
                 </a:solidFill>
@@ -18187,7 +21432,7 @@
           <a:p>
             <a:pPr algn="r"/>
             <a:r>
-              <a:rPr lang="en-US">
+              <a:rPr lang="en-US" dirty="0">
                 <a:solidFill>
                   <a:schemeClr val="bg1"/>
                 </a:solidFill>
@@ -18200,14 +21445,14 @@
           <a:p>
             <a:pPr algn="r"/>
             <a:r>
-              <a:rPr lang="en-US">
-                <a:solidFill>
-                  <a:schemeClr val="bg1"/>
-                </a:solidFill>
-                <a:latin typeface="Rocket Sans" panose="020B0602020202020204" pitchFamily="34" charset="0"/>
-                <a:ea typeface="Rocket Sans" panose="020B0602020202020204" pitchFamily="34" charset="0"/>
-              </a:rPr>
-              <a:t>VS 2002</a:t>
+              <a:rPr lang="en-US" dirty="0">
+                <a:solidFill>
+                  <a:schemeClr val="bg1"/>
+                </a:solidFill>
+                <a:latin typeface="Rocket Sans" panose="020B0602020202020204" pitchFamily="34" charset="0"/>
+                <a:ea typeface="Rocket Sans" panose="020B0602020202020204" pitchFamily="34" charset="0"/>
+              </a:rPr>
+              <a:t>VS 2005</a:t>
             </a:r>
           </a:p>
         </p:txBody>
@@ -18657,7 +21902,7 @@
 </file>
 
 <file path=ppt/slides/slide8.xml><?xml version="1.0" encoding="utf-8"?>
-<p:sld xmlns:a="http://schemas.openxmlformats.org/drawingml/2006/main" xmlns:r="http://schemas.openxmlformats.org/officeDocument/2006/relationships" xmlns:p="http://schemas.openxmlformats.org/presentationml/2006/main">
+<p:sld xmlns:a="http://schemas.openxmlformats.org/drawingml/2006/main" xmlns:r="http://schemas.openxmlformats.org/officeDocument/2006/relationships" xmlns:p="http://schemas.openxmlformats.org/presentationml/2006/main" show="0">
   <p:cSld>
     <p:spTree>
       <p:nvGrpSpPr>
@@ -19364,7 +22609,7 @@
           <a:lstStyle/>
           <a:p>
             <a:pPr algn="r"/>
-            <a:endParaRPr lang="en-US" sz="900" b="1">
+            <a:endParaRPr lang="en-US" sz="900" b="1" dirty="0">
               <a:solidFill>
                 <a:schemeClr val="bg1"/>
               </a:solidFill>
@@ -19375,7 +22620,7 @@
           <a:p>
             <a:pPr algn="r"/>
             <a:r>
-              <a:rPr lang="en-US">
+              <a:rPr lang="en-US" dirty="0">
                 <a:solidFill>
                   <a:schemeClr val="bg1"/>
                 </a:solidFill>
@@ -19388,7 +22633,7 @@
           <a:p>
             <a:pPr algn="r"/>
             <a:r>
-              <a:rPr lang="en-US">
+              <a:rPr lang="en-US" dirty="0">
                 <a:solidFill>
                   <a:schemeClr val="bg1"/>
                 </a:solidFill>
@@ -19401,14 +22646,14 @@
           <a:p>
             <a:pPr algn="r"/>
             <a:r>
-              <a:rPr lang="en-US">
-                <a:solidFill>
-                  <a:schemeClr val="bg1"/>
-                </a:solidFill>
-                <a:latin typeface="Rocket Sans" panose="020B0602020202020204" pitchFamily="34" charset="0"/>
-                <a:ea typeface="Rocket Sans" panose="020B0602020202020204" pitchFamily="34" charset="0"/>
-              </a:rPr>
-              <a:t>VS 2002</a:t>
+              <a:rPr lang="en-US" dirty="0">
+                <a:solidFill>
+                  <a:schemeClr val="bg1"/>
+                </a:solidFill>
+                <a:latin typeface="Rocket Sans" panose="020B0602020202020204" pitchFamily="34" charset="0"/>
+                <a:ea typeface="Rocket Sans" panose="020B0602020202020204" pitchFamily="34" charset="0"/>
+              </a:rPr>
+              <a:t>VS 2005</a:t>
             </a:r>
           </a:p>
         </p:txBody>
@@ -19988,7 +23233,7 @@
 </file>
 
 <file path=ppt/slides/slide9.xml><?xml version="1.0" encoding="utf-8"?>
-<p:sld xmlns:a="http://schemas.openxmlformats.org/drawingml/2006/main" xmlns:r="http://schemas.openxmlformats.org/officeDocument/2006/relationships" xmlns:p="http://schemas.openxmlformats.org/presentationml/2006/main">
+<p:sld xmlns:a="http://schemas.openxmlformats.org/drawingml/2006/main" xmlns:r="http://schemas.openxmlformats.org/officeDocument/2006/relationships" xmlns:p="http://schemas.openxmlformats.org/presentationml/2006/main" show="0">
   <p:cSld>
     <p:spTree>
       <p:nvGrpSpPr>
@@ -20775,7 +24020,7 @@
           <a:lstStyle/>
           <a:p>
             <a:pPr algn="r"/>
-            <a:endParaRPr lang="en-US" sz="900" b="1">
+            <a:endParaRPr lang="en-US" sz="900" b="1" dirty="0">
               <a:solidFill>
                 <a:schemeClr val="bg1"/>
               </a:solidFill>
@@ -20786,7 +24031,7 @@
           <a:p>
             <a:pPr algn="r"/>
             <a:r>
-              <a:rPr lang="en-US">
+              <a:rPr lang="en-US" dirty="0">
                 <a:solidFill>
                   <a:schemeClr val="bg1"/>
                 </a:solidFill>
@@ -20799,7 +24044,7 @@
           <a:p>
             <a:pPr algn="r"/>
             <a:r>
-              <a:rPr lang="en-US">
+              <a:rPr lang="en-US" dirty="0">
                 <a:solidFill>
                   <a:schemeClr val="bg1"/>
                 </a:solidFill>
@@ -20812,14 +24057,14 @@
           <a:p>
             <a:pPr algn="r"/>
             <a:r>
-              <a:rPr lang="en-US">
-                <a:solidFill>
-                  <a:schemeClr val="bg1"/>
-                </a:solidFill>
-                <a:latin typeface="Rocket Sans" panose="020B0602020202020204" pitchFamily="34" charset="0"/>
-                <a:ea typeface="Rocket Sans" panose="020B0602020202020204" pitchFamily="34" charset="0"/>
-              </a:rPr>
-              <a:t>VS 2002</a:t>
+              <a:rPr lang="en-US" dirty="0">
+                <a:solidFill>
+                  <a:schemeClr val="bg1"/>
+                </a:solidFill>
+                <a:latin typeface="Rocket Sans" panose="020B0602020202020204" pitchFamily="34" charset="0"/>
+                <a:ea typeface="Rocket Sans" panose="020B0602020202020204" pitchFamily="34" charset="0"/>
+              </a:rPr>
+              <a:t>VS 2005</a:t>
             </a:r>
           </a:p>
         </p:txBody>

--- a/Keeping Up With C#.pptx
+++ b/Keeping Up With C#.pptx
@@ -355,7 +355,7 @@
           <a:p>
             <a:fld id="{5E821B8B-00AD-A747-8DB8-0E69FC3A653A}" type="datetimeFigureOut">
               <a:rPr lang="en-US" smtClean="0"/>
-              <a:t>8/13/2019</a:t>
+              <a:t>8/14/2019</a:t>
             </a:fld>
             <a:endParaRPr lang="en-US"/>
           </a:p>
@@ -2943,7 +2943,7 @@
           <a:p>
             <a:fld id="{D5087760-35F5-1741-B2EB-290C537D6DFB}" type="datetime1">
               <a:rPr lang="en-US" smtClean="0"/>
-              <a:t>8/13/2019</a:t>
+              <a:t>8/14/2019</a:t>
             </a:fld>
             <a:endParaRPr lang="en-US"/>
           </a:p>
@@ -5125,7 +5125,7 @@
           <a:p>
             <a:fld id="{0B7EFA1C-E4DE-344B-BACE-D11BF3FE26C1}" type="datetime1">
               <a:rPr lang="en-US" smtClean="0"/>
-              <a:t>8/13/2019</a:t>
+              <a:t>8/14/2019</a:t>
             </a:fld>
             <a:endParaRPr lang="en-US"/>
           </a:p>
@@ -5599,8 +5599,8 @@
         </p:nvSpPr>
         <p:spPr>
           <a:xfrm>
-            <a:off x="7181607" y="4331214"/>
-            <a:ext cx="4086139" cy="2217681"/>
+            <a:off x="7181607" y="4183518"/>
+            <a:ext cx="4676094" cy="2630844"/>
           </a:xfrm>
         </p:spPr>
         <p:txBody>
@@ -5610,7 +5610,7 @@
           <a:lstStyle/>
           <a:p>
             <a:r>
-              <a:rPr lang="en-US" sz="3200" b="1">
+              <a:rPr lang="en-US" sz="3200" b="1" dirty="0">
                 <a:solidFill>
                   <a:srgbClr val="197AFF"/>
                 </a:solidFill>
@@ -5620,7 +5620,7 @@
           </a:p>
           <a:p>
             <a:r>
-              <a:rPr lang="en-US" sz="2200" b="1">
+              <a:rPr lang="en-US" sz="2200" b="1" dirty="0">
                 <a:solidFill>
                   <a:schemeClr val="bg1"/>
                 </a:solidFill>
@@ -5630,14 +5630,14 @@
           </a:p>
           <a:p>
             <a:r>
-              <a:rPr lang="en-US" sz="2200">
+              <a:rPr lang="en-US" sz="2200" dirty="0">
                 <a:solidFill>
                   <a:schemeClr val="bg1"/>
                 </a:solidFill>
               </a:rPr>
               <a:t>Senior Software Engineer</a:t>
             </a:r>
-            <a:endParaRPr lang="en-US" sz="1800">
+            <a:endParaRPr lang="en-US" sz="1800" dirty="0">
               <a:solidFill>
                 <a:schemeClr val="bg1"/>
               </a:solidFill>
@@ -5645,13 +5645,46 @@
           </a:p>
           <a:p>
             <a:r>
-              <a:rPr lang="en-US" sz="1800">
+              <a:rPr lang="en-US" sz="1800" dirty="0">
+                <a:solidFill>
+                  <a:schemeClr val="bg1"/>
+                </a:solidFill>
+              </a:rPr>
+              <a:t>adam@adambarney.com</a:t>
+            </a:r>
+          </a:p>
+          <a:p>
+            <a:r>
+              <a:rPr lang="en-US" sz="1800" dirty="0">
                 <a:solidFill>
                   <a:schemeClr val="bg1"/>
                 </a:solidFill>
               </a:rPr>
               <a:t>adambarney@quickenloans.com</a:t>
             </a:r>
+          </a:p>
+          <a:p>
+            <a:r>
+              <a:rPr lang="en-US" sz="1800" dirty="0">
+                <a:solidFill>
+                  <a:schemeClr val="bg1"/>
+                </a:solidFill>
+              </a:rPr>
+              <a:t>@</a:t>
+            </a:r>
+            <a:r>
+              <a:rPr lang="en-US" sz="1800" dirty="0" err="1">
+                <a:solidFill>
+                  <a:schemeClr val="bg1"/>
+                </a:solidFill>
+              </a:rPr>
+              <a:t>cabarney</a:t>
+            </a:r>
+            <a:endParaRPr lang="en-US" sz="1800" dirty="0">
+              <a:solidFill>
+                <a:schemeClr val="bg1"/>
+              </a:solidFill>
+            </a:endParaRPr>
           </a:p>
         </p:txBody>
       </p:sp>
@@ -5673,7 +5706,7 @@
         </p:nvSpPr>
         <p:spPr>
           <a:xfrm>
-            <a:off x="774352" y="5161416"/>
+            <a:off x="774352" y="5168792"/>
             <a:ext cx="3908300" cy="2217680"/>
           </a:xfrm>
         </p:spPr>
@@ -5684,10 +5717,10 @@
           <a:lstStyle/>
           <a:p>
             <a:r>
-              <a:rPr lang="en-US" sz="7200" b="1"/>
+              <a:rPr lang="en-US" sz="7200" b="1" dirty="0"/>
               <a:t>up with </a:t>
             </a:r>
-            <a:endParaRPr lang="en-US" sz="11500" b="1">
+            <a:endParaRPr lang="en-US" sz="11500" b="1" dirty="0">
               <a:solidFill>
                 <a:srgbClr val="00B0F0"/>
               </a:solidFill>
@@ -5704,13 +5737,15 @@
               </a:ext>
             </a:extLst>
           </p:cNvPr>
-          <p:cNvCxnSpPr/>
+          <p:cNvCxnSpPr>
+            <a:cxnSpLocks/>
+          </p:cNvCxnSpPr>
           <p:nvPr/>
         </p:nvCxnSpPr>
         <p:spPr>
           <a:xfrm>
-            <a:off x="6967665" y="4419652"/>
-            <a:ext cx="0" cy="1774402"/>
+            <a:off x="6967665" y="4452466"/>
+            <a:ext cx="0" cy="2117670"/>
           </a:xfrm>
           <a:prstGeom prst="line">
             <a:avLst/>
@@ -5750,7 +5785,7 @@
         </p:nvGrpSpPr>
         <p:grpSpPr>
           <a:xfrm>
-            <a:off x="4726336" y="4331214"/>
+            <a:off x="4726336" y="4338589"/>
             <a:ext cx="1915977" cy="1862840"/>
             <a:chOff x="4498653" y="4112424"/>
             <a:chExt cx="2217681" cy="2217681"/>
@@ -5847,7 +5882,7 @@
         </p:nvSpPr>
         <p:spPr>
           <a:xfrm>
-            <a:off x="774352" y="4412118"/>
+            <a:off x="774352" y="4338376"/>
             <a:ext cx="3908300" cy="2217680"/>
           </a:xfrm>
           <a:prstGeom prst="rect">
@@ -5879,10 +5914,10 @@
           </a:lstStyle>
           <a:p>
             <a:r>
-              <a:rPr lang="en-US" sz="7200" b="1"/>
+              <a:rPr lang="en-US" sz="7200" b="1" dirty="0"/>
               <a:t>keeping</a:t>
             </a:r>
-            <a:endParaRPr lang="en-US" sz="8800" b="1">
+            <a:endParaRPr lang="en-US" sz="8800" b="1" dirty="0">
               <a:solidFill>
                 <a:srgbClr val="00B0F0"/>
               </a:solidFill>

--- a/Keeping Up With C#.pptx
+++ b/Keeping Up With C#.pptx
@@ -2451,7 +2451,7 @@
           <a:lstStyle/>
           <a:p>
             <a:r>
-              <a:rPr lang="en-US" b="1">
+              <a:rPr lang="en-US" b="1" dirty="0">
                 <a:cs typeface="Calibri"/>
               </a:rPr>
               <a:t>Async/await</a:t>
@@ -2459,14 +2459,14 @@
           </a:p>
           <a:p>
             <a:r>
-              <a:rPr lang="en-US">
+              <a:rPr lang="en-US" dirty="0">
                 <a:cs typeface="Calibri"/>
               </a:rPr>
               <a:t>Caller info attributes</a:t>
             </a:r>
           </a:p>
           <a:p>
-            <a:endParaRPr lang="en-US"/>
+            <a:endParaRPr lang="en-US" dirty="0"/>
           </a:p>
         </p:txBody>
       </p:sp>
@@ -5599,8 +5599,8 @@
         </p:nvSpPr>
         <p:spPr>
           <a:xfrm>
-            <a:off x="7181607" y="4183518"/>
-            <a:ext cx="4676094" cy="2630844"/>
+            <a:off x="7181607" y="4360496"/>
+            <a:ext cx="4676094" cy="2217680"/>
           </a:xfrm>
         </p:spPr>
         <p:txBody>
@@ -5662,29 +5662,6 @@
               </a:rPr>
               <a:t>adambarney@quickenloans.com</a:t>
             </a:r>
-          </a:p>
-          <a:p>
-            <a:r>
-              <a:rPr lang="en-US" sz="1800" dirty="0">
-                <a:solidFill>
-                  <a:schemeClr val="bg1"/>
-                </a:solidFill>
-              </a:rPr>
-              <a:t>@</a:t>
-            </a:r>
-            <a:r>
-              <a:rPr lang="en-US" sz="1800" dirty="0" err="1">
-                <a:solidFill>
-                  <a:schemeClr val="bg1"/>
-                </a:solidFill>
-              </a:rPr>
-              <a:t>cabarney</a:t>
-            </a:r>
-            <a:endParaRPr lang="en-US" sz="1800" dirty="0">
-              <a:solidFill>
-                <a:schemeClr val="bg1"/>
-              </a:solidFill>
-            </a:endParaRPr>
           </a:p>
         </p:txBody>
       </p:sp>
@@ -5882,7 +5859,7 @@
         </p:nvSpPr>
         <p:spPr>
           <a:xfrm>
-            <a:off x="774352" y="4338376"/>
+            <a:off x="774352" y="4360493"/>
             <a:ext cx="3908300" cy="2217680"/>
           </a:xfrm>
           <a:prstGeom prst="rect">
@@ -18159,7 +18136,7 @@
           <a:lstStyle/>
           <a:p>
             <a:r>
-              <a:rPr lang="en-US" sz="3200" b="1">
+              <a:rPr lang="en-US" sz="3200" b="1" dirty="0">
                 <a:solidFill>
                   <a:srgbClr val="197AFF"/>
                 </a:solidFill>
@@ -18169,7 +18146,7 @@
           </a:p>
           <a:p>
             <a:r>
-              <a:rPr lang="en-US" sz="2200" b="1">
+              <a:rPr lang="en-US" sz="2200" b="1" dirty="0">
                 <a:solidFill>
                   <a:schemeClr val="bg1"/>
                 </a:solidFill>
@@ -18179,14 +18156,14 @@
           </a:p>
           <a:p>
             <a:r>
-              <a:rPr lang="en-US" sz="2200">
+              <a:rPr lang="en-US" sz="2200" dirty="0">
                 <a:solidFill>
                   <a:schemeClr val="bg1"/>
                 </a:solidFill>
               </a:rPr>
               <a:t>Senior Software Engineer</a:t>
             </a:r>
-            <a:endParaRPr lang="en-US" sz="1800">
+            <a:endParaRPr lang="en-US" sz="1800" dirty="0">
               <a:solidFill>
                 <a:schemeClr val="bg1"/>
               </a:solidFill>
@@ -18194,7 +18171,17 @@
           </a:p>
           <a:p>
             <a:r>
-              <a:rPr lang="en-US" sz="1800">
+              <a:rPr lang="en-US" sz="1800" dirty="0">
+                <a:solidFill>
+                  <a:schemeClr val="bg1"/>
+                </a:solidFill>
+              </a:rPr>
+              <a:t>adam@adambarney.com</a:t>
+            </a:r>
+          </a:p>
+          <a:p>
+            <a:r>
+              <a:rPr lang="en-US" sz="1800" dirty="0">
                 <a:solidFill>
                   <a:schemeClr val="bg1"/>
                 </a:solidFill>
@@ -18213,13 +18200,15 @@
               </a:ext>
             </a:extLst>
           </p:cNvPr>
-          <p:cNvCxnSpPr/>
+          <p:cNvCxnSpPr>
+            <a:cxnSpLocks/>
+          </p:cNvCxnSpPr>
           <p:nvPr/>
         </p:nvCxnSpPr>
         <p:spPr>
           <a:xfrm>
             <a:off x="6967665" y="4419652"/>
-            <a:ext cx="0" cy="1774402"/>
+            <a:ext cx="0" cy="2062264"/>
           </a:xfrm>
           <a:prstGeom prst="line">
             <a:avLst/>

--- a/Keeping Up With C#.pptx
+++ b/Keeping Up With C#.pptx
@@ -21,8 +21,8 @@
     <p:sldId id="324" r:id="rId12"/>
     <p:sldId id="325" r:id="rId13"/>
     <p:sldId id="326" r:id="rId14"/>
-    <p:sldId id="302" r:id="rId15"/>
-    <p:sldId id="315" r:id="rId16"/>
+    <p:sldId id="328" r:id="rId15"/>
+    <p:sldId id="327" r:id="rId16"/>
     <p:sldId id="304" r:id="rId17"/>
   </p:sldIdLst>
   <p:sldSz cx="12192000" cy="6858000"/>
@@ -1119,7 +1119,7 @@
     </p:spTree>
     <p:extLst>
       <p:ext uri="{BB962C8B-B14F-4D97-AF65-F5344CB8AC3E}">
-        <p14:creationId xmlns:p14="http://schemas.microsoft.com/office/powerpoint/2010/main" val="777464679"/>
+        <p14:creationId xmlns:p14="http://schemas.microsoft.com/office/powerpoint/2010/main" val="2760286020"/>
       </p:ext>
     </p:extLst>
   </p:cSld>
@@ -1203,7 +1203,7 @@
     </p:spTree>
     <p:extLst>
       <p:ext uri="{BB962C8B-B14F-4D97-AF65-F5344CB8AC3E}">
-        <p14:creationId xmlns:p14="http://schemas.microsoft.com/office/powerpoint/2010/main" val="1017054379"/>
+        <p14:creationId xmlns:p14="http://schemas.microsoft.com/office/powerpoint/2010/main" val="273908282"/>
       </p:ext>
     </p:extLst>
   </p:cSld>
@@ -14535,10 +14535,10 @@
       </p:grpSpPr>
       <p:pic>
         <p:nvPicPr>
-          <p:cNvPr id="13" name="Picture 12" descr="A picture containing electronics, display&#10;&#10;Description automatically generated">
+          <p:cNvPr id="3" name="Picture 2" descr="A picture containing electronics&#10;&#10;Description automatically generated">
             <a:extLst>
               <a:ext uri="{FF2B5EF4-FFF2-40B4-BE49-F238E27FC236}">
-                <a16:creationId xmlns:a16="http://schemas.microsoft.com/office/drawing/2014/main" id="{88349F9C-2412-0E43-AFFE-C530518CC76D}"/>
+                <a16:creationId xmlns:a16="http://schemas.microsoft.com/office/drawing/2014/main" id="{F81485D8-0FEC-482A-ABDF-D27D45552396}"/>
               </a:ext>
             </a:extLst>
           </p:cNvPr>
@@ -14555,8 +14555,286 @@
         </p:blipFill>
         <p:spPr>
           <a:xfrm>
-            <a:off x="904661" y="315686"/>
-            <a:ext cx="10382679" cy="6629400"/>
+            <a:off x="901758" y="274287"/>
+            <a:ext cx="10388484" cy="6626926"/>
+          </a:xfrm>
+          <a:prstGeom prst="rect">
+            <a:avLst/>
+          </a:prstGeom>
+        </p:spPr>
+      </p:pic>
+      <p:sp>
+        <p:nvSpPr>
+          <p:cNvPr id="9" name="TextBox 8">
+            <a:extLst>
+              <a:ext uri="{FF2B5EF4-FFF2-40B4-BE49-F238E27FC236}">
+                <a16:creationId xmlns:a16="http://schemas.microsoft.com/office/drawing/2014/main" id="{000DE3CD-9233-DC4E-BBCE-A8DE86739D16}"/>
+              </a:ext>
+            </a:extLst>
+          </p:cNvPr>
+          <p:cNvSpPr txBox="1"/>
+          <p:nvPr/>
+        </p:nvSpPr>
+        <p:spPr>
+          <a:xfrm>
+            <a:off x="1385016" y="1940092"/>
+            <a:ext cx="9421968" cy="2941767"/>
+          </a:xfrm>
+          <a:prstGeom prst="rect">
+            <a:avLst/>
+          </a:prstGeom>
+          <a:noFill/>
+        </p:spPr>
+        <p:txBody>
+          <a:bodyPr wrap="square" rtlCol="0">
+            <a:spAutoFit/>
+          </a:bodyPr>
+          <a:lstStyle/>
+          <a:p>
+            <a:pPr marL="342900" indent="-342900">
+              <a:lnSpc>
+                <a:spcPct val="200000"/>
+              </a:lnSpc>
+              <a:buFont typeface="Arial" panose="020B0604020202020204" pitchFamily="34" charset="0"/>
+              <a:buChar char="•"/>
+            </a:pPr>
+            <a:r>
+              <a:rPr lang="en-US" sz="2400" dirty="0">
+                <a:solidFill>
+                  <a:schemeClr val="bg1"/>
+                </a:solidFill>
+                <a:ea typeface="+mn-lt"/>
+                <a:cs typeface="+mn-lt"/>
+                <a:hlinkClick r:id="rId4">
+                  <a:extLst>
+                    <a:ext uri="{A12FA001-AC4F-418D-AE19-62706E023703}">
+                      <ahyp:hlinkClr xmlns:ahyp="http://schemas.microsoft.com/office/drawing/2018/hyperlinkcolor" val="tx"/>
+                    </a:ext>
+                  </a:extLst>
+                </a:hlinkClick>
+              </a:rPr>
+              <a:t>https://dot.net</a:t>
+            </a:r>
+          </a:p>
+          <a:p>
+            <a:pPr marL="342900" indent="-342900">
+              <a:lnSpc>
+                <a:spcPct val="200000"/>
+              </a:lnSpc>
+              <a:buFont typeface="Arial" panose="020B0604020202020204" pitchFamily="34" charset="0"/>
+              <a:buChar char="•"/>
+            </a:pPr>
+            <a:r>
+              <a:rPr lang="en-US" sz="2400" dirty="0">
+                <a:solidFill>
+                  <a:schemeClr val="bg1"/>
+                </a:solidFill>
+                <a:ea typeface="+mn-lt"/>
+                <a:cs typeface="+mn-lt"/>
+                <a:hlinkClick r:id="rId4">
+                  <a:extLst>
+                    <a:ext uri="{A12FA001-AC4F-418D-AE19-62706E023703}">
+                      <ahyp:hlinkClr xmlns:ahyp="http://schemas.microsoft.com/office/drawing/2018/hyperlinkcolor" val="tx"/>
+                    </a:ext>
+                  </a:extLst>
+                </a:hlinkClick>
+              </a:rPr>
+              <a:t>https://docs.microsoft.com/en-us/dotnet/csharp/whats-new/csharp-8</a:t>
+            </a:r>
+            <a:endParaRPr lang="en-US" sz="2400" dirty="0">
+              <a:solidFill>
+                <a:schemeClr val="bg1"/>
+              </a:solidFill>
+              <a:ea typeface="+mn-lt"/>
+              <a:cs typeface="+mn-lt"/>
+            </a:endParaRPr>
+          </a:p>
+          <a:p>
+            <a:pPr marL="342900" indent="-342900">
+              <a:lnSpc>
+                <a:spcPct val="200000"/>
+              </a:lnSpc>
+              <a:buFont typeface="Arial" panose="020B0604020202020204" pitchFamily="34" charset="0"/>
+              <a:buChar char="•"/>
+            </a:pPr>
+            <a:r>
+              <a:rPr lang="en-US" sz="2400" dirty="0">
+                <a:solidFill>
+                  <a:schemeClr val="bg1"/>
+                </a:solidFill>
+                <a:ea typeface="+mn-lt"/>
+                <a:cs typeface="+mn-lt"/>
+                <a:hlinkClick r:id="rId5">
+                  <a:extLst>
+                    <a:ext uri="{A12FA001-AC4F-418D-AE19-62706E023703}">
+                      <ahyp:hlinkClr xmlns:ahyp="http://schemas.microsoft.com/office/drawing/2018/hyperlinkcolor" val="tx"/>
+                    </a:ext>
+                  </a:extLst>
+                </a:hlinkClick>
+              </a:rPr>
+              <a:t>https://github.com/dotnet/csharplang</a:t>
+            </a:r>
+          </a:p>
+          <a:p>
+            <a:pPr marL="342900" indent="-342900">
+              <a:lnSpc>
+                <a:spcPct val="200000"/>
+              </a:lnSpc>
+              <a:buFont typeface="Arial" panose="020B0604020202020204" pitchFamily="34" charset="0"/>
+              <a:buChar char="•"/>
+            </a:pPr>
+            <a:r>
+              <a:rPr lang="en-US" sz="2400" dirty="0">
+                <a:solidFill>
+                  <a:schemeClr val="bg1"/>
+                </a:solidFill>
+                <a:ea typeface="+mn-lt"/>
+                <a:cs typeface="+mn-lt"/>
+                <a:hlinkClick r:id="rId6">
+                  <a:extLst>
+                    <a:ext uri="{A12FA001-AC4F-418D-AE19-62706E023703}">
+                      <ahyp:hlinkClr xmlns:ahyp="http://schemas.microsoft.com/office/drawing/2018/hyperlinkcolor" val="tx"/>
+                    </a:ext>
+                  </a:extLst>
+                </a:hlinkClick>
+              </a:rPr>
+              <a:t>https://devblogs.microsoft.com/dotnet/category/c/</a:t>
+            </a:r>
+            <a:endParaRPr lang="en-US" sz="2400" dirty="0">
+              <a:solidFill>
+                <a:schemeClr val="bg1"/>
+              </a:solidFill>
+              <a:latin typeface="Rocket Sans" panose="020B0602020202020204" pitchFamily="34" charset="0"/>
+              <a:ea typeface="Rocket Sans" panose="020B0602020202020204" pitchFamily="34" charset="0"/>
+            </a:endParaRPr>
+          </a:p>
+        </p:txBody>
+      </p:sp>
+      <p:sp>
+        <p:nvSpPr>
+          <p:cNvPr id="11" name="TextBox 10">
+            <a:extLst>
+              <a:ext uri="{FF2B5EF4-FFF2-40B4-BE49-F238E27FC236}">
+                <a16:creationId xmlns:a16="http://schemas.microsoft.com/office/drawing/2014/main" id="{2D6D5E08-A9D5-A241-89B0-DE7095C78C45}"/>
+              </a:ext>
+            </a:extLst>
+          </p:cNvPr>
+          <p:cNvSpPr txBox="1"/>
+          <p:nvPr/>
+        </p:nvSpPr>
+        <p:spPr>
+          <a:xfrm>
+            <a:off x="1542500" y="778217"/>
+            <a:ext cx="7451598" cy="1323439"/>
+          </a:xfrm>
+          <a:prstGeom prst="rect">
+            <a:avLst/>
+          </a:prstGeom>
+          <a:noFill/>
+        </p:spPr>
+        <p:txBody>
+          <a:bodyPr wrap="square" rtlCol="0">
+            <a:spAutoFit/>
+          </a:bodyPr>
+          <a:lstStyle/>
+          <a:p>
+            <a:r>
+              <a:rPr lang="en-US" sz="8000" b="1">
+                <a:solidFill>
+                  <a:schemeClr val="bg1"/>
+                </a:solidFill>
+                <a:latin typeface="Rocket Sans" panose="020B0602020202020204" pitchFamily="34" charset="0"/>
+                <a:ea typeface="Rocket Sans" panose="020B0602020202020204" pitchFamily="34" charset="0"/>
+              </a:rPr>
+              <a:t>keep up here:</a:t>
+            </a:r>
+          </a:p>
+        </p:txBody>
+      </p:sp>
+      <p:pic>
+        <p:nvPicPr>
+          <p:cNvPr id="19" name="Picture 18" descr="A close up of a logo&#10;&#10;Description automatically generated">
+            <a:extLst>
+              <a:ext uri="{FF2B5EF4-FFF2-40B4-BE49-F238E27FC236}">
+                <a16:creationId xmlns:a16="http://schemas.microsoft.com/office/drawing/2014/main" id="{2AFACB4C-A4AC-4847-96F0-5DF625436670}"/>
+              </a:ext>
+            </a:extLst>
+          </p:cNvPr>
+          <p:cNvPicPr>
+            <a:picLocks noChangeAspect="1"/>
+          </p:cNvPicPr>
+          <p:nvPr/>
+        </p:nvPicPr>
+        <p:blipFill>
+          <a:blip r:embed="rId7"/>
+          <a:stretch>
+            <a:fillRect/>
+          </a:stretch>
+        </p:blipFill>
+        <p:spPr>
+          <a:xfrm>
+            <a:off x="10473128" y="5279612"/>
+            <a:ext cx="491339" cy="477712"/>
+          </a:xfrm>
+          <a:prstGeom prst="rect">
+            <a:avLst/>
+          </a:prstGeom>
+        </p:spPr>
+      </p:pic>
+    </p:spTree>
+    <p:extLst>
+      <p:ext uri="{BB962C8B-B14F-4D97-AF65-F5344CB8AC3E}">
+        <p14:creationId xmlns:p14="http://schemas.microsoft.com/office/powerpoint/2010/main" val="3126867027"/>
+      </p:ext>
+    </p:extLst>
+  </p:cSld>
+  <p:clrMapOvr>
+    <a:masterClrMapping/>
+  </p:clrMapOvr>
+</p:sld>
+</file>
+
+<file path=ppt/slides/slide15.xml><?xml version="1.0" encoding="utf-8"?>
+<p:sld xmlns:a="http://schemas.openxmlformats.org/drawingml/2006/main" xmlns:r="http://schemas.openxmlformats.org/officeDocument/2006/relationships" xmlns:p="http://schemas.openxmlformats.org/presentationml/2006/main">
+  <p:cSld>
+    <p:spTree>
+      <p:nvGrpSpPr>
+        <p:cNvPr id="1" name=""/>
+        <p:cNvGrpSpPr/>
+        <p:nvPr/>
+      </p:nvGrpSpPr>
+      <p:grpSpPr>
+        <a:xfrm>
+          <a:off x="0" y="0"/>
+          <a:ext cx="0" cy="0"/>
+          <a:chOff x="0" y="0"/>
+          <a:chExt cx="0" cy="0"/>
+        </a:xfrm>
+      </p:grpSpPr>
+      <p:pic>
+        <p:nvPicPr>
+          <p:cNvPr id="7" name="Picture 6" descr="A picture containing electronics&#10;&#10;Description automatically generated">
+            <a:extLst>
+              <a:ext uri="{FF2B5EF4-FFF2-40B4-BE49-F238E27FC236}">
+                <a16:creationId xmlns:a16="http://schemas.microsoft.com/office/drawing/2014/main" id="{7F6A7F04-8694-4BA7-B869-E74522972B23}"/>
+              </a:ext>
+            </a:extLst>
+          </p:cNvPr>
+          <p:cNvPicPr>
+            <a:picLocks noChangeAspect="1"/>
+          </p:cNvPicPr>
+          <p:nvPr/>
+        </p:nvPicPr>
+        <p:blipFill>
+          <a:blip r:embed="rId3"/>
+          <a:stretch>
+            <a:fillRect/>
+          </a:stretch>
+        </p:blipFill>
+        <p:spPr>
+          <a:xfrm>
+            <a:off x="901758" y="274287"/>
+            <a:ext cx="10388484" cy="6626926"/>
           </a:xfrm>
           <a:prstGeom prst="rect">
             <a:avLst/>
@@ -14959,285 +15237,7 @@
     </p:spTree>
     <p:extLst>
       <p:ext uri="{BB962C8B-B14F-4D97-AF65-F5344CB8AC3E}">
-        <p14:creationId xmlns:p14="http://schemas.microsoft.com/office/powerpoint/2010/main" val="752404881"/>
-      </p:ext>
-    </p:extLst>
-  </p:cSld>
-  <p:clrMapOvr>
-    <a:masterClrMapping/>
-  </p:clrMapOvr>
-</p:sld>
-</file>
-
-<file path=ppt/slides/slide15.xml><?xml version="1.0" encoding="utf-8"?>
-<p:sld xmlns:a="http://schemas.openxmlformats.org/drawingml/2006/main" xmlns:r="http://schemas.openxmlformats.org/officeDocument/2006/relationships" xmlns:p="http://schemas.openxmlformats.org/presentationml/2006/main">
-  <p:cSld>
-    <p:spTree>
-      <p:nvGrpSpPr>
-        <p:cNvPr id="1" name=""/>
-        <p:cNvGrpSpPr/>
-        <p:nvPr/>
-      </p:nvGrpSpPr>
-      <p:grpSpPr>
-        <a:xfrm>
-          <a:off x="0" y="0"/>
-          <a:ext cx="0" cy="0"/>
-          <a:chOff x="0" y="0"/>
-          <a:chExt cx="0" cy="0"/>
-        </a:xfrm>
-      </p:grpSpPr>
-      <p:pic>
-        <p:nvPicPr>
-          <p:cNvPr id="13" name="Picture 12" descr="A picture containing electronics, display&#10;&#10;Description automatically generated">
-            <a:extLst>
-              <a:ext uri="{FF2B5EF4-FFF2-40B4-BE49-F238E27FC236}">
-                <a16:creationId xmlns:a16="http://schemas.microsoft.com/office/drawing/2014/main" id="{88349F9C-2412-0E43-AFFE-C530518CC76D}"/>
-              </a:ext>
-            </a:extLst>
-          </p:cNvPr>
-          <p:cNvPicPr>
-            <a:picLocks noChangeAspect="1"/>
-          </p:cNvPicPr>
-          <p:nvPr/>
-        </p:nvPicPr>
-        <p:blipFill>
-          <a:blip r:embed="rId3"/>
-          <a:stretch>
-            <a:fillRect/>
-          </a:stretch>
-        </p:blipFill>
-        <p:spPr>
-          <a:xfrm>
-            <a:off x="904661" y="315686"/>
-            <a:ext cx="10382679" cy="6629400"/>
-          </a:xfrm>
-          <a:prstGeom prst="rect">
-            <a:avLst/>
-          </a:prstGeom>
-        </p:spPr>
-      </p:pic>
-      <p:sp>
-        <p:nvSpPr>
-          <p:cNvPr id="9" name="TextBox 8">
-            <a:extLst>
-              <a:ext uri="{FF2B5EF4-FFF2-40B4-BE49-F238E27FC236}">
-                <a16:creationId xmlns:a16="http://schemas.microsoft.com/office/drawing/2014/main" id="{000DE3CD-9233-DC4E-BBCE-A8DE86739D16}"/>
-              </a:ext>
-            </a:extLst>
-          </p:cNvPr>
-          <p:cNvSpPr txBox="1"/>
-          <p:nvPr/>
-        </p:nvSpPr>
-        <p:spPr>
-          <a:xfrm>
-            <a:off x="1385016" y="1940092"/>
-            <a:ext cx="9421968" cy="2941767"/>
-          </a:xfrm>
-          <a:prstGeom prst="rect">
-            <a:avLst/>
-          </a:prstGeom>
-          <a:noFill/>
-        </p:spPr>
-        <p:txBody>
-          <a:bodyPr wrap="square" rtlCol="0">
-            <a:spAutoFit/>
-          </a:bodyPr>
-          <a:lstStyle/>
-          <a:p>
-            <a:pPr marL="342900" indent="-342900">
-              <a:lnSpc>
-                <a:spcPct val="200000"/>
-              </a:lnSpc>
-              <a:buFont typeface="Arial" panose="020B0604020202020204" pitchFamily="34" charset="0"/>
-              <a:buChar char="•"/>
-            </a:pPr>
-            <a:r>
-              <a:rPr lang="en-US" sz="2400" dirty="0">
-                <a:solidFill>
-                  <a:schemeClr val="bg1"/>
-                </a:solidFill>
-                <a:ea typeface="+mn-lt"/>
-                <a:cs typeface="+mn-lt"/>
-                <a:hlinkClick r:id="rId4">
-                  <a:extLst>
-                    <a:ext uri="{A12FA001-AC4F-418D-AE19-62706E023703}">
-                      <ahyp:hlinkClr xmlns:ahyp="http://schemas.microsoft.com/office/drawing/2018/hyperlinkcolor" val="tx"/>
-                    </a:ext>
-                  </a:extLst>
-                </a:hlinkClick>
-              </a:rPr>
-              <a:t>https://dot.net</a:t>
-            </a:r>
-          </a:p>
-          <a:p>
-            <a:pPr marL="342900" indent="-342900">
-              <a:lnSpc>
-                <a:spcPct val="200000"/>
-              </a:lnSpc>
-              <a:buFont typeface="Arial" panose="020B0604020202020204" pitchFamily="34" charset="0"/>
-              <a:buChar char="•"/>
-            </a:pPr>
-            <a:r>
-              <a:rPr lang="en-US" sz="2400" dirty="0">
-                <a:solidFill>
-                  <a:schemeClr val="bg1"/>
-                </a:solidFill>
-                <a:ea typeface="+mn-lt"/>
-                <a:cs typeface="+mn-lt"/>
-                <a:hlinkClick r:id="rId4">
-                  <a:extLst>
-                    <a:ext uri="{A12FA001-AC4F-418D-AE19-62706E023703}">
-                      <ahyp:hlinkClr xmlns:ahyp="http://schemas.microsoft.com/office/drawing/2018/hyperlinkcolor" val="tx"/>
-                    </a:ext>
-                  </a:extLst>
-                </a:hlinkClick>
-              </a:rPr>
-              <a:t>https://docs.microsoft.com/en-us/dotnet/csharp/whats-new/csharp-8</a:t>
-            </a:r>
-            <a:endParaRPr lang="en-US" sz="2400" dirty="0">
-              <a:solidFill>
-                <a:schemeClr val="bg1"/>
-              </a:solidFill>
-              <a:ea typeface="+mn-lt"/>
-              <a:cs typeface="+mn-lt"/>
-            </a:endParaRPr>
-          </a:p>
-          <a:p>
-            <a:pPr marL="342900" indent="-342900">
-              <a:lnSpc>
-                <a:spcPct val="200000"/>
-              </a:lnSpc>
-              <a:buFont typeface="Arial" panose="020B0604020202020204" pitchFamily="34" charset="0"/>
-              <a:buChar char="•"/>
-            </a:pPr>
-            <a:r>
-              <a:rPr lang="en-US" sz="2400" dirty="0">
-                <a:solidFill>
-                  <a:schemeClr val="bg1"/>
-                </a:solidFill>
-                <a:ea typeface="+mn-lt"/>
-                <a:cs typeface="+mn-lt"/>
-                <a:hlinkClick r:id="rId5">
-                  <a:extLst>
-                    <a:ext uri="{A12FA001-AC4F-418D-AE19-62706E023703}">
-                      <ahyp:hlinkClr xmlns:ahyp="http://schemas.microsoft.com/office/drawing/2018/hyperlinkcolor" val="tx"/>
-                    </a:ext>
-                  </a:extLst>
-                </a:hlinkClick>
-              </a:rPr>
-              <a:t>https://github.com/dotnet/csharplang</a:t>
-            </a:r>
-          </a:p>
-          <a:p>
-            <a:pPr marL="342900" indent="-342900">
-              <a:lnSpc>
-                <a:spcPct val="200000"/>
-              </a:lnSpc>
-              <a:buFont typeface="Arial" panose="020B0604020202020204" pitchFamily="34" charset="0"/>
-              <a:buChar char="•"/>
-            </a:pPr>
-            <a:r>
-              <a:rPr lang="en-US" sz="2400" dirty="0">
-                <a:solidFill>
-                  <a:schemeClr val="bg1"/>
-                </a:solidFill>
-                <a:ea typeface="+mn-lt"/>
-                <a:cs typeface="+mn-lt"/>
-                <a:hlinkClick r:id="rId6">
-                  <a:extLst>
-                    <a:ext uri="{A12FA001-AC4F-418D-AE19-62706E023703}">
-                      <ahyp:hlinkClr xmlns:ahyp="http://schemas.microsoft.com/office/drawing/2018/hyperlinkcolor" val="tx"/>
-                    </a:ext>
-                  </a:extLst>
-                </a:hlinkClick>
-              </a:rPr>
-              <a:t>https://devblogs.microsoft.com/dotnet/category/c/</a:t>
-            </a:r>
-            <a:endParaRPr lang="en-US" sz="2400" dirty="0">
-              <a:solidFill>
-                <a:schemeClr val="bg1"/>
-              </a:solidFill>
-              <a:latin typeface="Rocket Sans" panose="020B0602020202020204" pitchFamily="34" charset="0"/>
-              <a:ea typeface="Rocket Sans" panose="020B0602020202020204" pitchFamily="34" charset="0"/>
-            </a:endParaRPr>
-          </a:p>
-        </p:txBody>
-      </p:sp>
-      <p:sp>
-        <p:nvSpPr>
-          <p:cNvPr id="11" name="TextBox 10">
-            <a:extLst>
-              <a:ext uri="{FF2B5EF4-FFF2-40B4-BE49-F238E27FC236}">
-                <a16:creationId xmlns:a16="http://schemas.microsoft.com/office/drawing/2014/main" id="{2D6D5E08-A9D5-A241-89B0-DE7095C78C45}"/>
-              </a:ext>
-            </a:extLst>
-          </p:cNvPr>
-          <p:cNvSpPr txBox="1"/>
-          <p:nvPr/>
-        </p:nvSpPr>
-        <p:spPr>
-          <a:xfrm>
-            <a:off x="1542500" y="778217"/>
-            <a:ext cx="7451598" cy="1323439"/>
-          </a:xfrm>
-          <a:prstGeom prst="rect">
-            <a:avLst/>
-          </a:prstGeom>
-          <a:noFill/>
-        </p:spPr>
-        <p:txBody>
-          <a:bodyPr wrap="square" rtlCol="0">
-            <a:spAutoFit/>
-          </a:bodyPr>
-          <a:lstStyle/>
-          <a:p>
-            <a:r>
-              <a:rPr lang="en-US" sz="8000" b="1">
-                <a:solidFill>
-                  <a:schemeClr val="bg1"/>
-                </a:solidFill>
-                <a:latin typeface="Rocket Sans" panose="020B0602020202020204" pitchFamily="34" charset="0"/>
-                <a:ea typeface="Rocket Sans" panose="020B0602020202020204" pitchFamily="34" charset="0"/>
-              </a:rPr>
-              <a:t>keep up here:</a:t>
-            </a:r>
-          </a:p>
-        </p:txBody>
-      </p:sp>
-      <p:pic>
-        <p:nvPicPr>
-          <p:cNvPr id="19" name="Picture 18" descr="A close up of a logo&#10;&#10;Description automatically generated">
-            <a:extLst>
-              <a:ext uri="{FF2B5EF4-FFF2-40B4-BE49-F238E27FC236}">
-                <a16:creationId xmlns:a16="http://schemas.microsoft.com/office/drawing/2014/main" id="{2AFACB4C-A4AC-4847-96F0-5DF625436670}"/>
-              </a:ext>
-            </a:extLst>
-          </p:cNvPr>
-          <p:cNvPicPr>
-            <a:picLocks noChangeAspect="1"/>
-          </p:cNvPicPr>
-          <p:nvPr/>
-        </p:nvPicPr>
-        <p:blipFill>
-          <a:blip r:embed="rId7"/>
-          <a:stretch>
-            <a:fillRect/>
-          </a:stretch>
-        </p:blipFill>
-        <p:spPr>
-          <a:xfrm>
-            <a:off x="10473128" y="5279612"/>
-            <a:ext cx="491339" cy="477712"/>
-          </a:xfrm>
-          <a:prstGeom prst="rect">
-            <a:avLst/>
-          </a:prstGeom>
-        </p:spPr>
-      </p:pic>
-    </p:spTree>
-    <p:extLst>
-      <p:ext uri="{BB962C8B-B14F-4D97-AF65-F5344CB8AC3E}">
-        <p14:creationId xmlns:p14="http://schemas.microsoft.com/office/powerpoint/2010/main" val="1421089506"/>
+        <p14:creationId xmlns:p14="http://schemas.microsoft.com/office/powerpoint/2010/main" val="1929157471"/>
       </p:ext>
     </p:extLst>
   </p:cSld>
